--- a/פוסטר.pptx
+++ b/פוסטר.pptx
@@ -174,8 +174,8 @@
 <file path=ppt/revisionInfo.xml><?xml version="1.0" encoding="utf-8"?>
 <p1510:revInfo xmlns:a="http://schemas.openxmlformats.org/drawingml/2006/main" xmlns:r="http://schemas.openxmlformats.org/officeDocument/2006/relationships" xmlns:p1510="http://schemas.microsoft.com/office/powerpoint/2015/10/main">
   <p1510:revLst>
-    <p1510:client id="{44C86CD2-DC25-4DB6-A9FC-315CAFE942EB}" v="1282" dt="2024-07-23T12:33:31.426"/>
-    <p1510:client id="{56A94E87-B80E-4982-B9BF-FDBEE1FD4106}" v="617" dt="2024-07-23T12:33:33.455"/>
+    <p1510:client id="{44C86CD2-DC25-4DB6-A9FC-315CAFE942EB}" v="2225" dt="2024-07-23T13:31:06.792"/>
+    <p1510:client id="{56A94E87-B80E-4982-B9BF-FDBEE1FD4106}" v="1773" dt="2024-07-23T13:31:00.344"/>
   </p1510:revLst>
 </p1510:revInfo>
 </file>
@@ -185,18 +185,18 @@
   <pc:docChgLst>
     <pc:chgData name="Yael Tzadik" userId="259f344a-9b4d-4b72-8a03-e64fa947ae46" providerId="ADAL" clId="{56A94E87-B80E-4982-B9BF-FDBEE1FD4106}"/>
     <pc:docChg chg="undo redo custSel modSld">
-      <pc:chgData name="Yael Tzadik" userId="259f344a-9b4d-4b72-8a03-e64fa947ae46" providerId="ADAL" clId="{56A94E87-B80E-4982-B9BF-FDBEE1FD4106}" dt="2024-07-23T12:33:33.455" v="616" actId="1076"/>
+      <pc:chgData name="Yael Tzadik" userId="259f344a-9b4d-4b72-8a03-e64fa947ae46" providerId="ADAL" clId="{56A94E87-B80E-4982-B9BF-FDBEE1FD4106}" dt="2024-07-23T13:31:00.344" v="1770" actId="313"/>
       <pc:docMkLst>
         <pc:docMk/>
       </pc:docMkLst>
       <pc:sldChg chg="addSp delSp modSp mod modAnim">
-        <pc:chgData name="Yael Tzadik" userId="259f344a-9b4d-4b72-8a03-e64fa947ae46" providerId="ADAL" clId="{56A94E87-B80E-4982-B9BF-FDBEE1FD4106}" dt="2024-07-23T12:33:33.455" v="616" actId="1076"/>
+        <pc:chgData name="Yael Tzadik" userId="259f344a-9b4d-4b72-8a03-e64fa947ae46" providerId="ADAL" clId="{56A94E87-B80E-4982-B9BF-FDBEE1FD4106}" dt="2024-07-23T13:31:00.344" v="1770" actId="313"/>
         <pc:sldMkLst>
           <pc:docMk/>
           <pc:sldMk cId="0" sldId="256"/>
         </pc:sldMkLst>
         <pc:spChg chg="add mod">
-          <ac:chgData name="Yael Tzadik" userId="259f344a-9b4d-4b72-8a03-e64fa947ae46" providerId="ADAL" clId="{56A94E87-B80E-4982-B9BF-FDBEE1FD4106}" dt="2024-07-23T12:25:59.609" v="436" actId="20577"/>
+          <ac:chgData name="Yael Tzadik" userId="259f344a-9b4d-4b72-8a03-e64fa947ae46" providerId="ADAL" clId="{56A94E87-B80E-4982-B9BF-FDBEE1FD4106}" dt="2024-07-23T13:02:36.913" v="1308" actId="1076"/>
           <ac:spMkLst>
             <pc:docMk/>
             <pc:sldMk cId="0" sldId="256"/>
@@ -204,7 +204,23 @@
           </ac:spMkLst>
         </pc:spChg>
         <pc:spChg chg="mod">
-          <ac:chgData name="Yael Tzadik" userId="259f344a-9b4d-4b72-8a03-e64fa947ae46" providerId="ADAL" clId="{56A94E87-B80E-4982-B9BF-FDBEE1FD4106}" dt="2024-07-23T12:24:54.655" v="406" actId="1076"/>
+          <ac:chgData name="Yael Tzadik" userId="259f344a-9b4d-4b72-8a03-e64fa947ae46" providerId="ADAL" clId="{56A94E87-B80E-4982-B9BF-FDBEE1FD4106}" dt="2024-07-23T13:02:36.913" v="1308" actId="1076"/>
+          <ac:spMkLst>
+            <pc:docMk/>
+            <pc:sldMk cId="0" sldId="256"/>
+            <ac:spMk id="9" creationId="{84B268B2-FA46-8ADC-A663-70B1E1C38956}"/>
+          </ac:spMkLst>
+        </pc:spChg>
+        <pc:spChg chg="del">
+          <ac:chgData name="Yael Tzadik" userId="259f344a-9b4d-4b72-8a03-e64fa947ae46" providerId="ADAL" clId="{56A94E87-B80E-4982-B9BF-FDBEE1FD4106}" dt="2024-07-23T13:17:08.025" v="1327" actId="478"/>
+          <ac:spMkLst>
+            <pc:docMk/>
+            <pc:sldMk cId="0" sldId="256"/>
+            <ac:spMk id="11" creationId="{3C3716E5-CA6A-12BC-FAC4-5EC7FDABF8C2}"/>
+          </ac:spMkLst>
+        </pc:spChg>
+        <pc:spChg chg="mod">
+          <ac:chgData name="Yael Tzadik" userId="259f344a-9b4d-4b72-8a03-e64fa947ae46" providerId="ADAL" clId="{56A94E87-B80E-4982-B9BF-FDBEE1FD4106}" dt="2024-07-23T13:02:36.913" v="1308" actId="1076"/>
           <ac:spMkLst>
             <pc:docMk/>
             <pc:sldMk cId="0" sldId="256"/>
@@ -212,11 +228,203 @@
           </ac:spMkLst>
         </pc:spChg>
         <pc:spChg chg="add mod">
-          <ac:chgData name="Yael Tzadik" userId="259f344a-9b4d-4b72-8a03-e64fa947ae46" providerId="ADAL" clId="{56A94E87-B80E-4982-B9BF-FDBEE1FD4106}" dt="2024-07-23T12:25:20.991" v="409" actId="1076"/>
+          <ac:chgData name="Yael Tzadik" userId="259f344a-9b4d-4b72-8a03-e64fa947ae46" providerId="ADAL" clId="{56A94E87-B80E-4982-B9BF-FDBEE1FD4106}" dt="2024-07-23T13:02:36.913" v="1308" actId="1076"/>
           <ac:spMkLst>
             <pc:docMk/>
             <pc:sldMk cId="0" sldId="256"/>
             <ac:spMk id="16" creationId="{AFE651DC-E373-362B-1A63-03D5CA0E9775}"/>
+          </ac:spMkLst>
+        </pc:spChg>
+        <pc:spChg chg="mod">
+          <ac:chgData name="Yael Tzadik" userId="259f344a-9b4d-4b72-8a03-e64fa947ae46" providerId="ADAL" clId="{56A94E87-B80E-4982-B9BF-FDBEE1FD4106}" dt="2024-07-23T13:18:04.139" v="1456" actId="1036"/>
+          <ac:spMkLst>
+            <pc:docMk/>
+            <pc:sldMk cId="0" sldId="256"/>
+            <ac:spMk id="18" creationId="{4DCF5954-B435-51BF-1C83-1F1B9C5BD256}"/>
+          </ac:spMkLst>
+        </pc:spChg>
+        <pc:spChg chg="mod">
+          <ac:chgData name="Yael Tzadik" userId="259f344a-9b4d-4b72-8a03-e64fa947ae46" providerId="ADAL" clId="{56A94E87-B80E-4982-B9BF-FDBEE1FD4106}" dt="2024-07-23T13:18:04.139" v="1456" actId="1036"/>
+          <ac:spMkLst>
+            <pc:docMk/>
+            <pc:sldMk cId="0" sldId="256"/>
+            <ac:spMk id="24" creationId="{70289739-8D10-1A68-2A96-F51185BD7AB9}"/>
+          </ac:spMkLst>
+        </pc:spChg>
+        <pc:spChg chg="add del mod">
+          <ac:chgData name="Yael Tzadik" userId="259f344a-9b4d-4b72-8a03-e64fa947ae46" providerId="ADAL" clId="{56A94E87-B80E-4982-B9BF-FDBEE1FD4106}" dt="2024-07-23T12:59:58.139" v="1165" actId="21"/>
+          <ac:spMkLst>
+            <pc:docMk/>
+            <pc:sldMk cId="0" sldId="256"/>
+            <ac:spMk id="27" creationId="{7A96A391-95D3-1CC3-1EBE-21363DCC3010}"/>
+          </ac:spMkLst>
+        </pc:spChg>
+        <pc:spChg chg="add del mod">
+          <ac:chgData name="Yael Tzadik" userId="259f344a-9b4d-4b72-8a03-e64fa947ae46" providerId="ADAL" clId="{56A94E87-B80E-4982-B9BF-FDBEE1FD4106}" dt="2024-07-23T12:40:04.692" v="733" actId="313"/>
+          <ac:spMkLst>
+            <pc:docMk/>
+            <pc:sldMk cId="0" sldId="256"/>
+            <ac:spMk id="30" creationId="{43EC26DC-D6CE-1D5D-16E0-C3F2985D6003}"/>
+          </ac:spMkLst>
+        </pc:spChg>
+        <pc:spChg chg="del">
+          <ac:chgData name="Yael Tzadik" userId="259f344a-9b4d-4b72-8a03-e64fa947ae46" providerId="ADAL" clId="{56A94E87-B80E-4982-B9BF-FDBEE1FD4106}" dt="2024-07-23T13:17:14.383" v="1328" actId="21"/>
+          <ac:spMkLst>
+            <pc:docMk/>
+            <pc:sldMk cId="0" sldId="256"/>
+            <ac:spMk id="34" creationId="{AB2EE117-8569-1562-875B-980282995E06}"/>
+          </ac:spMkLst>
+        </pc:spChg>
+        <pc:spChg chg="add mod">
+          <ac:chgData name="Yael Tzadik" userId="259f344a-9b4d-4b72-8a03-e64fa947ae46" providerId="ADAL" clId="{56A94E87-B80E-4982-B9BF-FDBEE1FD4106}" dt="2024-07-23T13:29:49.383" v="1701" actId="5793"/>
+          <ac:spMkLst>
+            <pc:docMk/>
+            <pc:sldMk cId="0" sldId="256"/>
+            <ac:spMk id="36" creationId="{114B28C5-D568-C2E2-7735-08ABDB47CC92}"/>
+          </ac:spMkLst>
+        </pc:spChg>
+        <pc:spChg chg="del">
+          <ac:chgData name="Yael Tzadik" userId="259f344a-9b4d-4b72-8a03-e64fa947ae46" providerId="ADAL" clId="{56A94E87-B80E-4982-B9BF-FDBEE1FD4106}" dt="2024-07-23T13:17:14.383" v="1328" actId="21"/>
+          <ac:spMkLst>
+            <pc:docMk/>
+            <pc:sldMk cId="0" sldId="256"/>
+            <ac:spMk id="39" creationId="{8A66B984-3B57-BE48-E4CF-8285A852F1E2}"/>
+          </ac:spMkLst>
+        </pc:spChg>
+        <pc:spChg chg="add">
+          <ac:chgData name="Yael Tzadik" userId="259f344a-9b4d-4b72-8a03-e64fa947ae46" providerId="ADAL" clId="{56A94E87-B80E-4982-B9BF-FDBEE1FD4106}" dt="2024-07-23T12:53:03.117" v="1058"/>
+          <ac:spMkLst>
+            <pc:docMk/>
+            <pc:sldMk cId="0" sldId="256"/>
+            <ac:spMk id="40" creationId="{44272EB6-5033-682A-06A8-9FDD22E87FE0}"/>
+          </ac:spMkLst>
+        </pc:spChg>
+        <pc:spChg chg="add">
+          <ac:chgData name="Yael Tzadik" userId="259f344a-9b4d-4b72-8a03-e64fa947ae46" providerId="ADAL" clId="{56A94E87-B80E-4982-B9BF-FDBEE1FD4106}" dt="2024-07-23T12:53:08.357" v="1059"/>
+          <ac:spMkLst>
+            <pc:docMk/>
+            <pc:sldMk cId="0" sldId="256"/>
+            <ac:spMk id="41" creationId="{05B362FF-2CDA-6DA6-4C48-BD7E0F5B7363}"/>
+          </ac:spMkLst>
+        </pc:spChg>
+        <pc:spChg chg="add mod">
+          <ac:chgData name="Yael Tzadik" userId="259f344a-9b4d-4b72-8a03-e64fa947ae46" providerId="ADAL" clId="{56A94E87-B80E-4982-B9BF-FDBEE1FD4106}" dt="2024-07-23T13:02:03.567" v="1304" actId="1076"/>
+          <ac:spMkLst>
+            <pc:docMk/>
+            <pc:sldMk cId="0" sldId="256"/>
+            <ac:spMk id="42" creationId="{977E0658-6EFB-7297-C7E6-D4DB2AD5DEF3}"/>
+          </ac:spMkLst>
+        </pc:spChg>
+        <pc:spChg chg="add mod">
+          <ac:chgData name="Yael Tzadik" userId="259f344a-9b4d-4b72-8a03-e64fa947ae46" providerId="ADAL" clId="{56A94E87-B80E-4982-B9BF-FDBEE1FD4106}" dt="2024-07-23T13:00:24.531" v="1299" actId="1035"/>
+          <ac:spMkLst>
+            <pc:docMk/>
+            <pc:sldMk cId="0" sldId="256"/>
+            <ac:spMk id="43" creationId="{00000000-0000-0000-0000-000000000000}"/>
+          </ac:spMkLst>
+        </pc:spChg>
+        <pc:spChg chg="add mod">
+          <ac:chgData name="Yael Tzadik" userId="259f344a-9b4d-4b72-8a03-e64fa947ae46" providerId="ADAL" clId="{56A94E87-B80E-4982-B9BF-FDBEE1FD4106}" dt="2024-07-23T13:00:39.486" v="1301" actId="14100"/>
+          <ac:spMkLst>
+            <pc:docMk/>
+            <pc:sldMk cId="0" sldId="256"/>
+            <ac:spMk id="44" creationId="{00000000-0000-0000-0000-000000000000}"/>
+          </ac:spMkLst>
+        </pc:spChg>
+        <pc:spChg chg="add mod">
+          <ac:chgData name="Yael Tzadik" userId="259f344a-9b4d-4b72-8a03-e64fa947ae46" providerId="ADAL" clId="{56A94E87-B80E-4982-B9BF-FDBEE1FD4106}" dt="2024-07-23T13:04:19.622" v="1319" actId="14100"/>
+          <ac:spMkLst>
+            <pc:docMk/>
+            <pc:sldMk cId="0" sldId="256"/>
+            <ac:spMk id="45" creationId="{00000000-0000-0000-0000-000000000000}"/>
+          </ac:spMkLst>
+        </pc:spChg>
+        <pc:spChg chg="add mod">
+          <ac:chgData name="Yael Tzadik" userId="259f344a-9b4d-4b72-8a03-e64fa947ae46" providerId="ADAL" clId="{56A94E87-B80E-4982-B9BF-FDBEE1FD4106}" dt="2024-07-23T13:00:24.531" v="1299" actId="1035"/>
+          <ac:spMkLst>
+            <pc:docMk/>
+            <pc:sldMk cId="0" sldId="256"/>
+            <ac:spMk id="46" creationId="{00000000-0000-0000-0000-000000000000}"/>
+          </ac:spMkLst>
+        </pc:spChg>
+        <pc:spChg chg="add mod">
+          <ac:chgData name="Yael Tzadik" userId="259f344a-9b4d-4b72-8a03-e64fa947ae46" providerId="ADAL" clId="{56A94E87-B80E-4982-B9BF-FDBEE1FD4106}" dt="2024-07-23T13:00:24.531" v="1299" actId="1035"/>
+          <ac:spMkLst>
+            <pc:docMk/>
+            <pc:sldMk cId="0" sldId="256"/>
+            <ac:spMk id="49" creationId="{7A96A391-95D3-1CC3-1EBE-21363DCC3010}"/>
+          </ac:spMkLst>
+        </pc:spChg>
+        <pc:spChg chg="add mod">
+          <ac:chgData name="Yael Tzadik" userId="259f344a-9b4d-4b72-8a03-e64fa947ae46" providerId="ADAL" clId="{56A94E87-B80E-4982-B9BF-FDBEE1FD4106}" dt="2024-07-23T13:03:23.971" v="1314" actId="14100"/>
+          <ac:spMkLst>
+            <pc:docMk/>
+            <pc:sldMk cId="0" sldId="256"/>
+            <ac:spMk id="50" creationId="{19F89D3B-154D-CD3A-85E6-4D7891BCBCB4}"/>
+          </ac:spMkLst>
+        </pc:spChg>
+        <pc:spChg chg="add del mod">
+          <ac:chgData name="Yael Tzadik" userId="259f344a-9b4d-4b72-8a03-e64fa947ae46" providerId="ADAL" clId="{56A94E87-B80E-4982-B9BF-FDBEE1FD4106}" dt="2024-07-23T13:04:13.810" v="1318" actId="478"/>
+          <ac:spMkLst>
+            <pc:docMk/>
+            <pc:sldMk cId="0" sldId="256"/>
+            <ac:spMk id="51" creationId="{5F62F527-F5D3-7E9E-6EBC-64980528686C}"/>
+          </ac:spMkLst>
+        </pc:spChg>
+        <pc:spChg chg="add mod">
+          <ac:chgData name="Yael Tzadik" userId="259f344a-9b4d-4b72-8a03-e64fa947ae46" providerId="ADAL" clId="{56A94E87-B80E-4982-B9BF-FDBEE1FD4106}" dt="2024-07-23T13:13:42.147" v="1326" actId="14100"/>
+          <ac:spMkLst>
+            <pc:docMk/>
+            <pc:sldMk cId="0" sldId="256"/>
+            <ac:spMk id="52" creationId="{D0F735F6-56A2-636F-F5FA-7F9DA687EFC2}"/>
+          </ac:spMkLst>
+        </pc:spChg>
+        <pc:spChg chg="add mod">
+          <ac:chgData name="Yael Tzadik" userId="259f344a-9b4d-4b72-8a03-e64fa947ae46" providerId="ADAL" clId="{56A94E87-B80E-4982-B9BF-FDBEE1FD4106}" dt="2024-07-23T13:17:31.988" v="1334" actId="1076"/>
+          <ac:spMkLst>
+            <pc:docMk/>
+            <pc:sldMk cId="0" sldId="256"/>
+            <ac:spMk id="54" creationId="{AB2EE117-8569-1562-875B-980282995E06}"/>
+          </ac:spMkLst>
+        </pc:spChg>
+        <pc:spChg chg="add mod">
+          <ac:chgData name="Yael Tzadik" userId="259f344a-9b4d-4b72-8a03-e64fa947ae46" providerId="ADAL" clId="{56A94E87-B80E-4982-B9BF-FDBEE1FD4106}" dt="2024-07-23T13:17:31.988" v="1334" actId="1076"/>
+          <ac:spMkLst>
+            <pc:docMk/>
+            <pc:sldMk cId="0" sldId="256"/>
+            <ac:spMk id="60" creationId="{8A66B984-3B57-BE48-E4CF-8285A852F1E2}"/>
+          </ac:spMkLst>
+        </pc:spChg>
+        <pc:spChg chg="add del mod">
+          <ac:chgData name="Yael Tzadik" userId="259f344a-9b4d-4b72-8a03-e64fa947ae46" providerId="ADAL" clId="{56A94E87-B80E-4982-B9BF-FDBEE1FD4106}" dt="2024-07-23T13:28:55.475" v="1699" actId="14100"/>
+          <ac:spMkLst>
+            <pc:docMk/>
+            <pc:sldMk cId="0" sldId="256"/>
+            <ac:spMk id="61" creationId="{A4ED3B4E-711B-AD53-144D-CE46C1380C69}"/>
+          </ac:spMkLst>
+        </pc:spChg>
+        <pc:spChg chg="add del mod">
+          <ac:chgData name="Yael Tzadik" userId="259f344a-9b4d-4b72-8a03-e64fa947ae46" providerId="ADAL" clId="{56A94E87-B80E-4982-B9BF-FDBEE1FD4106}" dt="2024-07-23T13:27:48.777" v="1608" actId="1076"/>
+          <ac:spMkLst>
+            <pc:docMk/>
+            <pc:sldMk cId="0" sldId="256"/>
+            <ac:spMk id="63" creationId="{521396BD-D9AA-786B-7886-B91A7698A0A4}"/>
+          </ac:spMkLst>
+        </pc:spChg>
+        <pc:spChg chg="add del">
+          <ac:chgData name="Yael Tzadik" userId="259f344a-9b4d-4b72-8a03-e64fa947ae46" providerId="ADAL" clId="{56A94E87-B80E-4982-B9BF-FDBEE1FD4106}" dt="2024-07-23T13:30:03.932" v="1703" actId="22"/>
+          <ac:spMkLst>
+            <pc:docMk/>
+            <pc:sldMk cId="0" sldId="256"/>
+            <ac:spMk id="65" creationId="{7BE32E20-AD92-968A-D661-CE2DE6B4CA32}"/>
+          </ac:spMkLst>
+        </pc:spChg>
+        <pc:spChg chg="add mod">
+          <ac:chgData name="Yael Tzadik" userId="259f344a-9b4d-4b72-8a03-e64fa947ae46" providerId="ADAL" clId="{56A94E87-B80E-4982-B9BF-FDBEE1FD4106}" dt="2024-07-23T13:31:00.344" v="1770" actId="313"/>
+          <ac:spMkLst>
+            <pc:docMk/>
+            <pc:sldMk cId="0" sldId="256"/>
+            <ac:spMk id="66" creationId="{BCB47B7D-8C28-BF68-7679-02679A682309}"/>
           </ac:spMkLst>
         </pc:spChg>
         <pc:spChg chg="mod">
@@ -228,15 +436,47 @@
           </ac:spMkLst>
         </pc:spChg>
         <pc:spChg chg="mod">
-          <ac:chgData name="Yael Tzadik" userId="259f344a-9b4d-4b72-8a03-e64fa947ae46" providerId="ADAL" clId="{56A94E87-B80E-4982-B9BF-FDBEE1FD4106}" dt="2024-07-23T12:02:21.454" v="209" actId="20577"/>
+          <ac:chgData name="Yael Tzadik" userId="259f344a-9b4d-4b72-8a03-e64fa947ae46" providerId="ADAL" clId="{56A94E87-B80E-4982-B9BF-FDBEE1FD4106}" dt="2024-07-23T12:37:38.675" v="680" actId="1076"/>
+          <ac:spMkLst>
+            <pc:docMk/>
+            <pc:sldMk cId="0" sldId="256"/>
+            <ac:spMk id="116" creationId="{00000000-0000-0000-0000-000000000000}"/>
+          </ac:spMkLst>
+        </pc:spChg>
+        <pc:spChg chg="mod">
+          <ac:chgData name="Yael Tzadik" userId="259f344a-9b4d-4b72-8a03-e64fa947ae46" providerId="ADAL" clId="{56A94E87-B80E-4982-B9BF-FDBEE1FD4106}" dt="2024-07-23T12:37:38.675" v="680" actId="1076"/>
+          <ac:spMkLst>
+            <pc:docMk/>
+            <pc:sldMk cId="0" sldId="256"/>
+            <ac:spMk id="117" creationId="{00000000-0000-0000-0000-000000000000}"/>
+          </ac:spMkLst>
+        </pc:spChg>
+        <pc:spChg chg="mod">
+          <ac:chgData name="Yael Tzadik" userId="259f344a-9b4d-4b72-8a03-e64fa947ae46" providerId="ADAL" clId="{56A94E87-B80E-4982-B9BF-FDBEE1FD4106}" dt="2024-07-23T13:18:35.412" v="1458" actId="14100"/>
           <ac:spMkLst>
             <pc:docMk/>
             <pc:sldMk cId="0" sldId="256"/>
             <ac:spMk id="118" creationId="{00000000-0000-0000-0000-000000000000}"/>
           </ac:spMkLst>
         </pc:spChg>
+        <pc:spChg chg="del mod">
+          <ac:chgData name="Yael Tzadik" userId="259f344a-9b4d-4b72-8a03-e64fa947ae46" providerId="ADAL" clId="{56A94E87-B80E-4982-B9BF-FDBEE1FD4106}" dt="2024-07-23T12:44:16.797" v="857" actId="478"/>
+          <ac:spMkLst>
+            <pc:docMk/>
+            <pc:sldMk cId="0" sldId="256"/>
+            <ac:spMk id="119" creationId="{00000000-0000-0000-0000-000000000000}"/>
+          </ac:spMkLst>
+        </pc:spChg>
         <pc:spChg chg="mod">
-          <ac:chgData name="Yael Tzadik" userId="259f344a-9b4d-4b72-8a03-e64fa947ae46" providerId="ADAL" clId="{56A94E87-B80E-4982-B9BF-FDBEE1FD4106}" dt="2024-07-23T12:27:57.097" v="463" actId="20577"/>
+          <ac:chgData name="Yael Tzadik" userId="259f344a-9b4d-4b72-8a03-e64fa947ae46" providerId="ADAL" clId="{56A94E87-B80E-4982-B9BF-FDBEE1FD4106}" dt="2024-07-23T12:37:38.675" v="680" actId="1076"/>
+          <ac:spMkLst>
+            <pc:docMk/>
+            <pc:sldMk cId="0" sldId="256"/>
+            <ac:spMk id="122" creationId="{00000000-0000-0000-0000-000000000000}"/>
+          </ac:spMkLst>
+        </pc:spChg>
+        <pc:spChg chg="del mod">
+          <ac:chgData name="Yael Tzadik" userId="259f344a-9b4d-4b72-8a03-e64fa947ae46" providerId="ADAL" clId="{56A94E87-B80E-4982-B9BF-FDBEE1FD4106}" dt="2024-07-23T12:59:58.139" v="1165" actId="21"/>
           <ac:spMkLst>
             <pc:docMk/>
             <pc:sldMk cId="0" sldId="256"/>
@@ -244,7 +484,23 @@
           </ac:spMkLst>
         </pc:spChg>
         <pc:spChg chg="mod">
-          <ac:chgData name="Yael Tzadik" userId="259f344a-9b4d-4b72-8a03-e64fa947ae46" providerId="ADAL" clId="{56A94E87-B80E-4982-B9BF-FDBEE1FD4106}" dt="2024-07-23T12:25:01.857" v="407" actId="1076"/>
+          <ac:chgData name="Yael Tzadik" userId="259f344a-9b4d-4b72-8a03-e64fa947ae46" providerId="ADAL" clId="{56A94E87-B80E-4982-B9BF-FDBEE1FD4106}" dt="2024-07-23T13:02:36.913" v="1308" actId="1076"/>
+          <ac:spMkLst>
+            <pc:docMk/>
+            <pc:sldMk cId="0" sldId="256"/>
+            <ac:spMk id="130" creationId="{00000000-0000-0000-0000-000000000000}"/>
+          </ac:spMkLst>
+        </pc:spChg>
+        <pc:spChg chg="mod">
+          <ac:chgData name="Yael Tzadik" userId="259f344a-9b4d-4b72-8a03-e64fa947ae46" providerId="ADAL" clId="{56A94E87-B80E-4982-B9BF-FDBEE1FD4106}" dt="2024-07-23T13:02:03.567" v="1304" actId="1076"/>
+          <ac:spMkLst>
+            <pc:docMk/>
+            <pc:sldMk cId="0" sldId="256"/>
+            <ac:spMk id="137" creationId="{00000000-0000-0000-0000-000000000000}"/>
+          </ac:spMkLst>
+        </pc:spChg>
+        <pc:spChg chg="mod">
+          <ac:chgData name="Yael Tzadik" userId="259f344a-9b4d-4b72-8a03-e64fa947ae46" providerId="ADAL" clId="{56A94E87-B80E-4982-B9BF-FDBEE1FD4106}" dt="2024-07-23T13:02:36.913" v="1308" actId="1076"/>
           <ac:spMkLst>
             <pc:docMk/>
             <pc:sldMk cId="0" sldId="256"/>
@@ -252,15 +508,63 @@
           </ac:spMkLst>
         </pc:spChg>
         <pc:spChg chg="mod">
-          <ac:chgData name="Yael Tzadik" userId="259f344a-9b4d-4b72-8a03-e64fa947ae46" providerId="ADAL" clId="{56A94E87-B80E-4982-B9BF-FDBEE1FD4106}" dt="2024-07-23T12:33:27.418" v="615" actId="1076"/>
+          <ac:chgData name="Yael Tzadik" userId="259f344a-9b4d-4b72-8a03-e64fa947ae46" providerId="ADAL" clId="{56A94E87-B80E-4982-B9BF-FDBEE1FD4106}" dt="2024-07-23T12:42:59.302" v="779" actId="14100"/>
+          <ac:spMkLst>
+            <pc:docMk/>
+            <pc:sldMk cId="0" sldId="256"/>
+            <ac:spMk id="142" creationId="{00000000-0000-0000-0000-000000000000}"/>
+          </ac:spMkLst>
+        </pc:spChg>
+        <pc:spChg chg="mod">
+          <ac:chgData name="Yael Tzadik" userId="259f344a-9b4d-4b72-8a03-e64fa947ae46" providerId="ADAL" clId="{56A94E87-B80E-4982-B9BF-FDBEE1FD4106}" dt="2024-07-23T12:41:08.817" v="777" actId="1036"/>
+          <ac:spMkLst>
+            <pc:docMk/>
+            <pc:sldMk cId="0" sldId="256"/>
+            <ac:spMk id="143" creationId="{00000000-0000-0000-0000-000000000000}"/>
+          </ac:spMkLst>
+        </pc:spChg>
+        <pc:spChg chg="mod">
+          <ac:chgData name="Yael Tzadik" userId="259f344a-9b4d-4b72-8a03-e64fa947ae46" providerId="ADAL" clId="{56A94E87-B80E-4982-B9BF-FDBEE1FD4106}" dt="2024-07-23T12:41:08.817" v="777" actId="1036"/>
+          <ac:spMkLst>
+            <pc:docMk/>
+            <pc:sldMk cId="0" sldId="256"/>
+            <ac:spMk id="144" creationId="{00000000-0000-0000-0000-000000000000}"/>
+          </ac:spMkLst>
+        </pc:spChg>
+        <pc:spChg chg="mod">
+          <ac:chgData name="Yael Tzadik" userId="259f344a-9b4d-4b72-8a03-e64fa947ae46" providerId="ADAL" clId="{56A94E87-B80E-4982-B9BF-FDBEE1FD4106}" dt="2024-07-23T13:02:36.913" v="1308" actId="1076"/>
+          <ac:spMkLst>
+            <pc:docMk/>
+            <pc:sldMk cId="0" sldId="256"/>
+            <ac:spMk id="145" creationId="{00000000-0000-0000-0000-000000000000}"/>
+          </ac:spMkLst>
+        </pc:spChg>
+        <pc:spChg chg="del mod">
+          <ac:chgData name="Yael Tzadik" userId="259f344a-9b4d-4b72-8a03-e64fa947ae46" providerId="ADAL" clId="{56A94E87-B80E-4982-B9BF-FDBEE1FD4106}" dt="2024-07-23T12:59:58.139" v="1165" actId="21"/>
           <ac:spMkLst>
             <pc:docMk/>
             <pc:sldMk cId="0" sldId="256"/>
             <ac:spMk id="146" creationId="{00000000-0000-0000-0000-000000000000}"/>
           </ac:spMkLst>
         </pc:spChg>
+        <pc:spChg chg="del mod">
+          <ac:chgData name="Yael Tzadik" userId="259f344a-9b4d-4b72-8a03-e64fa947ae46" providerId="ADAL" clId="{56A94E87-B80E-4982-B9BF-FDBEE1FD4106}" dt="2024-07-23T12:44:16.797" v="857" actId="478"/>
+          <ac:spMkLst>
+            <pc:docMk/>
+            <pc:sldMk cId="0" sldId="256"/>
+            <ac:spMk id="148" creationId="{C9E43EE7-37AA-441D-8E50-44BE1A5FCD29}"/>
+          </ac:spMkLst>
+        </pc:spChg>
         <pc:spChg chg="mod">
-          <ac:chgData name="Yael Tzadik" userId="259f344a-9b4d-4b72-8a03-e64fa947ae46" providerId="ADAL" clId="{56A94E87-B80E-4982-B9BF-FDBEE1FD4106}" dt="2024-07-23T12:33:20.365" v="613" actId="20577"/>
+          <ac:chgData name="Yael Tzadik" userId="259f344a-9b4d-4b72-8a03-e64fa947ae46" providerId="ADAL" clId="{56A94E87-B80E-4982-B9BF-FDBEE1FD4106}" dt="2024-07-23T12:41:08.817" v="777" actId="1036"/>
+          <ac:spMkLst>
+            <pc:docMk/>
+            <pc:sldMk cId="0" sldId="256"/>
+            <ac:spMk id="150" creationId="{E40A9E59-BB98-4EAE-903B-F68A30009672}"/>
+          </ac:spMkLst>
+        </pc:spChg>
+        <pc:spChg chg="del mod">
+          <ac:chgData name="Yael Tzadik" userId="259f344a-9b4d-4b72-8a03-e64fa947ae46" providerId="ADAL" clId="{56A94E87-B80E-4982-B9BF-FDBEE1FD4106}" dt="2024-07-23T12:59:58.139" v="1165" actId="21"/>
           <ac:spMkLst>
             <pc:docMk/>
             <pc:sldMk cId="0" sldId="256"/>
@@ -268,15 +572,31 @@
           </ac:spMkLst>
         </pc:spChg>
         <pc:spChg chg="mod">
-          <ac:chgData name="Yael Tzadik" userId="259f344a-9b4d-4b72-8a03-e64fa947ae46" providerId="ADAL" clId="{56A94E87-B80E-4982-B9BF-FDBEE1FD4106}" dt="2024-07-23T12:33:33.455" v="616" actId="1076"/>
+          <ac:chgData name="Yael Tzadik" userId="259f344a-9b4d-4b72-8a03-e64fa947ae46" providerId="ADAL" clId="{56A94E87-B80E-4982-B9BF-FDBEE1FD4106}" dt="2024-07-23T13:02:03.567" v="1304" actId="1076"/>
+          <ac:spMkLst>
+            <pc:docMk/>
+            <pc:sldMk cId="0" sldId="256"/>
+            <ac:spMk id="212" creationId="{00000000-0000-0000-0000-000000000000}"/>
+          </ac:spMkLst>
+        </pc:spChg>
+        <pc:spChg chg="del mod">
+          <ac:chgData name="Yael Tzadik" userId="259f344a-9b4d-4b72-8a03-e64fa947ae46" providerId="ADAL" clId="{56A94E87-B80E-4982-B9BF-FDBEE1FD4106}" dt="2024-07-23T12:59:58.139" v="1165" actId="21"/>
           <ac:spMkLst>
             <pc:docMk/>
             <pc:sldMk cId="0" sldId="256"/>
             <ac:spMk id="235" creationId="{00000000-0000-0000-0000-000000000000}"/>
           </ac:spMkLst>
         </pc:spChg>
+        <pc:spChg chg="mod">
+          <ac:chgData name="Yael Tzadik" userId="259f344a-9b4d-4b72-8a03-e64fa947ae46" providerId="ADAL" clId="{56A94E87-B80E-4982-B9BF-FDBEE1FD4106}" dt="2024-07-23T13:27:33.971" v="1603" actId="14100"/>
+          <ac:spMkLst>
+            <pc:docMk/>
+            <pc:sldMk cId="0" sldId="256"/>
+            <ac:spMk id="252" creationId="{00000000-0000-0000-0000-000000000000}"/>
+          </ac:spMkLst>
+        </pc:spChg>
         <pc:picChg chg="mod modCrop">
-          <ac:chgData name="Yael Tzadik" userId="259f344a-9b4d-4b72-8a03-e64fa947ae46" providerId="ADAL" clId="{56A94E87-B80E-4982-B9BF-FDBEE1FD4106}" dt="2024-07-23T12:16:47.255" v="322" actId="1076"/>
+          <ac:chgData name="Yael Tzadik" userId="259f344a-9b4d-4b72-8a03-e64fa947ae46" providerId="ADAL" clId="{56A94E87-B80E-4982-B9BF-FDBEE1FD4106}" dt="2024-07-23T12:37:45.489" v="681" actId="1076"/>
           <ac:picMkLst>
             <pc:docMk/>
             <pc:sldMk cId="0" sldId="256"/>
@@ -284,7 +604,7 @@
           </ac:picMkLst>
         </pc:picChg>
         <pc:picChg chg="add mod">
-          <ac:chgData name="Yael Tzadik" userId="259f344a-9b4d-4b72-8a03-e64fa947ae46" providerId="ADAL" clId="{56A94E87-B80E-4982-B9BF-FDBEE1FD4106}" dt="2024-07-23T12:26:11.752" v="437" actId="14826"/>
+          <ac:chgData name="Yael Tzadik" userId="259f344a-9b4d-4b72-8a03-e64fa947ae46" providerId="ADAL" clId="{56A94E87-B80E-4982-B9BF-FDBEE1FD4106}" dt="2024-07-23T13:02:36.913" v="1308" actId="1076"/>
           <ac:picMkLst>
             <pc:docMk/>
             <pc:sldMk cId="0" sldId="256"/>
@@ -299,24 +619,120 @@
             <ac:picMk id="8" creationId="{589DC154-EE82-4F5F-BD44-39A3F13A249A}"/>
           </ac:picMkLst>
         </pc:picChg>
+        <pc:picChg chg="del mod">
+          <ac:chgData name="Yael Tzadik" userId="259f344a-9b4d-4b72-8a03-e64fa947ae46" providerId="ADAL" clId="{56A94E87-B80E-4982-B9BF-FDBEE1FD4106}" dt="2024-07-23T12:44:16.797" v="857" actId="478"/>
+          <ac:picMkLst>
+            <pc:docMk/>
+            <pc:sldMk cId="0" sldId="256"/>
+            <ac:picMk id="10" creationId="{429611D1-B78C-49D2-8EDA-9B1E005BC8C9}"/>
+          </ac:picMkLst>
+        </pc:picChg>
+        <pc:picChg chg="del mod">
+          <ac:chgData name="Yael Tzadik" userId="259f344a-9b4d-4b72-8a03-e64fa947ae46" providerId="ADAL" clId="{56A94E87-B80E-4982-B9BF-FDBEE1FD4106}" dt="2024-07-23T12:44:16.797" v="857" actId="478"/>
+          <ac:picMkLst>
+            <pc:docMk/>
+            <pc:sldMk cId="0" sldId="256"/>
+            <ac:picMk id="12" creationId="{5DA4B6EB-A70D-45B8-9D79-02A9A2CD0753}"/>
+          </ac:picMkLst>
+        </pc:picChg>
+        <pc:picChg chg="del">
+          <ac:chgData name="Yael Tzadik" userId="259f344a-9b4d-4b72-8a03-e64fa947ae46" providerId="ADAL" clId="{56A94E87-B80E-4982-B9BF-FDBEE1FD4106}" dt="2024-07-23T12:41:00.707" v="746" actId="478"/>
+          <ac:picMkLst>
+            <pc:docMk/>
+            <pc:sldMk cId="0" sldId="256"/>
+            <ac:picMk id="13" creationId="{6025F1AC-78CD-4FA3-B791-824BB85382A3}"/>
+          </ac:picMkLst>
+        </pc:picChg>
         <pc:picChg chg="add mod">
-          <ac:chgData name="Yael Tzadik" userId="259f344a-9b4d-4b72-8a03-e64fa947ae46" providerId="ADAL" clId="{56A94E87-B80E-4982-B9BF-FDBEE1FD4106}" dt="2024-07-23T12:25:20.991" v="409" actId="1076"/>
+          <ac:chgData name="Yael Tzadik" userId="259f344a-9b4d-4b72-8a03-e64fa947ae46" providerId="ADAL" clId="{56A94E87-B80E-4982-B9BF-FDBEE1FD4106}" dt="2024-07-23T13:02:36.913" v="1308" actId="1076"/>
           <ac:picMkLst>
             <pc:docMk/>
             <pc:sldMk cId="0" sldId="256"/>
             <ac:picMk id="15" creationId="{A89B32A7-7F94-1E0E-DB9A-3314F16AC15E}"/>
           </ac:picMkLst>
         </pc:picChg>
-        <pc:picChg chg="mod">
-          <ac:chgData name="Yael Tzadik" userId="259f344a-9b4d-4b72-8a03-e64fa947ae46" providerId="ADAL" clId="{56A94E87-B80E-4982-B9BF-FDBEE1FD4106}" dt="2024-07-23T12:33:33.455" v="616" actId="1076"/>
+        <pc:picChg chg="del mod">
+          <ac:chgData name="Yael Tzadik" userId="259f344a-9b4d-4b72-8a03-e64fa947ae46" providerId="ADAL" clId="{56A94E87-B80E-4982-B9BF-FDBEE1FD4106}" dt="2024-07-23T12:59:58.139" v="1165" actId="21"/>
           <ac:picMkLst>
             <pc:docMk/>
             <pc:sldMk cId="0" sldId="256"/>
             <ac:picMk id="20" creationId="{B2A8A118-5284-9AD9-8D5F-11438A3AF9E4}"/>
           </ac:picMkLst>
         </pc:picChg>
+        <pc:picChg chg="add del mod">
+          <ac:chgData name="Yael Tzadik" userId="259f344a-9b4d-4b72-8a03-e64fa947ae46" providerId="ADAL" clId="{56A94E87-B80E-4982-B9BF-FDBEE1FD4106}" dt="2024-07-23T12:59:58.139" v="1165" actId="21"/>
+          <ac:picMkLst>
+            <pc:docMk/>
+            <pc:sldMk cId="0" sldId="256"/>
+            <ac:picMk id="26" creationId="{0F3B9AFC-3B36-DBDC-2A13-B77B55D57CF6}"/>
+          </ac:picMkLst>
+        </pc:picChg>
+        <pc:picChg chg="del">
+          <ac:chgData name="Yael Tzadik" userId="259f344a-9b4d-4b72-8a03-e64fa947ae46" providerId="ADAL" clId="{56A94E87-B80E-4982-B9BF-FDBEE1FD4106}" dt="2024-07-23T13:17:14.383" v="1328" actId="21"/>
+          <ac:picMkLst>
+            <pc:docMk/>
+            <pc:sldMk cId="0" sldId="256"/>
+            <ac:picMk id="33" creationId="{A26BEDBB-F674-9100-5134-E75CC4570711}"/>
+          </ac:picMkLst>
+        </pc:picChg>
+        <pc:picChg chg="add mod">
+          <ac:chgData name="Yael Tzadik" userId="259f344a-9b4d-4b72-8a03-e64fa947ae46" providerId="ADAL" clId="{56A94E87-B80E-4982-B9BF-FDBEE1FD4106}" dt="2024-07-23T13:02:03.567" v="1304" actId="1076"/>
+          <ac:picMkLst>
+            <pc:docMk/>
+            <pc:sldMk cId="0" sldId="256"/>
+            <ac:picMk id="35" creationId="{6093688F-10C4-20A7-EC6C-DD441425EFD4}"/>
+          </ac:picMkLst>
+        </pc:picChg>
+        <pc:picChg chg="del">
+          <ac:chgData name="Yael Tzadik" userId="259f344a-9b4d-4b72-8a03-e64fa947ae46" providerId="ADAL" clId="{56A94E87-B80E-4982-B9BF-FDBEE1FD4106}" dt="2024-07-23T13:17:14.383" v="1328" actId="21"/>
+          <ac:picMkLst>
+            <pc:docMk/>
+            <pc:sldMk cId="0" sldId="256"/>
+            <ac:picMk id="38" creationId="{8403F3A1-E652-4E20-B0E9-10C8830FA972}"/>
+          </ac:picMkLst>
+        </pc:picChg>
+        <pc:picChg chg="add mod">
+          <ac:chgData name="Yael Tzadik" userId="259f344a-9b4d-4b72-8a03-e64fa947ae46" providerId="ADAL" clId="{56A94E87-B80E-4982-B9BF-FDBEE1FD4106}" dt="2024-07-23T13:00:24.531" v="1299" actId="1035"/>
+          <ac:picMkLst>
+            <pc:docMk/>
+            <pc:sldMk cId="0" sldId="256"/>
+            <ac:picMk id="47" creationId="{B2A8A118-5284-9AD9-8D5F-11438A3AF9E4}"/>
+          </ac:picMkLst>
+        </pc:picChg>
+        <pc:picChg chg="add mod">
+          <ac:chgData name="Yael Tzadik" userId="259f344a-9b4d-4b72-8a03-e64fa947ae46" providerId="ADAL" clId="{56A94E87-B80E-4982-B9BF-FDBEE1FD4106}" dt="2024-07-23T13:00:24.531" v="1299" actId="1035"/>
+          <ac:picMkLst>
+            <pc:docMk/>
+            <pc:sldMk cId="0" sldId="256"/>
+            <ac:picMk id="48" creationId="{0F3B9AFC-3B36-DBDC-2A13-B77B55D57CF6}"/>
+          </ac:picMkLst>
+        </pc:picChg>
+        <pc:picChg chg="add mod">
+          <ac:chgData name="Yael Tzadik" userId="259f344a-9b4d-4b72-8a03-e64fa947ae46" providerId="ADAL" clId="{56A94E87-B80E-4982-B9BF-FDBEE1FD4106}" dt="2024-07-23T13:17:31.988" v="1334" actId="1076"/>
+          <ac:picMkLst>
+            <pc:docMk/>
+            <pc:sldMk cId="0" sldId="256"/>
+            <ac:picMk id="53" creationId="{A26BEDBB-F674-9100-5134-E75CC4570711}"/>
+          </ac:picMkLst>
+        </pc:picChg>
+        <pc:picChg chg="add mod">
+          <ac:chgData name="Yael Tzadik" userId="259f344a-9b4d-4b72-8a03-e64fa947ae46" providerId="ADAL" clId="{56A94E87-B80E-4982-B9BF-FDBEE1FD4106}" dt="2024-07-23T13:17:31.988" v="1334" actId="1076"/>
+          <ac:picMkLst>
+            <pc:docMk/>
+            <pc:sldMk cId="0" sldId="256"/>
+            <ac:picMk id="59" creationId="{8403F3A1-E652-4E20-B0E9-10C8830FA972}"/>
+          </ac:picMkLst>
+        </pc:picChg>
+        <pc:picChg chg="add mod">
+          <ac:chgData name="Yael Tzadik" userId="259f344a-9b4d-4b72-8a03-e64fa947ae46" providerId="ADAL" clId="{56A94E87-B80E-4982-B9BF-FDBEE1FD4106}" dt="2024-07-23T13:27:45.551" v="1607" actId="1076"/>
+          <ac:picMkLst>
+            <pc:docMk/>
+            <pc:sldMk cId="0" sldId="256"/>
+            <ac:picMk id="62" creationId="{EA848385-DDAB-9613-C071-F722FDA0C1DD}"/>
+          </ac:picMkLst>
+        </pc:picChg>
         <pc:picChg chg="mod">
-          <ac:chgData name="Yael Tzadik" userId="259f344a-9b4d-4b72-8a03-e64fa947ae46" providerId="ADAL" clId="{56A94E87-B80E-4982-B9BF-FDBEE1FD4106}" dt="2024-07-23T12:25:01.857" v="407" actId="1076"/>
+          <ac:chgData name="Yael Tzadik" userId="259f344a-9b4d-4b72-8a03-e64fa947ae46" providerId="ADAL" clId="{56A94E87-B80E-4982-B9BF-FDBEE1FD4106}" dt="2024-07-23T13:02:36.913" v="1308" actId="1076"/>
           <ac:picMkLst>
             <pc:docMk/>
             <pc:sldMk cId="0" sldId="256"/>
@@ -329,6 +745,14 @@
             <pc:docMk/>
             <pc:sldMk cId="0" sldId="256"/>
             <ac:picMk id="147" creationId="{A55D5631-FB27-4AC4-96BA-F82755BA6354}"/>
+          </ac:picMkLst>
+        </pc:picChg>
+        <pc:picChg chg="mod">
+          <ac:chgData name="Yael Tzadik" userId="259f344a-9b4d-4b72-8a03-e64fa947ae46" providerId="ADAL" clId="{56A94E87-B80E-4982-B9BF-FDBEE1FD4106}" dt="2024-07-23T12:41:08.817" v="777" actId="1036"/>
+          <ac:picMkLst>
+            <pc:docMk/>
+            <pc:sldMk cId="0" sldId="256"/>
+            <ac:picMk id="149" creationId="{35CEFBE1-19B5-44CB-B62A-4A38ECCC4324}"/>
           </ac:picMkLst>
         </pc:picChg>
       </pc:sldChg>
@@ -337,12 +761,12 @@
   <pc:docChgLst>
     <pc:chgData name="Eden Ishay" userId="1040cd82-ad36-48ec-a8fc-88cb4c5d68f8" providerId="ADAL" clId="{44C86CD2-DC25-4DB6-A9FC-315CAFE942EB}"/>
     <pc:docChg chg="undo custSel addSld delSld modSld">
-      <pc:chgData name="Eden Ishay" userId="1040cd82-ad36-48ec-a8fc-88cb4c5d68f8" providerId="ADAL" clId="{44C86CD2-DC25-4DB6-A9FC-315CAFE942EB}" dt="2024-07-23T12:33:31.425" v="1280" actId="14100"/>
+      <pc:chgData name="Eden Ishay" userId="1040cd82-ad36-48ec-a8fc-88cb4c5d68f8" providerId="ADAL" clId="{44C86CD2-DC25-4DB6-A9FC-315CAFE942EB}" dt="2024-07-23T13:31:06.792" v="2215" actId="20577"/>
       <pc:docMkLst>
         <pc:docMk/>
       </pc:docMkLst>
       <pc:sldChg chg="addSp delSp modSp mod delAnim">
-        <pc:chgData name="Eden Ishay" userId="1040cd82-ad36-48ec-a8fc-88cb4c5d68f8" providerId="ADAL" clId="{44C86CD2-DC25-4DB6-A9FC-315CAFE942EB}" dt="2024-07-23T12:33:31.425" v="1280" actId="14100"/>
+        <pc:chgData name="Eden Ishay" userId="1040cd82-ad36-48ec-a8fc-88cb4c5d68f8" providerId="ADAL" clId="{44C86CD2-DC25-4DB6-A9FC-315CAFE942EB}" dt="2024-07-23T13:31:06.792" v="2215" actId="20577"/>
         <pc:sldMkLst>
           <pc:docMk/>
           <pc:sldMk cId="0" sldId="256"/>
@@ -363,6 +787,22 @@
             <ac:spMk id="9" creationId="{84B268B2-FA46-8ADC-A663-70B1E1C38956}"/>
           </ac:spMkLst>
         </pc:spChg>
+        <pc:spChg chg="add del">
+          <ac:chgData name="Eden Ishay" userId="1040cd82-ad36-48ec-a8fc-88cb4c5d68f8" providerId="ADAL" clId="{44C86CD2-DC25-4DB6-A9FC-315CAFE942EB}" dt="2024-07-23T12:57:13.517" v="1732" actId="22"/>
+          <ac:spMkLst>
+            <pc:docMk/>
+            <pc:sldMk cId="0" sldId="256"/>
+            <ac:spMk id="10" creationId="{15D52114-76FF-2DE9-2D60-895BD5F76656}"/>
+          </ac:spMkLst>
+        </pc:spChg>
+        <pc:spChg chg="add mod">
+          <ac:chgData name="Eden Ishay" userId="1040cd82-ad36-48ec-a8fc-88cb4c5d68f8" providerId="ADAL" clId="{44C86CD2-DC25-4DB6-A9FC-315CAFE942EB}" dt="2024-07-23T13:01:36.291" v="1982" actId="1036"/>
+          <ac:spMkLst>
+            <pc:docMk/>
+            <pc:sldMk cId="0" sldId="256"/>
+            <ac:spMk id="11" creationId="{3C3716E5-CA6A-12BC-FAC4-5EC7FDABF8C2}"/>
+          </ac:spMkLst>
+        </pc:spChg>
         <pc:spChg chg="add del mod">
           <ac:chgData name="Eden Ishay" userId="1040cd82-ad36-48ec-a8fc-88cb4c5d68f8" providerId="ADAL" clId="{44C86CD2-DC25-4DB6-A9FC-315CAFE942EB}" dt="2024-07-23T12:26:20.745" v="970" actId="478"/>
           <ac:spMkLst>
@@ -387,20 +827,28 @@
             <ac:spMk id="14" creationId="{767A3E31-D4DF-D828-D034-913EC9056B97}"/>
           </ac:spMkLst>
         </pc:spChg>
-        <pc:spChg chg="add mod">
-          <ac:chgData name="Eden Ishay" userId="1040cd82-ad36-48ec-a8fc-88cb4c5d68f8" providerId="ADAL" clId="{44C86CD2-DC25-4DB6-A9FC-315CAFE942EB}" dt="2024-07-23T12:33:22.388" v="1278" actId="478"/>
+        <pc:spChg chg="add del mod topLvl">
+          <ac:chgData name="Eden Ishay" userId="1040cd82-ad36-48ec-a8fc-88cb4c5d68f8" providerId="ADAL" clId="{44C86CD2-DC25-4DB6-A9FC-315CAFE942EB}" dt="2024-07-23T13:20:34.856" v="2173" actId="14100"/>
           <ac:spMkLst>
             <pc:docMk/>
             <pc:sldMk cId="0" sldId="256"/>
             <ac:spMk id="17" creationId="{CDEB255A-F916-7F5B-E1B0-FF02E75EE240}"/>
           </ac:spMkLst>
         </pc:spChg>
-        <pc:spChg chg="add mod">
-          <ac:chgData name="Eden Ishay" userId="1040cd82-ad36-48ec-a8fc-88cb4c5d68f8" providerId="ADAL" clId="{44C86CD2-DC25-4DB6-A9FC-315CAFE942EB}" dt="2024-07-23T12:33:22.388" v="1278" actId="478"/>
+        <pc:spChg chg="add mod topLvl">
+          <ac:chgData name="Eden Ishay" userId="1040cd82-ad36-48ec-a8fc-88cb4c5d68f8" providerId="ADAL" clId="{44C86CD2-DC25-4DB6-A9FC-315CAFE942EB}" dt="2024-07-23T13:19:12.534" v="2162" actId="1036"/>
           <ac:spMkLst>
             <pc:docMk/>
             <pc:sldMk cId="0" sldId="256"/>
             <ac:spMk id="18" creationId="{4DCF5954-B435-51BF-1C83-1F1B9C5BD256}"/>
+          </ac:spMkLst>
+        </pc:spChg>
+        <pc:spChg chg="add del mod">
+          <ac:chgData name="Eden Ishay" userId="1040cd82-ad36-48ec-a8fc-88cb4c5d68f8" providerId="ADAL" clId="{44C86CD2-DC25-4DB6-A9FC-315CAFE942EB}" dt="2024-07-23T13:15:48.070" v="2005" actId="478"/>
+          <ac:spMkLst>
+            <pc:docMk/>
+            <pc:sldMk cId="0" sldId="256"/>
+            <ac:spMk id="20" creationId="{93A4EB6F-6894-0A8C-381C-74C31A11B9C7}"/>
           </ac:spMkLst>
         </pc:spChg>
         <pc:spChg chg="add mod">
@@ -419,12 +867,116 @@
             <ac:spMk id="23" creationId="{564E2390-FBAF-FB52-CB9A-7949412E51C7}"/>
           </ac:spMkLst>
         </pc:spChg>
+        <pc:spChg chg="add mod">
+          <ac:chgData name="Eden Ishay" userId="1040cd82-ad36-48ec-a8fc-88cb4c5d68f8" providerId="ADAL" clId="{44C86CD2-DC25-4DB6-A9FC-315CAFE942EB}" dt="2024-07-23T13:18:39.136" v="2158" actId="1036"/>
+          <ac:spMkLst>
+            <pc:docMk/>
+            <pc:sldMk cId="0" sldId="256"/>
+            <ac:spMk id="24" creationId="{70289739-8D10-1A68-2A96-F51185BD7AB9}"/>
+          </ac:spMkLst>
+        </pc:spChg>
+        <pc:spChg chg="add mod">
+          <ac:chgData name="Eden Ishay" userId="1040cd82-ad36-48ec-a8fc-88cb4c5d68f8" providerId="ADAL" clId="{44C86CD2-DC25-4DB6-A9FC-315CAFE942EB}" dt="2024-07-23T12:36:22.056" v="1471" actId="20577"/>
+          <ac:spMkLst>
+            <pc:docMk/>
+            <pc:sldMk cId="0" sldId="256"/>
+            <ac:spMk id="25" creationId="{0205881F-CF11-D7DF-88BE-A3D1A8FB8DF2}"/>
+          </ac:spMkLst>
+        </pc:spChg>
+        <pc:spChg chg="add mod">
+          <ac:chgData name="Eden Ishay" userId="1040cd82-ad36-48ec-a8fc-88cb4c5d68f8" providerId="ADAL" clId="{44C86CD2-DC25-4DB6-A9FC-315CAFE942EB}" dt="2024-07-23T13:17:02.307" v="2073" actId="1036"/>
+          <ac:spMkLst>
+            <pc:docMk/>
+            <pc:sldMk cId="0" sldId="256"/>
+            <ac:spMk id="26" creationId="{6D7F334D-B3EE-C6CB-08C9-F3E87E3F7596}"/>
+          </ac:spMkLst>
+        </pc:spChg>
+        <pc:spChg chg="add del mod">
+          <ac:chgData name="Eden Ishay" userId="1040cd82-ad36-48ec-a8fc-88cb4c5d68f8" providerId="ADAL" clId="{44C86CD2-DC25-4DB6-A9FC-315CAFE942EB}" dt="2024-07-23T13:20:28.688" v="2171" actId="478"/>
+          <ac:spMkLst>
+            <pc:docMk/>
+            <pc:sldMk cId="0" sldId="256"/>
+            <ac:spMk id="27" creationId="{EB221529-B1C3-8445-3861-B6B67B0EA13E}"/>
+          </ac:spMkLst>
+        </pc:spChg>
+        <pc:spChg chg="add mod">
+          <ac:chgData name="Eden Ishay" userId="1040cd82-ad36-48ec-a8fc-88cb4c5d68f8" providerId="ADAL" clId="{44C86CD2-DC25-4DB6-A9FC-315CAFE942EB}" dt="2024-07-23T12:36:56.036" v="1503" actId="313"/>
+          <ac:spMkLst>
+            <pc:docMk/>
+            <pc:sldMk cId="0" sldId="256"/>
+            <ac:spMk id="28" creationId="{DCCCBD2C-405D-0994-AC94-C27B58C92258}"/>
+          </ac:spMkLst>
+        </pc:spChg>
+        <pc:spChg chg="del">
+          <ac:chgData name="Eden Ishay" userId="1040cd82-ad36-48ec-a8fc-88cb4c5d68f8" providerId="ADAL" clId="{44C86CD2-DC25-4DB6-A9FC-315CAFE942EB}" dt="2024-07-23T12:38:03.214" v="1510" actId="478"/>
+          <ac:spMkLst>
+            <pc:docMk/>
+            <pc:sldMk cId="0" sldId="256"/>
+            <ac:spMk id="30" creationId="{43EC26DC-D6CE-1D5D-16E0-C3F2985D6003}"/>
+          </ac:spMkLst>
+        </pc:spChg>
+        <pc:spChg chg="add mod">
+          <ac:chgData name="Eden Ishay" userId="1040cd82-ad36-48ec-a8fc-88cb4c5d68f8" providerId="ADAL" clId="{44C86CD2-DC25-4DB6-A9FC-315CAFE942EB}" dt="2024-07-23T13:00:02.160" v="1966" actId="1037"/>
+          <ac:spMkLst>
+            <pc:docMk/>
+            <pc:sldMk cId="0" sldId="256"/>
+            <ac:spMk id="34" creationId="{AB2EE117-8569-1562-875B-980282995E06}"/>
+          </ac:spMkLst>
+        </pc:spChg>
+        <pc:spChg chg="add mod">
+          <ac:chgData name="Eden Ishay" userId="1040cd82-ad36-48ec-a8fc-88cb4c5d68f8" providerId="ADAL" clId="{44C86CD2-DC25-4DB6-A9FC-315CAFE942EB}" dt="2024-07-23T13:00:11.373" v="1967" actId="1076"/>
+          <ac:spMkLst>
+            <pc:docMk/>
+            <pc:sldMk cId="0" sldId="256"/>
+            <ac:spMk id="39" creationId="{8A66B984-3B57-BE48-E4CF-8285A852F1E2}"/>
+          </ac:spMkLst>
+        </pc:spChg>
+        <pc:spChg chg="mod">
+          <ac:chgData name="Eden Ishay" userId="1040cd82-ad36-48ec-a8fc-88cb4c5d68f8" providerId="ADAL" clId="{44C86CD2-DC25-4DB6-A9FC-315CAFE942EB}" dt="2024-07-23T13:30:21.131" v="2209" actId="5793"/>
+          <ac:spMkLst>
+            <pc:docMk/>
+            <pc:sldMk cId="0" sldId="256"/>
+            <ac:spMk id="45" creationId="{00000000-0000-0000-0000-000000000000}"/>
+          </ac:spMkLst>
+        </pc:spChg>
+        <pc:spChg chg="mod">
+          <ac:chgData name="Eden Ishay" userId="1040cd82-ad36-48ec-a8fc-88cb4c5d68f8" providerId="ADAL" clId="{44C86CD2-DC25-4DB6-A9FC-315CAFE942EB}" dt="2024-07-23T13:30:16.508" v="2207" actId="5793"/>
+          <ac:spMkLst>
+            <pc:docMk/>
+            <pc:sldMk cId="0" sldId="256"/>
+            <ac:spMk id="52" creationId="{D0F735F6-56A2-636F-F5FA-7F9DA687EFC2}"/>
+          </ac:spMkLst>
+        </pc:spChg>
+        <pc:spChg chg="mod">
+          <ac:chgData name="Eden Ishay" userId="1040cd82-ad36-48ec-a8fc-88cb4c5d68f8" providerId="ADAL" clId="{44C86CD2-DC25-4DB6-A9FC-315CAFE942EB}" dt="2024-07-23T13:29:27.182" v="2192" actId="5793"/>
+          <ac:spMkLst>
+            <pc:docMk/>
+            <pc:sldMk cId="0" sldId="256"/>
+            <ac:spMk id="61" creationId="{A4ED3B4E-711B-AD53-144D-CE46C1380C69}"/>
+          </ac:spMkLst>
+        </pc:spChg>
+        <pc:spChg chg="mod">
+          <ac:chgData name="Eden Ishay" userId="1040cd82-ad36-48ec-a8fc-88cb4c5d68f8" providerId="ADAL" clId="{44C86CD2-DC25-4DB6-A9FC-315CAFE942EB}" dt="2024-07-23T13:29:37.137" v="2205" actId="1035"/>
+          <ac:spMkLst>
+            <pc:docMk/>
+            <pc:sldMk cId="0" sldId="256"/>
+            <ac:spMk id="63" creationId="{521396BD-D9AA-786B-7886-B91A7698A0A4}"/>
+          </ac:spMkLst>
+        </pc:spChg>
         <pc:spChg chg="mod">
           <ac:chgData name="Eden Ishay" userId="1040cd82-ad36-48ec-a8fc-88cb4c5d68f8" providerId="ADAL" clId="{44C86CD2-DC25-4DB6-A9FC-315CAFE942EB}" dt="2024-07-23T11:51:11.711" v="75"/>
           <ac:spMkLst>
             <pc:docMk/>
             <pc:sldMk cId="0" sldId="256"/>
             <ac:spMk id="104" creationId="{00000000-0000-0000-0000-000000000000}"/>
+          </ac:spMkLst>
+        </pc:spChg>
+        <pc:spChg chg="mod">
+          <ac:chgData name="Eden Ishay" userId="1040cd82-ad36-48ec-a8fc-88cb4c5d68f8" providerId="ADAL" clId="{44C86CD2-DC25-4DB6-A9FC-315CAFE942EB}" dt="2024-07-23T13:30:29.114" v="2210" actId="20577"/>
+          <ac:spMkLst>
+            <pc:docMk/>
+            <pc:sldMk cId="0" sldId="256"/>
+            <ac:spMk id="115" creationId="{00000000-0000-0000-0000-000000000000}"/>
           </ac:spMkLst>
         </pc:spChg>
         <pc:spChg chg="mod">
@@ -476,7 +1028,7 @@
           </ac:spMkLst>
         </pc:spChg>
         <pc:spChg chg="mod">
-          <ac:chgData name="Eden Ishay" userId="1040cd82-ad36-48ec-a8fc-88cb4c5d68f8" providerId="ADAL" clId="{44C86CD2-DC25-4DB6-A9FC-315CAFE942EB}" dt="2024-07-23T12:18:23.751" v="533" actId="1035"/>
+          <ac:chgData name="Eden Ishay" userId="1040cd82-ad36-48ec-a8fc-88cb4c5d68f8" providerId="ADAL" clId="{44C86CD2-DC25-4DB6-A9FC-315CAFE942EB}" dt="2024-07-23T12:34:05.975" v="1284" actId="554"/>
           <ac:spMkLst>
             <pc:docMk/>
             <pc:sldMk cId="0" sldId="256"/>
@@ -484,7 +1036,7 @@
           </ac:spMkLst>
         </pc:spChg>
         <pc:spChg chg="mod">
-          <ac:chgData name="Eden Ishay" userId="1040cd82-ad36-48ec-a8fc-88cb4c5d68f8" providerId="ADAL" clId="{44C86CD2-DC25-4DB6-A9FC-315CAFE942EB}" dt="2024-07-23T12:28:17.798" v="1138" actId="14100"/>
+          <ac:chgData name="Eden Ishay" userId="1040cd82-ad36-48ec-a8fc-88cb4c5d68f8" providerId="ADAL" clId="{44C86CD2-DC25-4DB6-A9FC-315CAFE942EB}" dt="2024-07-23T13:02:23.726" v="1987" actId="555"/>
           <ac:spMkLst>
             <pc:docMk/>
             <pc:sldMk cId="0" sldId="256"/>
@@ -507,8 +1059,40 @@
             <ac:spMk id="141" creationId="{F52ED7A3-0843-49F4-B009-9729AFB1CA9F}"/>
           </ac:spMkLst>
         </pc:spChg>
+        <pc:spChg chg="del">
+          <ac:chgData name="Eden Ishay" userId="1040cd82-ad36-48ec-a8fc-88cb4c5d68f8" providerId="ADAL" clId="{44C86CD2-DC25-4DB6-A9FC-315CAFE942EB}" dt="2024-07-23T13:00:47.988" v="1969" actId="478"/>
+          <ac:spMkLst>
+            <pc:docMk/>
+            <pc:sldMk cId="0" sldId="256"/>
+            <ac:spMk id="142" creationId="{00000000-0000-0000-0000-000000000000}"/>
+          </ac:spMkLst>
+        </pc:spChg>
+        <pc:spChg chg="del mod">
+          <ac:chgData name="Eden Ishay" userId="1040cd82-ad36-48ec-a8fc-88cb4c5d68f8" providerId="ADAL" clId="{44C86CD2-DC25-4DB6-A9FC-315CAFE942EB}" dt="2024-07-23T13:00:56.038" v="1973" actId="478"/>
+          <ac:spMkLst>
+            <pc:docMk/>
+            <pc:sldMk cId="0" sldId="256"/>
+            <ac:spMk id="143" creationId="{00000000-0000-0000-0000-000000000000}"/>
+          </ac:spMkLst>
+        </pc:spChg>
+        <pc:spChg chg="del">
+          <ac:chgData name="Eden Ishay" userId="1040cd82-ad36-48ec-a8fc-88cb4c5d68f8" providerId="ADAL" clId="{44C86CD2-DC25-4DB6-A9FC-315CAFE942EB}" dt="2024-07-23T13:00:52.060" v="1971" actId="478"/>
+          <ac:spMkLst>
+            <pc:docMk/>
+            <pc:sldMk cId="0" sldId="256"/>
+            <ac:spMk id="144" creationId="{00000000-0000-0000-0000-000000000000}"/>
+          </ac:spMkLst>
+        </pc:spChg>
+        <pc:spChg chg="del">
+          <ac:chgData name="Eden Ishay" userId="1040cd82-ad36-48ec-a8fc-88cb4c5d68f8" providerId="ADAL" clId="{44C86CD2-DC25-4DB6-A9FC-315CAFE942EB}" dt="2024-07-23T13:00:53.733" v="1972" actId="478"/>
+          <ac:spMkLst>
+            <pc:docMk/>
+            <pc:sldMk cId="0" sldId="256"/>
+            <ac:spMk id="150" creationId="{E40A9E59-BB98-4EAE-903B-F68A30009672}"/>
+          </ac:spMkLst>
+        </pc:spChg>
         <pc:spChg chg="mod">
-          <ac:chgData name="Eden Ishay" userId="1040cd82-ad36-48ec-a8fc-88cb4c5d68f8" providerId="ADAL" clId="{44C86CD2-DC25-4DB6-A9FC-315CAFE942EB}" dt="2024-07-23T11:49:33.623" v="42" actId="20577"/>
+          <ac:chgData name="Eden Ishay" userId="1040cd82-ad36-48ec-a8fc-88cb4c5d68f8" providerId="ADAL" clId="{44C86CD2-DC25-4DB6-A9FC-315CAFE942EB}" dt="2024-07-23T12:39:32.378" v="1518" actId="1076"/>
           <ac:spMkLst>
             <pc:docMk/>
             <pc:sldMk cId="0" sldId="256"/>
@@ -516,7 +1100,23 @@
           </ac:spMkLst>
         </pc:spChg>
         <pc:spChg chg="mod">
-          <ac:chgData name="Eden Ishay" userId="1040cd82-ad36-48ec-a8fc-88cb4c5d68f8" providerId="ADAL" clId="{44C86CD2-DC25-4DB6-A9FC-315CAFE942EB}" dt="2024-07-23T12:31:55.084" v="1245" actId="14100"/>
+          <ac:chgData name="Eden Ishay" userId="1040cd82-ad36-48ec-a8fc-88cb4c5d68f8" providerId="ADAL" clId="{44C86CD2-DC25-4DB6-A9FC-315CAFE942EB}" dt="2024-07-23T13:02:23.726" v="1987" actId="555"/>
+          <ac:spMkLst>
+            <pc:docMk/>
+            <pc:sldMk cId="0" sldId="256"/>
+            <ac:spMk id="212" creationId="{00000000-0000-0000-0000-000000000000}"/>
+          </ac:spMkLst>
+        </pc:spChg>
+        <pc:spChg chg="mod">
+          <ac:chgData name="Eden Ishay" userId="1040cd82-ad36-48ec-a8fc-88cb4c5d68f8" providerId="ADAL" clId="{44C86CD2-DC25-4DB6-A9FC-315CAFE942EB}" dt="2024-07-23T12:39:14.587" v="1513" actId="1036"/>
+          <ac:spMkLst>
+            <pc:docMk/>
+            <pc:sldMk cId="0" sldId="256"/>
+            <ac:spMk id="235" creationId="{00000000-0000-0000-0000-000000000000}"/>
+          </ac:spMkLst>
+        </pc:spChg>
+        <pc:spChg chg="mod">
+          <ac:chgData name="Eden Ishay" userId="1040cd82-ad36-48ec-a8fc-88cb4c5d68f8" providerId="ADAL" clId="{44C86CD2-DC25-4DB6-A9FC-315CAFE942EB}" dt="2024-07-23T13:21:02.135" v="2174" actId="14100"/>
           <ac:spMkLst>
             <pc:docMk/>
             <pc:sldMk cId="0" sldId="256"/>
@@ -540,7 +1140,7 @@
           </ac:spMkLst>
         </pc:spChg>
         <pc:spChg chg="add del mod">
-          <ac:chgData name="Eden Ishay" userId="1040cd82-ad36-48ec-a8fc-88cb4c5d68f8" providerId="ADAL" clId="{44C86CD2-DC25-4DB6-A9FC-315CAFE942EB}" dt="2024-07-23T12:28:51.153" v="1148" actId="20577"/>
+          <ac:chgData name="Eden Ishay" userId="1040cd82-ad36-48ec-a8fc-88cb4c5d68f8" providerId="ADAL" clId="{44C86CD2-DC25-4DB6-A9FC-315CAFE942EB}" dt="2024-07-23T13:31:06.792" v="2215" actId="20577"/>
           <ac:spMkLst>
             <pc:docMk/>
             <pc:sldMk cId="0" sldId="256"/>
@@ -555,8 +1155,8 @@
             <ac:spMk id="10566" creationId="{00000000-0000-0000-0000-000000000000}"/>
           </ac:spMkLst>
         </pc:spChg>
-        <pc:grpChg chg="add mod">
-          <ac:chgData name="Eden Ishay" userId="1040cd82-ad36-48ec-a8fc-88cb4c5d68f8" providerId="ADAL" clId="{44C86CD2-DC25-4DB6-A9FC-315CAFE942EB}" dt="2024-07-23T12:33:22.388" v="1278" actId="478"/>
+        <pc:grpChg chg="add del mod">
+          <ac:chgData name="Eden Ishay" userId="1040cd82-ad36-48ec-a8fc-88cb4c5d68f8" providerId="ADAL" clId="{44C86CD2-DC25-4DB6-A9FC-315CAFE942EB}" dt="2024-07-23T12:33:51.203" v="1281" actId="165"/>
           <ac:grpSpMkLst>
             <pc:docMk/>
             <pc:sldMk cId="0" sldId="256"/>
@@ -564,7 +1164,7 @@
           </ac:grpSpMkLst>
         </pc:grpChg>
         <pc:picChg chg="add mod">
-          <ac:chgData name="Eden Ishay" userId="1040cd82-ad36-48ec-a8fc-88cb4c5d68f8" providerId="ADAL" clId="{44C86CD2-DC25-4DB6-A9FC-315CAFE942EB}" dt="2024-07-23T12:24:48.994" v="952" actId="1076"/>
+          <ac:chgData name="Eden Ishay" userId="1040cd82-ad36-48ec-a8fc-88cb4c5d68f8" providerId="ADAL" clId="{44C86CD2-DC25-4DB6-A9FC-315CAFE942EB}" dt="2024-07-23T13:01:14.096" v="1976" actId="14100"/>
           <ac:picMkLst>
             <pc:docMk/>
             <pc:sldMk cId="0" sldId="256"/>
@@ -587,6 +1187,22 @@
             <ac:picMk id="7" creationId="{F3CEC069-40D5-4CA1-8024-12E6AE4894FF}"/>
           </ac:picMkLst>
         </pc:picChg>
+        <pc:picChg chg="add del mod">
+          <ac:chgData name="Eden Ishay" userId="1040cd82-ad36-48ec-a8fc-88cb4c5d68f8" providerId="ADAL" clId="{44C86CD2-DC25-4DB6-A9FC-315CAFE942EB}" dt="2024-07-23T13:12:20.236" v="1997" actId="478"/>
+          <ac:picMkLst>
+            <pc:docMk/>
+            <pc:sldMk cId="0" sldId="256"/>
+            <ac:picMk id="10" creationId="{286B5877-29AA-A437-18B9-83D47B32D493}"/>
+          </ac:picMkLst>
+        </pc:picChg>
+        <pc:picChg chg="add del mod">
+          <ac:chgData name="Eden Ishay" userId="1040cd82-ad36-48ec-a8fc-88cb4c5d68f8" providerId="ADAL" clId="{44C86CD2-DC25-4DB6-A9FC-315CAFE942EB}" dt="2024-07-23T13:13:11.545" v="1999" actId="478"/>
+          <ac:picMkLst>
+            <pc:docMk/>
+            <pc:sldMk cId="0" sldId="256"/>
+            <ac:picMk id="13" creationId="{9ACF735D-43FA-6060-6D2E-22B144B9FDD3}"/>
+          </ac:picMkLst>
+        </pc:picChg>
         <pc:picChg chg="add mod">
           <ac:chgData name="Eden Ishay" userId="1040cd82-ad36-48ec-a8fc-88cb4c5d68f8" providerId="ADAL" clId="{44C86CD2-DC25-4DB6-A9FC-315CAFE942EB}" dt="2024-07-23T12:28:43.051" v="1145" actId="1076"/>
           <ac:picMkLst>
@@ -603,6 +1219,62 @@
             <ac:picMk id="21" creationId="{7CD9E219-A66E-64B8-BE30-E3C796D7F6DA}"/>
           </ac:picMkLst>
         </pc:picChg>
+        <pc:picChg chg="add del mod">
+          <ac:chgData name="Eden Ishay" userId="1040cd82-ad36-48ec-a8fc-88cb4c5d68f8" providerId="ADAL" clId="{44C86CD2-DC25-4DB6-A9FC-315CAFE942EB}" dt="2024-07-23T12:37:41.949" v="1509" actId="478"/>
+          <ac:picMkLst>
+            <pc:docMk/>
+            <pc:sldMk cId="0" sldId="256"/>
+            <ac:picMk id="29" creationId="{22D0F703-3DC9-4E81-C361-12894EA3AC13}"/>
+          </ac:picMkLst>
+        </pc:picChg>
+        <pc:picChg chg="add mod">
+          <ac:chgData name="Eden Ishay" userId="1040cd82-ad36-48ec-a8fc-88cb4c5d68f8" providerId="ADAL" clId="{44C86CD2-DC25-4DB6-A9FC-315CAFE942EB}" dt="2024-07-23T12:39:28.382" v="1514"/>
+          <ac:picMkLst>
+            <pc:docMk/>
+            <pc:sldMk cId="0" sldId="256"/>
+            <ac:picMk id="31" creationId="{0BC13F82-47C3-8E4E-2028-6BEC8DE03453}"/>
+          </ac:picMkLst>
+        </pc:picChg>
+        <pc:picChg chg="add del mod">
+          <ac:chgData name="Eden Ishay" userId="1040cd82-ad36-48ec-a8fc-88cb4c5d68f8" providerId="ADAL" clId="{44C86CD2-DC25-4DB6-A9FC-315CAFE942EB}" dt="2024-07-23T12:39:38.637" v="1520" actId="21"/>
+          <ac:picMkLst>
+            <pc:docMk/>
+            <pc:sldMk cId="0" sldId="256"/>
+            <ac:picMk id="32" creationId="{A26BEDBB-F674-9100-5134-E75CC4570711}"/>
+          </ac:picMkLst>
+        </pc:picChg>
+        <pc:picChg chg="add mod">
+          <ac:chgData name="Eden Ishay" userId="1040cd82-ad36-48ec-a8fc-88cb4c5d68f8" providerId="ADAL" clId="{44C86CD2-DC25-4DB6-A9FC-315CAFE942EB}" dt="2024-07-23T12:59:49.381" v="1935" actId="1038"/>
+          <ac:picMkLst>
+            <pc:docMk/>
+            <pc:sldMk cId="0" sldId="256"/>
+            <ac:picMk id="33" creationId="{A26BEDBB-F674-9100-5134-E75CC4570711}"/>
+          </ac:picMkLst>
+        </pc:picChg>
+        <pc:picChg chg="add del mod">
+          <ac:chgData name="Eden Ishay" userId="1040cd82-ad36-48ec-a8fc-88cb4c5d68f8" providerId="ADAL" clId="{44C86CD2-DC25-4DB6-A9FC-315CAFE942EB}" dt="2024-07-23T12:46:28.778" v="1649" actId="478"/>
+          <ac:picMkLst>
+            <pc:docMk/>
+            <pc:sldMk cId="0" sldId="256"/>
+            <ac:picMk id="37" creationId="{20B80535-B309-9FAE-64A8-98AAE0CC76B2}"/>
+          </ac:picMkLst>
+        </pc:picChg>
+        <pc:picChg chg="add mod">
+          <ac:chgData name="Eden Ishay" userId="1040cd82-ad36-48ec-a8fc-88cb4c5d68f8" providerId="ADAL" clId="{44C86CD2-DC25-4DB6-A9FC-315CAFE942EB}" dt="2024-07-23T12:59:49.381" v="1935" actId="1038"/>
+          <ac:picMkLst>
+            <pc:docMk/>
+            <pc:sldMk cId="0" sldId="256"/>
+            <ac:picMk id="38" creationId="{8403F3A1-E652-4E20-B0E9-10C8830FA972}"/>
+          </ac:picMkLst>
+        </pc:picChg>
+        <pc:picChg chg="mod">
+          <ac:chgData name="Eden Ishay" userId="1040cd82-ad36-48ec-a8fc-88cb4c5d68f8" providerId="ADAL" clId="{44C86CD2-DC25-4DB6-A9FC-315CAFE942EB}" dt="2024-07-23T13:29:37.137" v="2205" actId="1035"/>
+          <ac:picMkLst>
+            <pc:docMk/>
+            <pc:sldMk cId="0" sldId="256"/>
+            <ac:picMk id="62" creationId="{EA848385-DDAB-9613-C071-F722FDA0C1DD}"/>
+          </ac:picMkLst>
+        </pc:picChg>
         <pc:picChg chg="del">
           <ac:chgData name="Eden Ishay" userId="1040cd82-ad36-48ec-a8fc-88cb4c5d68f8" providerId="ADAL" clId="{44C86CD2-DC25-4DB6-A9FC-315CAFE942EB}" dt="2024-07-23T12:08:52.228" v="260" actId="478"/>
           <ac:picMkLst>
@@ -625,6 +1297,14 @@
             <pc:docMk/>
             <pc:sldMk cId="0" sldId="256"/>
             <ac:picMk id="138" creationId="{5E62EFAD-1DEA-4AB7-9445-34FEA0BD2FF8}"/>
+          </ac:picMkLst>
+        </pc:picChg>
+        <pc:picChg chg="del">
+          <ac:chgData name="Eden Ishay" userId="1040cd82-ad36-48ec-a8fc-88cb4c5d68f8" providerId="ADAL" clId="{44C86CD2-DC25-4DB6-A9FC-315CAFE942EB}" dt="2024-07-23T13:00:53.733" v="1972" actId="478"/>
+          <ac:picMkLst>
+            <pc:docMk/>
+            <pc:sldMk cId="0" sldId="256"/>
+            <ac:picMk id="149" creationId="{35CEFBE1-19B5-44CB-B62A-4A38ECCC4324}"/>
           </ac:picMkLst>
         </pc:picChg>
       </pc:sldChg>
@@ -4949,7 +5629,7 @@
                 <a:latin typeface="Arial" panose="020B0604020202020204" pitchFamily="34" charset="0"/>
                 <a:cs typeface="Arial" panose="020B0604020202020204" pitchFamily="34" charset="0"/>
               </a:rPr>
-              <a:t>the ESP32  is a low-cost, low-power system on a chip (SoC) with integrated Wi-Fi and Bluetooth capabilities, thus the project considers its hardware limitations.</a:t>
+              <a:t>The ESP32  is a low-cost, low-power system on a chip (SoC) with integrated Wi-Fi and Bluetooth capabilities, thus the project considers its hardware limitations.</a:t>
             </a:r>
           </a:p>
           <a:p>
@@ -4984,7 +5664,7 @@
         </p:nvSpPr>
         <p:spPr bwMode="auto">
           <a:xfrm>
-            <a:off x="936000" y="19801681"/>
+            <a:off x="879701" y="20368872"/>
             <a:ext cx="5523461" cy="1009048"/>
           </a:xfrm>
           <a:prstGeom prst="rect">
@@ -5044,7 +5724,7 @@
         </p:nvSpPr>
         <p:spPr bwMode="auto">
           <a:xfrm>
-            <a:off x="809612" y="21032824"/>
+            <a:off x="753313" y="21600015"/>
             <a:ext cx="8820000" cy="3567481"/>
           </a:xfrm>
           <a:prstGeom prst="rect">
@@ -5169,8 +5849,8 @@
         </p:nvSpPr>
         <p:spPr bwMode="auto">
           <a:xfrm>
-            <a:off x="694164" y="25833581"/>
-            <a:ext cx="8820000" cy="2654900"/>
+            <a:off x="637865" y="26400772"/>
+            <a:ext cx="8820000" cy="1782685"/>
           </a:xfrm>
           <a:prstGeom prst="rect">
             <a:avLst/>
@@ -5262,68 +5942,6 @@
       </p:sp>
       <p:sp>
         <p:nvSpPr>
-          <p:cNvPr id="119" name="Rectangle 4"/>
-          <p:cNvSpPr>
-            <a:spLocks noChangeArrowheads="1"/>
-          </p:cNvSpPr>
-          <p:nvPr/>
-        </p:nvSpPr>
-        <p:spPr bwMode="auto">
-          <a:xfrm>
-            <a:off x="20718472" y="25798857"/>
-            <a:ext cx="8478682" cy="779110"/>
-          </a:xfrm>
-          <a:prstGeom prst="rect">
-            <a:avLst/>
-          </a:prstGeom>
-          <a:noFill/>
-          <a:ln>
-            <a:noFill/>
-          </a:ln>
-          <a:extLst>
-            <a:ext uri="{909E8E84-426E-40DD-AFC4-6F175D3DCCD1}">
-              <a14:hiddenFill xmlns:a14="http://schemas.microsoft.com/office/drawing/2010/main">
-                <a:solidFill>
-                  <a:srgbClr val="FFFFFF"/>
-                </a:solidFill>
-              </a14:hiddenFill>
-            </a:ext>
-            <a:ext uri="{91240B29-F687-4F45-9708-019B960494DF}">
-              <a14:hiddenLine xmlns:a14="http://schemas.microsoft.com/office/drawing/2010/main" w="9525">
-                <a:solidFill>
-                  <a:srgbClr val="000000"/>
-                </a:solidFill>
-                <a:miter lim="800000"/>
-                <a:headEnd/>
-                <a:tailEnd/>
-              </a14:hiddenLine>
-            </a:ext>
-          </a:extLst>
-        </p:spPr>
-        <p:txBody>
-          <a:bodyPr/>
-          <a:lstStyle/>
-          <a:p>
-            <a:pPr algn="ctr" rtl="0">
-              <a:spcBef>
-                <a:spcPts val="1682"/>
-              </a:spcBef>
-            </a:pPr>
-            <a:r>
-              <a:rPr lang="en-US" sz="2200" b="0">
-                <a:solidFill>
-                  <a:schemeClr val="dk1"/>
-                </a:solidFill>
-                <a:latin typeface="Century Gothic" panose="020B0502020202020204" pitchFamily="34" charset="0"/>
-                <a:cs typeface="+mn-cs"/>
-              </a:rPr>
-              <a:t>Full                               Direct                          Global</a:t>
-            </a:r>
-          </a:p>
-        </p:txBody>
-      </p:sp>
-      <p:sp>
-        <p:nvSpPr>
           <p:cNvPr id="122" name="Rectangle 2"/>
           <p:cNvSpPr>
             <a:spLocks noChangeArrowheads="1"/>
@@ -5332,7 +5950,7 @@
         </p:nvSpPr>
         <p:spPr bwMode="auto">
           <a:xfrm>
-            <a:off x="974563" y="24863928"/>
+            <a:off x="918264" y="25431119"/>
             <a:ext cx="7688943" cy="1109953"/>
           </a:xfrm>
           <a:prstGeom prst="rect">
@@ -5384,73 +6002,13 @@
       </p:sp>
       <p:sp>
         <p:nvSpPr>
-          <p:cNvPr id="123" name="Rectangle 4"/>
-          <p:cNvSpPr>
-            <a:spLocks noChangeArrowheads="1"/>
-          </p:cNvSpPr>
-          <p:nvPr/>
-        </p:nvSpPr>
-        <p:spPr bwMode="auto">
-          <a:xfrm>
-            <a:off x="20592000" y="8434800"/>
-            <a:ext cx="9024464" cy="1009048"/>
-          </a:xfrm>
-          <a:prstGeom prst="rect">
-            <a:avLst/>
-          </a:prstGeom>
-          <a:noFill/>
-          <a:ln>
-            <a:noFill/>
-          </a:ln>
-          <a:extLst>
-            <a:ext uri="{909E8E84-426E-40DD-AFC4-6F175D3DCCD1}">
-              <a14:hiddenFill xmlns:a14="http://schemas.microsoft.com/office/drawing/2010/main">
-                <a:solidFill>
-                  <a:srgbClr val="FFFFFF"/>
-                </a:solidFill>
-              </a14:hiddenFill>
-            </a:ext>
-            <a:ext uri="{91240B29-F687-4F45-9708-019B960494DF}">
-              <a14:hiddenLine xmlns:a14="http://schemas.microsoft.com/office/drawing/2010/main" w="9525">
-                <a:solidFill>
-                  <a:srgbClr val="000000"/>
-                </a:solidFill>
-                <a:miter lim="800000"/>
-                <a:headEnd/>
-                <a:tailEnd/>
-              </a14:hiddenLine>
-            </a:ext>
-          </a:extLst>
-        </p:spPr>
-        <p:txBody>
-          <a:bodyPr anchor="ctr"/>
-          <a:lstStyle/>
-          <a:p>
-            <a:pPr algn="l" defTabSz="3900819" rtl="0"/>
-            <a:r>
-              <a:rPr lang="en-US" sz="5140">
-                <a:solidFill>
-                  <a:srgbClr val="D1282E">
-                    <a:lumMod val="75000"/>
-                  </a:srgbClr>
-                </a:solidFill>
-                <a:latin typeface="Arial" panose="020B0604020202020204" pitchFamily="34" charset="0"/>
-                <a:cs typeface="Arial" panose="020B0604020202020204" pitchFamily="34" charset="0"/>
-              </a:rPr>
-              <a:t>Bluetooth connection</a:t>
-            </a:r>
-          </a:p>
-        </p:txBody>
-      </p:sp>
-      <p:sp>
-        <p:nvSpPr>
           <p:cNvPr id="130" name="Rounded Rectangle 171"/>
           <p:cNvSpPr/>
           <p:nvPr/>
         </p:nvSpPr>
         <p:spPr>
           <a:xfrm>
-            <a:off x="10458000" y="8230742"/>
+            <a:off x="20375639" y="18009764"/>
             <a:ext cx="9360000" cy="13290095"/>
           </a:xfrm>
           <a:prstGeom prst="roundRect">
@@ -5558,8 +6116,8 @@
         </p:nvSpPr>
         <p:spPr>
           <a:xfrm>
-            <a:off x="572928" y="28793281"/>
-            <a:ext cx="9360000" cy="12569000"/>
+            <a:off x="572928" y="28793282"/>
+            <a:ext cx="9360000" cy="12368264"/>
           </a:xfrm>
           <a:prstGeom prst="roundRect">
             <a:avLst>
@@ -5608,7 +6166,7 @@
         </p:nvSpPr>
         <p:spPr bwMode="auto">
           <a:xfrm>
-            <a:off x="20867474" y="21061197"/>
+            <a:off x="20982449" y="32084226"/>
             <a:ext cx="8475042" cy="1009048"/>
           </a:xfrm>
           <a:prstGeom prst="rect">
@@ -5660,18 +6218,250 @@
       </p:sp>
       <p:sp>
         <p:nvSpPr>
-          <p:cNvPr id="142" name="Rounded Rectangle 193"/>
+          <p:cNvPr id="145" name="Rectangle 2"/>
+          <p:cNvSpPr>
+            <a:spLocks noChangeArrowheads="1"/>
+          </p:cNvSpPr>
+          <p:nvPr/>
+        </p:nvSpPr>
+        <p:spPr bwMode="auto">
+          <a:xfrm>
+            <a:off x="20681639" y="18212118"/>
+            <a:ext cx="6817783" cy="1009048"/>
+          </a:xfrm>
+          <a:prstGeom prst="rect">
+            <a:avLst/>
+          </a:prstGeom>
+          <a:noFill/>
+          <a:ln>
+            <a:noFill/>
+          </a:ln>
+          <a:extLst>
+            <a:ext uri="{909E8E84-426E-40DD-AFC4-6F175D3DCCD1}">
+              <a14:hiddenFill xmlns:a14="http://schemas.microsoft.com/office/drawing/2010/main">
+                <a:solidFill>
+                  <a:srgbClr val="FFFFFF"/>
+                </a:solidFill>
+              </a14:hiddenFill>
+            </a:ext>
+            <a:ext uri="{91240B29-F687-4F45-9708-019B960494DF}">
+              <a14:hiddenLine xmlns:a14="http://schemas.microsoft.com/office/drawing/2010/main" w="9525">
+                <a:solidFill>
+                  <a:srgbClr val="000000"/>
+                </a:solidFill>
+                <a:miter lim="800000"/>
+                <a:headEnd/>
+                <a:tailEnd/>
+              </a14:hiddenLine>
+            </a:ext>
+          </a:extLst>
+        </p:spPr>
+        <p:txBody>
+          <a:bodyPr anchor="ctr"/>
+          <a:lstStyle/>
+          <a:p>
+            <a:pPr algn="l" defTabSz="3900819" rtl="0"/>
+            <a:endParaRPr lang="en-US" sz="5139">
+              <a:solidFill>
+                <a:srgbClr val="D1282E">
+                  <a:lumMod val="75000"/>
+                </a:srgbClr>
+              </a:solidFill>
+              <a:latin typeface="Arial" panose="020B0604020202020204" pitchFamily="34" charset="0"/>
+              <a:cs typeface="Arial" panose="020B0604020202020204" pitchFamily="34" charset="0"/>
+            </a:endParaRPr>
+          </a:p>
+        </p:txBody>
+      </p:sp>
+      <p:sp>
+        <p:nvSpPr>
+          <p:cNvPr id="191" name="Text Box 8"/>
+          <p:cNvSpPr txBox="1">
+            <a:spLocks noChangeArrowheads="1"/>
+          </p:cNvSpPr>
+          <p:nvPr/>
+        </p:nvSpPr>
+        <p:spPr bwMode="auto">
+          <a:xfrm>
+            <a:off x="964406" y="3266280"/>
+            <a:ext cx="28290682" cy="2862719"/>
+          </a:xfrm>
+          <a:prstGeom prst="rect">
+            <a:avLst/>
+          </a:prstGeom>
+          <a:noFill/>
+          <a:ln>
+            <a:noFill/>
+          </a:ln>
+          <a:extLst>
+            <a:ext uri="{909E8E84-426E-40DD-AFC4-6F175D3DCCD1}">
+              <a14:hiddenFill xmlns:a14="http://schemas.microsoft.com/office/drawing/2010/main">
+                <a:solidFill>
+                  <a:srgbClr val="FFFFFF"/>
+                </a:solidFill>
+              </a14:hiddenFill>
+            </a:ext>
+            <a:ext uri="{91240B29-F687-4F45-9708-019B960494DF}">
+              <a14:hiddenLine xmlns:a14="http://schemas.microsoft.com/office/drawing/2010/main" w="9525">
+                <a:solidFill>
+                  <a:srgbClr val="000000"/>
+                </a:solidFill>
+                <a:miter lim="800000"/>
+                <a:headEnd/>
+                <a:tailEnd/>
+              </a14:hiddenLine>
+            </a:ext>
+          </a:extLst>
+        </p:spPr>
+        <p:txBody>
+          <a:bodyPr anchor="ctr"/>
+          <a:lstStyle>
+            <a:defPPr>
+              <a:defRPr lang="he-IL"/>
+            </a:defPPr>
+            <a:lvl1pPr defTabSz="4175125" rtl="0">
+              <a:defRPr sz="5500" b="1">
+                <a:solidFill>
+                  <a:schemeClr val="tx2">
+                    <a:lumMod val="75000"/>
+                  </a:schemeClr>
+                </a:solidFill>
+                <a:latin typeface="Century Gothic" pitchFamily="34" charset="0"/>
+                <a:cs typeface="Tahoma" pitchFamily="34" charset="0"/>
+              </a:defRPr>
+            </a:lvl1pPr>
+          </a:lstStyle>
+          <a:p>
+            <a:pPr algn="ctr" defTabSz="3900819" fontAlgn="auto">
+              <a:spcBef>
+                <a:spcPts val="0"/>
+              </a:spcBef>
+              <a:spcAft>
+                <a:spcPts val="0"/>
+              </a:spcAft>
+              <a:defRPr/>
+            </a:pPr>
+            <a:r>
+              <a:rPr lang="en-US" sz="11000">
+                <a:solidFill>
+                  <a:schemeClr val="accent6">
+                    <a:lumMod val="50000"/>
+                  </a:schemeClr>
+                </a:solidFill>
+              </a:rPr>
+              <a:t>ESP32-cam door control system</a:t>
+            </a:r>
+            <a:endParaRPr lang="en-US" sz="11000" kern="0">
+              <a:solidFill>
+                <a:schemeClr val="accent6">
+                  <a:lumMod val="50000"/>
+                </a:schemeClr>
+              </a:solidFill>
+              <a:latin typeface="Arial" panose="020B0604020202020204" pitchFamily="34" charset="0"/>
+              <a:cs typeface="Arial" panose="020B0604020202020204" pitchFamily="34" charset="0"/>
+            </a:endParaRPr>
+          </a:p>
+        </p:txBody>
+      </p:sp>
+      <p:sp>
+        <p:nvSpPr>
+          <p:cNvPr id="104" name="Rectangle 3"/>
+          <p:cNvSpPr>
+            <a:spLocks noChangeArrowheads="1"/>
+          </p:cNvSpPr>
+          <p:nvPr/>
+        </p:nvSpPr>
+        <p:spPr bwMode="auto">
+          <a:xfrm>
+            <a:off x="410752" y="6317647"/>
+            <a:ext cx="28290682" cy="794999"/>
+          </a:xfrm>
+          <a:prstGeom prst="rect">
+            <a:avLst/>
+          </a:prstGeom>
+          <a:noFill/>
+          <a:ln>
+            <a:noFill/>
+          </a:ln>
+          <a:extLst>
+            <a:ext uri="{909E8E84-426E-40DD-AFC4-6F175D3DCCD1}">
+              <a14:hiddenFill xmlns:a14="http://schemas.microsoft.com/office/drawing/2010/main">
+                <a:solidFill>
+                  <a:srgbClr val="FFFFFF"/>
+                </a:solidFill>
+              </a14:hiddenFill>
+            </a:ext>
+            <a:ext uri="{91240B29-F687-4F45-9708-019B960494DF}">
+              <a14:hiddenLine xmlns:a14="http://schemas.microsoft.com/office/drawing/2010/main" w="9525">
+                <a:solidFill>
+                  <a:srgbClr val="000000"/>
+                </a:solidFill>
+                <a:miter lim="800000"/>
+                <a:headEnd/>
+                <a:tailEnd/>
+              </a14:hiddenLine>
+            </a:ext>
+          </a:extLst>
+        </p:spPr>
+        <p:txBody>
+          <a:bodyPr lIns="85415" tIns="42708" rIns="85415" bIns="42708" anchor="ctr" anchorCtr="0"/>
+          <a:lstStyle/>
+          <a:p>
+            <a:pPr algn="ctr" rtl="0">
+              <a:lnSpc>
+                <a:spcPct val="80000"/>
+              </a:lnSpc>
+              <a:spcBef>
+                <a:spcPct val="20000"/>
+              </a:spcBef>
+            </a:pPr>
+            <a:r>
+              <a:rPr lang="en-US" sz="6000">
+                <a:solidFill>
+                  <a:srgbClr val="000060"/>
+                </a:solidFill>
+                <a:latin typeface="Arial" panose="020B0604020202020204" pitchFamily="34" charset="0"/>
+                <a:cs typeface="Arial" panose="020B0604020202020204" pitchFamily="34" charset="0"/>
+              </a:rPr>
+              <a:t>Yael Tzadik &amp; Eden Ishay, supervised by </a:t>
+            </a:r>
+            <a:r>
+              <a:rPr lang="en-US" sz="6000" err="1">
+                <a:solidFill>
+                  <a:srgbClr val="000060"/>
+                </a:solidFill>
+                <a:latin typeface="Arial" panose="020B0604020202020204" pitchFamily="34" charset="0"/>
+                <a:cs typeface="Arial" panose="020B0604020202020204" pitchFamily="34" charset="0"/>
+              </a:rPr>
+              <a:t>Johanan</a:t>
+            </a:r>
+            <a:r>
+              <a:rPr lang="en-US" sz="6000">
+                <a:solidFill>
+                  <a:srgbClr val="000060"/>
+                </a:solidFill>
+                <a:latin typeface="Arial" panose="020B0604020202020204" pitchFamily="34" charset="0"/>
+                <a:cs typeface="Arial" panose="020B0604020202020204" pitchFamily="34" charset="0"/>
+              </a:rPr>
+              <a:t> Erez </a:t>
+            </a:r>
+          </a:p>
+        </p:txBody>
+      </p:sp>
+      <p:sp>
+        <p:nvSpPr>
+          <p:cNvPr id="212" name="Rounded Rectangle 199"/>
           <p:cNvSpPr/>
           <p:nvPr/>
         </p:nvSpPr>
         <p:spPr>
           <a:xfrm>
-            <a:off x="20345627" y="31506235"/>
-            <a:ext cx="9360000" cy="9856046"/>
+            <a:off x="20403148" y="31716057"/>
+            <a:ext cx="9360000" cy="9445488"/>
           </a:xfrm>
           <a:prstGeom prst="roundRect">
             <a:avLst>
-              <a:gd name="adj" fmla="val 5128"/>
+              <a:gd name="adj" fmla="val 2631"/>
             </a:avLst>
           </a:prstGeom>
           <a:noFill/>
@@ -5708,200 +6498,18 @@
       </p:sp>
       <p:sp>
         <p:nvSpPr>
-          <p:cNvPr id="143" name="Rectangle 2"/>
-          <p:cNvSpPr>
-            <a:spLocks noChangeArrowheads="1"/>
-          </p:cNvSpPr>
-          <p:nvPr/>
-        </p:nvSpPr>
-        <p:spPr bwMode="auto">
-          <a:xfrm>
-            <a:off x="21137389" y="31567910"/>
-            <a:ext cx="8475042" cy="1009048"/>
-          </a:xfrm>
-          <a:prstGeom prst="rect">
-            <a:avLst/>
-          </a:prstGeom>
-          <a:noFill/>
-          <a:ln>
-            <a:noFill/>
-          </a:ln>
-          <a:extLst>
-            <a:ext uri="{909E8E84-426E-40DD-AFC4-6F175D3DCCD1}">
-              <a14:hiddenFill xmlns:a14="http://schemas.microsoft.com/office/drawing/2010/main">
-                <a:solidFill>
-                  <a:srgbClr val="FFFFFF"/>
-                </a:solidFill>
-              </a14:hiddenFill>
-            </a:ext>
-            <a:ext uri="{91240B29-F687-4F45-9708-019B960494DF}">
-              <a14:hiddenLine xmlns:a14="http://schemas.microsoft.com/office/drawing/2010/main" w="9525">
-                <a:solidFill>
-                  <a:srgbClr val="000000"/>
-                </a:solidFill>
-                <a:miter lim="800000"/>
-                <a:headEnd/>
-                <a:tailEnd/>
-              </a14:hiddenLine>
-            </a:ext>
-          </a:extLst>
-        </p:spPr>
-        <p:txBody>
-          <a:bodyPr anchor="ctr"/>
-          <a:lstStyle/>
-          <a:p>
-            <a:pPr algn="l" defTabSz="3900819" rtl="0"/>
-            <a:r>
-              <a:rPr lang="en-US" sz="5139">
-                <a:solidFill>
-                  <a:srgbClr val="D1282E">
-                    <a:lumMod val="75000"/>
-                  </a:srgbClr>
-                </a:solidFill>
-                <a:latin typeface="Arial" panose="020B0604020202020204" pitchFamily="34" charset="0"/>
-                <a:cs typeface="Arial" panose="020B0604020202020204" pitchFamily="34" charset="0"/>
-              </a:rPr>
-              <a:t>Outside Experiment</a:t>
-            </a:r>
-          </a:p>
-        </p:txBody>
-      </p:sp>
-      <p:sp>
-        <p:nvSpPr>
-          <p:cNvPr id="144" name="Rectangle 4"/>
-          <p:cNvSpPr>
-            <a:spLocks noChangeArrowheads="1"/>
-          </p:cNvSpPr>
-          <p:nvPr/>
-        </p:nvSpPr>
-        <p:spPr bwMode="auto">
-          <a:xfrm>
-            <a:off x="20678704" y="32714531"/>
-            <a:ext cx="8641154" cy="1654432"/>
-          </a:xfrm>
-          <a:prstGeom prst="rect">
-            <a:avLst/>
-          </a:prstGeom>
-          <a:noFill/>
-          <a:ln>
-            <a:noFill/>
-          </a:ln>
-          <a:extLst>
-            <a:ext uri="{909E8E84-426E-40DD-AFC4-6F175D3DCCD1}">
-              <a14:hiddenFill xmlns:a14="http://schemas.microsoft.com/office/drawing/2010/main">
-                <a:solidFill>
-                  <a:srgbClr val="FFFFFF"/>
-                </a:solidFill>
-              </a14:hiddenFill>
-            </a:ext>
-            <a:ext uri="{91240B29-F687-4F45-9708-019B960494DF}">
-              <a14:hiddenLine xmlns:a14="http://schemas.microsoft.com/office/drawing/2010/main" w="9525">
-                <a:solidFill>
-                  <a:srgbClr val="000000"/>
-                </a:solidFill>
-                <a:miter lim="800000"/>
-                <a:headEnd/>
-                <a:tailEnd/>
-              </a14:hiddenLine>
-            </a:ext>
-          </a:extLst>
-        </p:spPr>
-        <p:txBody>
-          <a:bodyPr rIns="0"/>
-          <a:lstStyle/>
-          <a:p>
-            <a:pPr marL="425679" indent="-425679" algn="l" rtl="0">
-              <a:spcBef>
-                <a:spcPts val="1682"/>
-              </a:spcBef>
-              <a:buSzPct val="125000"/>
-              <a:buFont typeface="Arial" pitchFamily="34" charset="0"/>
-              <a:buChar char="•"/>
-            </a:pPr>
-            <a:r>
-              <a:rPr lang="en-US" sz="2990" b="0">
-                <a:solidFill>
-                  <a:srgbClr val="000060"/>
-                </a:solidFill>
-                <a:latin typeface="Arial" panose="020B0604020202020204" pitchFamily="34" charset="0"/>
-                <a:cs typeface="Arial" panose="020B0604020202020204" pitchFamily="34" charset="0"/>
-              </a:rPr>
-              <a:t>We executed the same experiment outside the dark room, with the agenda of making it a mobile experiment.</a:t>
-            </a:r>
-          </a:p>
-        </p:txBody>
-      </p:sp>
-      <p:sp>
-        <p:nvSpPr>
-          <p:cNvPr id="145" name="Rectangle 2"/>
-          <p:cNvSpPr>
-            <a:spLocks noChangeArrowheads="1"/>
-          </p:cNvSpPr>
-          <p:nvPr/>
-        </p:nvSpPr>
-        <p:spPr bwMode="auto">
-          <a:xfrm>
-            <a:off x="10764000" y="8433096"/>
-            <a:ext cx="6817783" cy="1009048"/>
-          </a:xfrm>
-          <a:prstGeom prst="rect">
-            <a:avLst/>
-          </a:prstGeom>
-          <a:noFill/>
-          <a:ln>
-            <a:noFill/>
-          </a:ln>
-          <a:extLst>
-            <a:ext uri="{909E8E84-426E-40DD-AFC4-6F175D3DCCD1}">
-              <a14:hiddenFill xmlns:a14="http://schemas.microsoft.com/office/drawing/2010/main">
-                <a:solidFill>
-                  <a:srgbClr val="FFFFFF"/>
-                </a:solidFill>
-              </a14:hiddenFill>
-            </a:ext>
-            <a:ext uri="{91240B29-F687-4F45-9708-019B960494DF}">
-              <a14:hiddenLine xmlns:a14="http://schemas.microsoft.com/office/drawing/2010/main" w="9525">
-                <a:solidFill>
-                  <a:srgbClr val="000000"/>
-                </a:solidFill>
-                <a:miter lim="800000"/>
-                <a:headEnd/>
-                <a:tailEnd/>
-              </a14:hiddenLine>
-            </a:ext>
-          </a:extLst>
-        </p:spPr>
-        <p:txBody>
-          <a:bodyPr anchor="ctr"/>
-          <a:lstStyle/>
-          <a:p>
-            <a:pPr algn="l" defTabSz="3900819" rtl="0"/>
-            <a:endParaRPr lang="en-US" sz="5139">
-              <a:solidFill>
-                <a:srgbClr val="D1282E">
-                  <a:lumMod val="75000"/>
-                </a:srgbClr>
-              </a:solidFill>
-              <a:latin typeface="Arial" panose="020B0604020202020204" pitchFamily="34" charset="0"/>
-              <a:cs typeface="Arial" panose="020B0604020202020204" pitchFamily="34" charset="0"/>
-            </a:endParaRPr>
-          </a:p>
-        </p:txBody>
-      </p:sp>
-      <p:sp>
-        <p:nvSpPr>
-          <p:cNvPr id="146" name="Rounded Rectangle 199"/>
+          <p:cNvPr id="252" name="Rounded Rectangle 172"/>
           <p:cNvSpPr/>
           <p:nvPr/>
         </p:nvSpPr>
         <p:spPr>
           <a:xfrm>
-            <a:off x="20285999" y="8230742"/>
-            <a:ext cx="9360000" cy="12161172"/>
+            <a:off x="10458000" y="21988800"/>
+            <a:ext cx="9360000" cy="14497315"/>
           </a:xfrm>
           <a:prstGeom prst="roundRect">
             <a:avLst>
-              <a:gd name="adj" fmla="val 2631"/>
+              <a:gd name="adj" fmla="val 2872"/>
             </a:avLst>
           </a:prstGeom>
           <a:noFill/>
@@ -5938,362 +6546,6 @@
       </p:sp>
       <p:sp>
         <p:nvSpPr>
-          <p:cNvPr id="182" name="Rectangle 4"/>
-          <p:cNvSpPr>
-            <a:spLocks noChangeArrowheads="1"/>
-          </p:cNvSpPr>
-          <p:nvPr/>
-        </p:nvSpPr>
-        <p:spPr bwMode="auto">
-          <a:xfrm>
-            <a:off x="20556000" y="9543049"/>
-            <a:ext cx="8474400" cy="1684811"/>
-          </a:xfrm>
-          <a:prstGeom prst="rect">
-            <a:avLst/>
-          </a:prstGeom>
-          <a:noFill/>
-          <a:ln>
-            <a:noFill/>
-          </a:ln>
-          <a:extLst>
-            <a:ext uri="{909E8E84-426E-40DD-AFC4-6F175D3DCCD1}">
-              <a14:hiddenFill xmlns:a14="http://schemas.microsoft.com/office/drawing/2010/main">
-                <a:solidFill>
-                  <a:srgbClr val="FFFFFF"/>
-                </a:solidFill>
-              </a14:hiddenFill>
-            </a:ext>
-            <a:ext uri="{91240B29-F687-4F45-9708-019B960494DF}">
-              <a14:hiddenLine xmlns:a14="http://schemas.microsoft.com/office/drawing/2010/main" w="9525">
-                <a:solidFill>
-                  <a:srgbClr val="000000"/>
-                </a:solidFill>
-                <a:miter lim="800000"/>
-                <a:headEnd/>
-                <a:tailEnd/>
-              </a14:hiddenLine>
-            </a:ext>
-          </a:extLst>
-        </p:spPr>
-        <p:txBody>
-          <a:bodyPr/>
-          <a:lstStyle/>
-          <a:p>
-            <a:pPr marL="425679" indent="-425679" algn="l" rtl="0">
-              <a:spcBef>
-                <a:spcPts val="1682"/>
-              </a:spcBef>
-              <a:buSzPct val="125000"/>
-              <a:buFont typeface="Arial" pitchFamily="34" charset="0"/>
-              <a:buChar char="•"/>
-            </a:pPr>
-            <a:r>
-              <a:rPr lang="en-US" sz="2990" b="0">
-                <a:solidFill>
-                  <a:srgbClr val="000060"/>
-                </a:solidFill>
-                <a:latin typeface="Arial" panose="020B0604020202020204" pitchFamily="34" charset="0"/>
-                <a:cs typeface="Arial" panose="020B0604020202020204" pitchFamily="34" charset="0"/>
-              </a:rPr>
-              <a:t>When starting the system or restarting it, a Bluetooth connection named “Door Lock” is available. It makes the system user friendly and mobile.</a:t>
-            </a:r>
-          </a:p>
-          <a:p>
-            <a:pPr marL="425679" indent="-425679" algn="l" rtl="0">
-              <a:spcBef>
-                <a:spcPts val="1682"/>
-              </a:spcBef>
-              <a:buSzPct val="125000"/>
-              <a:buFont typeface="Arial" pitchFamily="34" charset="0"/>
-              <a:buChar char="•"/>
-            </a:pPr>
-            <a:r>
-              <a:rPr lang="en-US" sz="2990" b="0">
-                <a:solidFill>
-                  <a:srgbClr val="000060"/>
-                </a:solidFill>
-                <a:latin typeface="Arial" panose="020B0604020202020204" pitchFamily="34" charset="0"/>
-                <a:cs typeface="Arial" panose="020B0604020202020204" pitchFamily="34" charset="0"/>
-              </a:rPr>
-              <a:t>The ESP32-CAM can be communicated through Bluetooth terminal by the following the  stages below:</a:t>
-            </a:r>
-          </a:p>
-        </p:txBody>
-      </p:sp>
-      <p:sp>
-        <p:nvSpPr>
-          <p:cNvPr id="191" name="Text Box 8"/>
-          <p:cNvSpPr txBox="1">
-            <a:spLocks noChangeArrowheads="1"/>
-          </p:cNvSpPr>
-          <p:nvPr/>
-        </p:nvSpPr>
-        <p:spPr bwMode="auto">
-          <a:xfrm>
-            <a:off x="964406" y="3266280"/>
-            <a:ext cx="28290682" cy="2862719"/>
-          </a:xfrm>
-          <a:prstGeom prst="rect">
-            <a:avLst/>
-          </a:prstGeom>
-          <a:noFill/>
-          <a:ln>
-            <a:noFill/>
-          </a:ln>
-          <a:extLst>
-            <a:ext uri="{909E8E84-426E-40DD-AFC4-6F175D3DCCD1}">
-              <a14:hiddenFill xmlns:a14="http://schemas.microsoft.com/office/drawing/2010/main">
-                <a:solidFill>
-                  <a:srgbClr val="FFFFFF"/>
-                </a:solidFill>
-              </a14:hiddenFill>
-            </a:ext>
-            <a:ext uri="{91240B29-F687-4F45-9708-019B960494DF}">
-              <a14:hiddenLine xmlns:a14="http://schemas.microsoft.com/office/drawing/2010/main" w="9525">
-                <a:solidFill>
-                  <a:srgbClr val="000000"/>
-                </a:solidFill>
-                <a:miter lim="800000"/>
-                <a:headEnd/>
-                <a:tailEnd/>
-              </a14:hiddenLine>
-            </a:ext>
-          </a:extLst>
-        </p:spPr>
-        <p:txBody>
-          <a:bodyPr anchor="ctr"/>
-          <a:lstStyle>
-            <a:defPPr>
-              <a:defRPr lang="he-IL"/>
-            </a:defPPr>
-            <a:lvl1pPr defTabSz="4175125" rtl="0">
-              <a:defRPr sz="5500" b="1">
-                <a:solidFill>
-                  <a:schemeClr val="tx2">
-                    <a:lumMod val="75000"/>
-                  </a:schemeClr>
-                </a:solidFill>
-                <a:latin typeface="Century Gothic" pitchFamily="34" charset="0"/>
-                <a:cs typeface="Tahoma" pitchFamily="34" charset="0"/>
-              </a:defRPr>
-            </a:lvl1pPr>
-          </a:lstStyle>
-          <a:p>
-            <a:pPr algn="ctr" defTabSz="3900819" fontAlgn="auto">
-              <a:spcBef>
-                <a:spcPts val="0"/>
-              </a:spcBef>
-              <a:spcAft>
-                <a:spcPts val="0"/>
-              </a:spcAft>
-              <a:defRPr/>
-            </a:pPr>
-            <a:r>
-              <a:rPr lang="en-US" sz="11000">
-                <a:solidFill>
-                  <a:schemeClr val="accent6">
-                    <a:lumMod val="50000"/>
-                  </a:schemeClr>
-                </a:solidFill>
-              </a:rPr>
-              <a:t>ESP32-cam door control system</a:t>
-            </a:r>
-            <a:endParaRPr lang="en-US" sz="11000" kern="0">
-              <a:solidFill>
-                <a:schemeClr val="accent6">
-                  <a:lumMod val="50000"/>
-                </a:schemeClr>
-              </a:solidFill>
-              <a:latin typeface="Arial" panose="020B0604020202020204" pitchFamily="34" charset="0"/>
-              <a:cs typeface="Arial" panose="020B0604020202020204" pitchFamily="34" charset="0"/>
-            </a:endParaRPr>
-          </a:p>
-        </p:txBody>
-      </p:sp>
-      <p:sp>
-        <p:nvSpPr>
-          <p:cNvPr id="104" name="Rectangle 3"/>
-          <p:cNvSpPr>
-            <a:spLocks noChangeArrowheads="1"/>
-          </p:cNvSpPr>
-          <p:nvPr/>
-        </p:nvSpPr>
-        <p:spPr bwMode="auto">
-          <a:xfrm>
-            <a:off x="410752" y="6317647"/>
-            <a:ext cx="28290682" cy="794999"/>
-          </a:xfrm>
-          <a:prstGeom prst="rect">
-            <a:avLst/>
-          </a:prstGeom>
-          <a:noFill/>
-          <a:ln>
-            <a:noFill/>
-          </a:ln>
-          <a:extLst>
-            <a:ext uri="{909E8E84-426E-40DD-AFC4-6F175D3DCCD1}">
-              <a14:hiddenFill xmlns:a14="http://schemas.microsoft.com/office/drawing/2010/main">
-                <a:solidFill>
-                  <a:srgbClr val="FFFFFF"/>
-                </a:solidFill>
-              </a14:hiddenFill>
-            </a:ext>
-            <a:ext uri="{91240B29-F687-4F45-9708-019B960494DF}">
-              <a14:hiddenLine xmlns:a14="http://schemas.microsoft.com/office/drawing/2010/main" w="9525">
-                <a:solidFill>
-                  <a:srgbClr val="000000"/>
-                </a:solidFill>
-                <a:miter lim="800000"/>
-                <a:headEnd/>
-                <a:tailEnd/>
-              </a14:hiddenLine>
-            </a:ext>
-          </a:extLst>
-        </p:spPr>
-        <p:txBody>
-          <a:bodyPr lIns="85415" tIns="42708" rIns="85415" bIns="42708" anchor="ctr" anchorCtr="0"/>
-          <a:lstStyle/>
-          <a:p>
-            <a:pPr algn="ctr" rtl="0">
-              <a:lnSpc>
-                <a:spcPct val="80000"/>
-              </a:lnSpc>
-              <a:spcBef>
-                <a:spcPct val="20000"/>
-              </a:spcBef>
-            </a:pPr>
-            <a:r>
-              <a:rPr lang="en-US" sz="6000">
-                <a:solidFill>
-                  <a:srgbClr val="000060"/>
-                </a:solidFill>
-                <a:latin typeface="Arial" panose="020B0604020202020204" pitchFamily="34" charset="0"/>
-                <a:cs typeface="Arial" panose="020B0604020202020204" pitchFamily="34" charset="0"/>
-              </a:rPr>
-              <a:t>Yael Tzadik &amp; Eden Ishay, supervised by </a:t>
-            </a:r>
-            <a:r>
-              <a:rPr lang="en-US" sz="6000" err="1">
-                <a:solidFill>
-                  <a:srgbClr val="000060"/>
-                </a:solidFill>
-                <a:latin typeface="Arial" panose="020B0604020202020204" pitchFamily="34" charset="0"/>
-                <a:cs typeface="Arial" panose="020B0604020202020204" pitchFamily="34" charset="0"/>
-              </a:rPr>
-              <a:t>Johanan</a:t>
-            </a:r>
-            <a:r>
-              <a:rPr lang="en-US" sz="6000">
-                <a:solidFill>
-                  <a:srgbClr val="000060"/>
-                </a:solidFill>
-                <a:latin typeface="Arial" panose="020B0604020202020204" pitchFamily="34" charset="0"/>
-                <a:cs typeface="Arial" panose="020B0604020202020204" pitchFamily="34" charset="0"/>
-              </a:rPr>
-              <a:t> Erez </a:t>
-            </a:r>
-          </a:p>
-        </p:txBody>
-      </p:sp>
-      <p:sp>
-        <p:nvSpPr>
-          <p:cNvPr id="212" name="Rounded Rectangle 199"/>
-          <p:cNvSpPr/>
-          <p:nvPr/>
-        </p:nvSpPr>
-        <p:spPr>
-          <a:xfrm>
-            <a:off x="20256464" y="20590221"/>
-            <a:ext cx="9360000" cy="10506713"/>
-          </a:xfrm>
-          <a:prstGeom prst="roundRect">
-            <a:avLst>
-              <a:gd name="adj" fmla="val 2631"/>
-            </a:avLst>
-          </a:prstGeom>
-          <a:noFill/>
-          <a:ln w="76200" cap="flat" cmpd="sng" algn="ctr">
-            <a:solidFill>
-              <a:srgbClr val="000060"/>
-            </a:solidFill>
-            <a:prstDash val="solid"/>
-          </a:ln>
-          <a:effectLst/>
-        </p:spPr>
-        <p:txBody>
-          <a:bodyPr rtlCol="1" anchor="ctr"/>
-          <a:lstStyle/>
-          <a:p>
-            <a:pPr algn="ctr" defTabSz="854324" fontAlgn="auto">
-              <a:spcBef>
-                <a:spcPts val="0"/>
-              </a:spcBef>
-              <a:spcAft>
-                <a:spcPts val="0"/>
-              </a:spcAft>
-              <a:defRPr/>
-            </a:pPr>
-            <a:endParaRPr lang="he-IL" sz="7661" b="0" kern="0">
-              <a:solidFill>
-                <a:srgbClr val="FFFFFF"/>
-              </a:solidFill>
-              <a:latin typeface="Arial" panose="020B0604020202020204" pitchFamily="34" charset="0"/>
-              <a:cs typeface="Arial" panose="020B0604020202020204" pitchFamily="34" charset="0"/>
-            </a:endParaRPr>
-          </a:p>
-        </p:txBody>
-      </p:sp>
-      <p:sp>
-        <p:nvSpPr>
-          <p:cNvPr id="252" name="Rounded Rectangle 172"/>
-          <p:cNvSpPr/>
-          <p:nvPr/>
-        </p:nvSpPr>
-        <p:spPr>
-          <a:xfrm>
-            <a:off x="10458000" y="21988801"/>
-            <a:ext cx="9360000" cy="6208946"/>
-          </a:xfrm>
-          <a:prstGeom prst="roundRect">
-            <a:avLst>
-              <a:gd name="adj" fmla="val 2058"/>
-            </a:avLst>
-          </a:prstGeom>
-          <a:noFill/>
-          <a:ln w="76200" cap="flat" cmpd="sng" algn="ctr">
-            <a:solidFill>
-              <a:srgbClr val="000060"/>
-            </a:solidFill>
-            <a:prstDash val="solid"/>
-          </a:ln>
-          <a:effectLst/>
-        </p:spPr>
-        <p:txBody>
-          <a:bodyPr rtlCol="1" anchor="ctr"/>
-          <a:lstStyle/>
-          <a:p>
-            <a:pPr algn="ctr" defTabSz="854324" fontAlgn="auto">
-              <a:spcBef>
-                <a:spcPts val="0"/>
-              </a:spcBef>
-              <a:spcAft>
-                <a:spcPts val="0"/>
-              </a:spcAft>
-              <a:defRPr/>
-            </a:pPr>
-            <a:endParaRPr lang="he-IL" sz="7661" b="0" kern="0">
-              <a:solidFill>
-                <a:srgbClr val="FFFFFF"/>
-              </a:solidFill>
-              <a:latin typeface="Arial" panose="020B0604020202020204" pitchFamily="34" charset="0"/>
-              <a:cs typeface="Arial" panose="020B0604020202020204" pitchFamily="34" charset="0"/>
-            </a:endParaRPr>
-          </a:p>
-        </p:txBody>
-      </p:sp>
-      <p:sp>
-        <p:nvSpPr>
           <p:cNvPr id="253" name="Rectangle 4"/>
           <p:cNvSpPr>
             <a:spLocks noChangeArrowheads="1"/>
@@ -6362,8 +6614,8 @@
         </p:nvSpPr>
         <p:spPr bwMode="auto">
           <a:xfrm>
-            <a:off x="941451" y="34406731"/>
-            <a:ext cx="8820000" cy="6685735"/>
+            <a:off x="941451" y="35061546"/>
+            <a:ext cx="8820000" cy="5927677"/>
           </a:xfrm>
           <a:prstGeom prst="rect">
             <a:avLst/>
@@ -6489,6 +6741,42 @@
                 <a:cs typeface="Arial" panose="020B0604020202020204" pitchFamily="34" charset="0"/>
               </a:rPr>
               <a:t>Communication between the device and the server is done via Wi-Fi.</a:t>
+            </a:r>
+          </a:p>
+          <a:p>
+            <a:pPr algn="l" rtl="0">
+              <a:spcBef>
+                <a:spcPts val="1682"/>
+              </a:spcBef>
+              <a:buSzPct val="125000"/>
+            </a:pPr>
+            <a:r>
+              <a:rPr lang="en-US" sz="2990" b="0">
+                <a:solidFill>
+                  <a:srgbClr val="000060"/>
+                </a:solidFill>
+                <a:latin typeface="Arial" panose="020B0604020202020204" pitchFamily="34" charset="0"/>
+                <a:cs typeface="Arial" panose="020B0604020202020204" pitchFamily="34" charset="0"/>
+              </a:rPr>
+              <a:t>Connection to WI-FI is done Via Bluetooth.</a:t>
+            </a:r>
+          </a:p>
+          <a:p>
+            <a:pPr algn="l" rtl="0">
+              <a:spcBef>
+                <a:spcPts val="1682"/>
+              </a:spcBef>
+              <a:buSzPct val="125000"/>
+            </a:pPr>
+            <a:r>
+              <a:rPr lang="en-US" sz="2990" b="0">
+                <a:solidFill>
+                  <a:srgbClr val="000060"/>
+                </a:solidFill>
+                <a:latin typeface="Arial" panose="020B0604020202020204" pitchFamily="34" charset="0"/>
+                <a:cs typeface="Arial" panose="020B0604020202020204" pitchFamily="34" charset="0"/>
+              </a:rPr>
+              <a:t>Authorized personal are loaded from SD card and can be changed by switching cards.</a:t>
             </a:r>
           </a:p>
           <a:p>
@@ -6505,83 +6793,6 @@
               <a:latin typeface="Arial" panose="020B0604020202020204" pitchFamily="34" charset="0"/>
               <a:cs typeface="Arial" panose="020B0604020202020204" pitchFamily="34" charset="0"/>
             </a:endParaRPr>
-          </a:p>
-          <a:p>
-            <a:pPr algn="l" rtl="0">
-              <a:spcBef>
-                <a:spcPts val="1682"/>
-              </a:spcBef>
-              <a:buSzPct val="125000"/>
-            </a:pPr>
-            <a:endParaRPr lang="en-US" sz="2990" b="0">
-              <a:solidFill>
-                <a:srgbClr val="000060"/>
-              </a:solidFill>
-              <a:latin typeface="Arial" panose="020B0604020202020204" pitchFamily="34" charset="0"/>
-              <a:cs typeface="Arial" panose="020B0604020202020204" pitchFamily="34" charset="0"/>
-            </a:endParaRPr>
-          </a:p>
-        </p:txBody>
-      </p:sp>
-      <p:sp>
-        <p:nvSpPr>
-          <p:cNvPr id="235" name="Rectangle 4"/>
-          <p:cNvSpPr>
-            <a:spLocks noChangeArrowheads="1"/>
-          </p:cNvSpPr>
-          <p:nvPr/>
-        </p:nvSpPr>
-        <p:spPr bwMode="auto">
-          <a:xfrm>
-            <a:off x="21251116" y="15018986"/>
-            <a:ext cx="7018664" cy="779110"/>
-          </a:xfrm>
-          <a:prstGeom prst="rect">
-            <a:avLst/>
-          </a:prstGeom>
-          <a:noFill/>
-          <a:ln>
-            <a:noFill/>
-          </a:ln>
-          <a:extLst>
-            <a:ext uri="{909E8E84-426E-40DD-AFC4-6F175D3DCCD1}">
-              <a14:hiddenFill xmlns:a14="http://schemas.microsoft.com/office/drawing/2010/main">
-                <a:solidFill>
-                  <a:srgbClr val="FFFFFF"/>
-                </a:solidFill>
-              </a14:hiddenFill>
-            </a:ext>
-            <a:ext uri="{91240B29-F687-4F45-9708-019B960494DF}">
-              <a14:hiddenLine xmlns:a14="http://schemas.microsoft.com/office/drawing/2010/main" w="9525">
-                <a:solidFill>
-                  <a:srgbClr val="000000"/>
-                </a:solidFill>
-                <a:miter lim="800000"/>
-                <a:headEnd/>
-                <a:tailEnd/>
-              </a14:hiddenLine>
-            </a:ext>
-          </a:extLst>
-        </p:spPr>
-        <p:txBody>
-          <a:bodyPr/>
-          <a:lstStyle/>
-          <a:p>
-            <a:pPr algn="ctr" rtl="0">
-              <a:spcBef>
-                <a:spcPts val="1682"/>
-              </a:spcBef>
-            </a:pPr>
-            <a:r>
-              <a:rPr lang="en-US" sz="2200" b="0">
-                <a:solidFill>
-                  <a:schemeClr val="dk1"/>
-                </a:solidFill>
-                <a:latin typeface="Century Gothic" panose="020B0502020202020204" pitchFamily="34" charset="0"/>
-                <a:cs typeface="+mn-cs"/>
-              </a:rPr>
-              <a:t>Set-Up Using Bluetooth connection</a:t>
-            </a:r>
           </a:p>
         </p:txBody>
       </p:sp>
@@ -6676,7 +6887,7 @@
         </p:blipFill>
         <p:spPr>
           <a:xfrm>
-            <a:off x="1068718" y="16292899"/>
+            <a:off x="1086806" y="16078925"/>
             <a:ext cx="8107414" cy="3644200"/>
           </a:xfrm>
           <a:prstGeom prst="rect">
@@ -6711,7 +6922,7 @@
         </p:blipFill>
         <p:spPr>
           <a:xfrm>
-            <a:off x="15231182" y="13024333"/>
+            <a:off x="25148821" y="22803355"/>
             <a:ext cx="4008884" cy="3157459"/>
           </a:xfrm>
           <a:prstGeom prst="rect">
@@ -6745,7 +6956,7 @@
         </p:nvSpPr>
         <p:spPr bwMode="auto">
           <a:xfrm>
-            <a:off x="14927618" y="16406423"/>
+            <a:off x="24845257" y="26185445"/>
             <a:ext cx="4669867" cy="486664"/>
           </a:xfrm>
           <a:prstGeom prst="rect">
@@ -6793,262 +7004,6 @@
                 <a:cs typeface="+mn-cs"/>
               </a:rPr>
               <a:t>Horizontal change</a:t>
-            </a:r>
-          </a:p>
-        </p:txBody>
-      </p:sp>
-      <p:pic>
-        <p:nvPicPr>
-          <p:cNvPr id="10" name="תמונה 9">
-            <a:extLst>
-              <a:ext uri="{FF2B5EF4-FFF2-40B4-BE49-F238E27FC236}">
-                <a16:creationId xmlns:a16="http://schemas.microsoft.com/office/drawing/2014/main" id="{429611D1-B78C-49D2-8EDA-9B1E005BC8C9}"/>
-              </a:ext>
-            </a:extLst>
-          </p:cNvPr>
-          <p:cNvPicPr>
-            <a:picLocks noChangeAspect="1"/>
-          </p:cNvPicPr>
-          <p:nvPr/>
-        </p:nvPicPr>
-        <p:blipFill>
-          <a:blip r:embed="rId6"/>
-          <a:stretch>
-            <a:fillRect/>
-          </a:stretch>
-        </p:blipFill>
-        <p:spPr>
-          <a:xfrm>
-            <a:off x="20588800" y="22113711"/>
-            <a:ext cx="8749704" cy="3522983"/>
-          </a:xfrm>
-          <a:prstGeom prst="rect">
-            <a:avLst/>
-          </a:prstGeom>
-        </p:spPr>
-      </p:pic>
-      <p:pic>
-        <p:nvPicPr>
-          <p:cNvPr id="12" name="תמונה 11">
-            <a:extLst>
-              <a:ext uri="{FF2B5EF4-FFF2-40B4-BE49-F238E27FC236}">
-                <a16:creationId xmlns:a16="http://schemas.microsoft.com/office/drawing/2014/main" id="{5DA4B6EB-A70D-45B8-9D79-02A9A2CD0753}"/>
-              </a:ext>
-            </a:extLst>
-          </p:cNvPr>
-          <p:cNvPicPr>
-            <a:picLocks noChangeAspect="1"/>
-          </p:cNvPicPr>
-          <p:nvPr/>
-        </p:nvPicPr>
-        <p:blipFill>
-          <a:blip r:embed="rId7"/>
-          <a:stretch>
-            <a:fillRect/>
-          </a:stretch>
-        </p:blipFill>
-        <p:spPr>
-          <a:xfrm>
-            <a:off x="20556000" y="26636800"/>
-            <a:ext cx="8726971" cy="3611160"/>
-          </a:xfrm>
-          <a:prstGeom prst="rect">
-            <a:avLst/>
-          </a:prstGeom>
-        </p:spPr>
-      </p:pic>
-      <p:sp>
-        <p:nvSpPr>
-          <p:cNvPr id="148" name="Rectangle 4">
-            <a:extLst>
-              <a:ext uri="{FF2B5EF4-FFF2-40B4-BE49-F238E27FC236}">
-                <a16:creationId xmlns:a16="http://schemas.microsoft.com/office/drawing/2014/main" id="{C9E43EE7-37AA-441D-8E50-44BE1A5FCD29}"/>
-              </a:ext>
-            </a:extLst>
-          </p:cNvPr>
-          <p:cNvSpPr>
-            <a:spLocks noChangeArrowheads="1"/>
-          </p:cNvSpPr>
-          <p:nvPr/>
-        </p:nvSpPr>
-        <p:spPr bwMode="auto">
-          <a:xfrm>
-            <a:off x="20601792" y="30317824"/>
-            <a:ext cx="8478682" cy="779110"/>
-          </a:xfrm>
-          <a:prstGeom prst="rect">
-            <a:avLst/>
-          </a:prstGeom>
-          <a:noFill/>
-          <a:ln>
-            <a:noFill/>
-          </a:ln>
-          <a:extLst>
-            <a:ext uri="{909E8E84-426E-40DD-AFC4-6F175D3DCCD1}">
-              <a14:hiddenFill xmlns:a14="http://schemas.microsoft.com/office/drawing/2010/main">
-                <a:solidFill>
-                  <a:srgbClr val="FFFFFF"/>
-                </a:solidFill>
-              </a14:hiddenFill>
-            </a:ext>
-            <a:ext uri="{91240B29-F687-4F45-9708-019B960494DF}">
-              <a14:hiddenLine xmlns:a14="http://schemas.microsoft.com/office/drawing/2010/main" w="9525">
-                <a:solidFill>
-                  <a:srgbClr val="000000"/>
-                </a:solidFill>
-                <a:miter lim="800000"/>
-                <a:headEnd/>
-                <a:tailEnd/>
-              </a14:hiddenLine>
-            </a:ext>
-          </a:extLst>
-        </p:spPr>
-        <p:txBody>
-          <a:bodyPr/>
-          <a:lstStyle/>
-          <a:p>
-            <a:pPr algn="ctr" rtl="0">
-              <a:spcBef>
-                <a:spcPts val="1682"/>
-              </a:spcBef>
-            </a:pPr>
-            <a:r>
-              <a:rPr lang="en-US" sz="2200" b="0">
-                <a:solidFill>
-                  <a:schemeClr val="dk1"/>
-                </a:solidFill>
-                <a:latin typeface="Century Gothic" panose="020B0502020202020204" pitchFamily="34" charset="0"/>
-                <a:cs typeface="+mn-cs"/>
-              </a:rPr>
-              <a:t>Full                               Direct                          Global</a:t>
-            </a:r>
-          </a:p>
-        </p:txBody>
-      </p:sp>
-      <p:pic>
-        <p:nvPicPr>
-          <p:cNvPr id="149" name="תמונה 148">
-            <a:extLst>
-              <a:ext uri="{FF2B5EF4-FFF2-40B4-BE49-F238E27FC236}">
-                <a16:creationId xmlns:a16="http://schemas.microsoft.com/office/drawing/2014/main" id="{35CEFBE1-19B5-44CB-B62A-4A38ECCC4324}"/>
-              </a:ext>
-            </a:extLst>
-          </p:cNvPr>
-          <p:cNvPicPr>
-            <a:picLocks noChangeAspect="1"/>
-          </p:cNvPicPr>
-          <p:nvPr/>
-        </p:nvPicPr>
-        <p:blipFill>
-          <a:blip r:embed="rId8"/>
-          <a:stretch>
-            <a:fillRect/>
-          </a:stretch>
-        </p:blipFill>
-        <p:spPr>
-          <a:xfrm>
-            <a:off x="23080680" y="34216959"/>
-            <a:ext cx="3929937" cy="3459451"/>
-          </a:xfrm>
-          <a:prstGeom prst="rect">
-            <a:avLst/>
-          </a:prstGeom>
-        </p:spPr>
-      </p:pic>
-      <p:pic>
-        <p:nvPicPr>
-          <p:cNvPr id="13" name="תמונה 12">
-            <a:extLst>
-              <a:ext uri="{FF2B5EF4-FFF2-40B4-BE49-F238E27FC236}">
-                <a16:creationId xmlns:a16="http://schemas.microsoft.com/office/drawing/2014/main" id="{6025F1AC-78CD-4FA3-B791-824BB85382A3}"/>
-              </a:ext>
-            </a:extLst>
-          </p:cNvPr>
-          <p:cNvPicPr>
-            <a:picLocks noChangeAspect="1"/>
-          </p:cNvPicPr>
-          <p:nvPr/>
-        </p:nvPicPr>
-        <p:blipFill>
-          <a:blip r:embed="rId9"/>
-          <a:stretch>
-            <a:fillRect/>
-          </a:stretch>
-        </p:blipFill>
-        <p:spPr>
-          <a:xfrm>
-            <a:off x="22587227" y="37902823"/>
-            <a:ext cx="4876800" cy="3092605"/>
-          </a:xfrm>
-          <a:prstGeom prst="rect">
-            <a:avLst/>
-          </a:prstGeom>
-        </p:spPr>
-      </p:pic>
-      <p:sp>
-        <p:nvSpPr>
-          <p:cNvPr id="150" name="Rectangle 4">
-            <a:extLst>
-              <a:ext uri="{FF2B5EF4-FFF2-40B4-BE49-F238E27FC236}">
-                <a16:creationId xmlns:a16="http://schemas.microsoft.com/office/drawing/2014/main" id="{E40A9E59-BB98-4EAE-903B-F68A30009672}"/>
-              </a:ext>
-            </a:extLst>
-          </p:cNvPr>
-          <p:cNvSpPr>
-            <a:spLocks noChangeArrowheads="1"/>
-          </p:cNvSpPr>
-          <p:nvPr/>
-        </p:nvSpPr>
-        <p:spPr bwMode="auto">
-          <a:xfrm>
-            <a:off x="22886291" y="37301540"/>
-            <a:ext cx="4318716" cy="857607"/>
-          </a:xfrm>
-          <a:prstGeom prst="rect">
-            <a:avLst/>
-          </a:prstGeom>
-          <a:noFill/>
-          <a:ln>
-            <a:noFill/>
-          </a:ln>
-          <a:extLst>
-            <a:ext uri="{909E8E84-426E-40DD-AFC4-6F175D3DCCD1}">
-              <a14:hiddenFill xmlns:a14="http://schemas.microsoft.com/office/drawing/2010/main">
-                <a:solidFill>
-                  <a:srgbClr val="FFFFFF"/>
-                </a:solidFill>
-              </a14:hiddenFill>
-            </a:ext>
-            <a:ext uri="{91240B29-F687-4F45-9708-019B960494DF}">
-              <a14:hiddenLine xmlns:a14="http://schemas.microsoft.com/office/drawing/2010/main" w="9525">
-                <a:solidFill>
-                  <a:srgbClr val="000000"/>
-                </a:solidFill>
-                <a:miter lim="800000"/>
-                <a:headEnd/>
-                <a:tailEnd/>
-              </a14:hiddenLine>
-            </a:ext>
-          </a:extLst>
-        </p:spPr>
-        <p:txBody>
-          <a:bodyPr/>
-          <a:lstStyle/>
-          <a:p>
-            <a:pPr algn="ctr" rtl="0">
-              <a:spcBef>
-                <a:spcPts val="1682"/>
-              </a:spcBef>
-            </a:pPr>
-            <a:r>
-              <a:rPr lang="en-US" sz="2200" b="0">
-                <a:solidFill>
-                  <a:schemeClr val="dk1"/>
-                </a:solidFill>
-                <a:latin typeface="Century Gothic" panose="020B0502020202020204" pitchFamily="34" charset="0"/>
-                <a:cs typeface="+mn-cs"/>
-              </a:rPr>
-              <a:t>Mobile Set-Up</a:t>
             </a:r>
           </a:p>
         </p:txBody>
@@ -7088,11 +7043,11 @@
             <p:nvPr/>
           </p:nvPicPr>
           <p:blipFill rotWithShape="1">
-            <a:blip r:embed="rId10" cstate="print">
+            <a:blip r:embed="rId6" cstate="print">
               <a:extLst>
                 <a:ext uri="{BEBA8EAE-BF5A-486C-A8C5-ECC9F3942E4B}">
                   <a14:imgProps xmlns:a14="http://schemas.microsoft.com/office/drawing/2010/main">
-                    <a14:imgLayer r:embed="rId11">
+                    <a14:imgLayer r:embed="rId7">
                       <a14:imgEffect>
                         <a14:brightnessContrast bright="20000"/>
                       </a14:imgEffect>
@@ -7132,7 +7087,7 @@
             <p:nvPr/>
           </p:nvPicPr>
           <p:blipFill>
-            <a:blip r:embed="rId12">
+            <a:blip r:embed="rId8">
               <a:extLst>
                 <a:ext uri="{28A0092B-C50C-407E-A947-70E740481C1C}">
                   <a14:useLocalDpi xmlns:a14="http://schemas.microsoft.com/office/drawing/2010/main" val="0"/>
@@ -7169,7 +7124,7 @@
           <p:nvPr/>
         </p:nvPicPr>
         <p:blipFill>
-          <a:blip r:embed="rId13">
+          <a:blip r:embed="rId9">
             <a:extLst>
               <a:ext uri="{28A0092B-C50C-407E-A947-70E740481C1C}">
                 <a14:useLocalDpi xmlns:a14="http://schemas.microsoft.com/office/drawing/2010/main" val="0"/>
@@ -7206,7 +7161,7 @@
           <p:nvPr/>
         </p:nvPicPr>
         <p:blipFill rotWithShape="1">
-          <a:blip r:embed="rId14" cstate="print">
+          <a:blip r:embed="rId10" cstate="print">
             <a:extLst>
               <a:ext uri="{28A0092B-C50C-407E-A947-70E740481C1C}">
                 <a14:useLocalDpi xmlns:a14="http://schemas.microsoft.com/office/drawing/2010/main" val="0"/>
@@ -7218,8 +7173,8 @@
         </p:blipFill>
         <p:spPr bwMode="auto">
           <a:xfrm>
-            <a:off x="964406" y="30070910"/>
-            <a:ext cx="8457448" cy="4271232"/>
+            <a:off x="964406" y="29911909"/>
+            <a:ext cx="8457448" cy="4430233"/>
           </a:xfrm>
           <a:prstGeom prst="rect">
             <a:avLst/>
@@ -7251,7 +7206,7 @@
         </p:nvSpPr>
         <p:spPr bwMode="auto">
           <a:xfrm>
-            <a:off x="10764000" y="8429433"/>
+            <a:off x="20681639" y="18208455"/>
             <a:ext cx="9024464" cy="1009048"/>
           </a:xfrm>
           <a:prstGeom prst="rect">
@@ -7317,7 +7272,7 @@
         </p:nvSpPr>
         <p:spPr bwMode="auto">
           <a:xfrm>
-            <a:off x="10794206" y="9514681"/>
+            <a:off x="20711845" y="19293703"/>
             <a:ext cx="8820000" cy="5019492"/>
           </a:xfrm>
           <a:prstGeom prst="rect">
@@ -7443,7 +7398,7 @@
           <p:nvPr/>
         </p:nvPicPr>
         <p:blipFill rotWithShape="1">
-          <a:blip r:embed="rId15">
+          <a:blip r:embed="rId11">
             <a:extLst>
               <a:ext uri="{28A0092B-C50C-407E-A947-70E740481C1C}">
                 <a14:useLocalDpi xmlns:a14="http://schemas.microsoft.com/office/drawing/2010/main" val="0"/>
@@ -7455,7 +7410,7 @@
         </p:blipFill>
         <p:spPr>
           <a:xfrm>
-            <a:off x="10801564" y="14757810"/>
+            <a:off x="20719203" y="24536832"/>
             <a:ext cx="4008884" cy="3157459"/>
           </a:xfrm>
           <a:prstGeom prst="rect">
@@ -7489,7 +7444,7 @@
         </p:nvSpPr>
         <p:spPr bwMode="auto">
           <a:xfrm>
-            <a:off x="10498000" y="18139900"/>
+            <a:off x="20415639" y="27918922"/>
             <a:ext cx="4669867" cy="486664"/>
           </a:xfrm>
           <a:prstGeom prst="rect">
@@ -7556,7 +7511,7 @@
           <p:nvPr/>
         </p:nvPicPr>
         <p:blipFill rotWithShape="1">
-          <a:blip r:embed="rId16">
+          <a:blip r:embed="rId12">
             <a:extLst>
               <a:ext uri="{28A0092B-C50C-407E-A947-70E740481C1C}">
                 <a14:useLocalDpi xmlns:a14="http://schemas.microsoft.com/office/drawing/2010/main" val="0"/>
@@ -7568,7 +7523,7 @@
         </p:blipFill>
         <p:spPr>
           <a:xfrm>
-            <a:off x="15336709" y="17361050"/>
+            <a:off x="25254348" y="27140072"/>
             <a:ext cx="4008884" cy="3157459"/>
           </a:xfrm>
           <a:prstGeom prst="rect">
@@ -7602,7 +7557,7 @@
         </p:nvSpPr>
         <p:spPr bwMode="auto">
           <a:xfrm>
-            <a:off x="15033145" y="20743140"/>
+            <a:off x="24950784" y="30522162"/>
             <a:ext cx="4669867" cy="486664"/>
           </a:xfrm>
           <a:prstGeom prst="rect">
@@ -7654,183 +7609,86 @@
           </a:p>
         </p:txBody>
       </p:sp>
-      <p:grpSp>
-        <p:nvGrpSpPr>
-          <p:cNvPr id="19" name="קבוצה 18">
+      <p:sp>
+        <p:nvSpPr>
+          <p:cNvPr id="17" name="Rounded Rectangle 172">
             <a:extLst>
               <a:ext uri="{FF2B5EF4-FFF2-40B4-BE49-F238E27FC236}">
-                <a16:creationId xmlns:a16="http://schemas.microsoft.com/office/drawing/2014/main" id="{FC82F077-766A-0BD3-54EC-BEA77F586D7E}"/>
+                <a16:creationId xmlns:a16="http://schemas.microsoft.com/office/drawing/2014/main" id="{CDEB255A-F916-7F5B-E1B0-FF02E75EE240}"/>
               </a:ext>
             </a:extLst>
           </p:cNvPr>
-          <p:cNvGrpSpPr/>
+          <p:cNvSpPr/>
           <p:nvPr/>
-        </p:nvGrpSpPr>
-        <p:grpSpPr>
+        </p:nvSpPr>
+        <p:spPr>
           <a:xfrm>
-            <a:off x="10458000" y="28793267"/>
-            <a:ext cx="9360000" cy="12486672"/>
-            <a:chOff x="10413206" y="28793281"/>
-            <a:chExt cx="9360000" cy="6271081"/>
+            <a:off x="10458000" y="36829809"/>
+            <a:ext cx="9360000" cy="4331736"/>
           </a:xfrm>
-        </p:grpSpPr>
-        <p:sp>
-          <p:nvSpPr>
-            <p:cNvPr id="17" name="Rounded Rectangle 172">
-              <a:extLst>
-                <a:ext uri="{FF2B5EF4-FFF2-40B4-BE49-F238E27FC236}">
-                  <a16:creationId xmlns:a16="http://schemas.microsoft.com/office/drawing/2014/main" id="{CDEB255A-F916-7F5B-E1B0-FF02E75EE240}"/>
-                </a:ext>
-              </a:extLst>
-            </p:cNvPr>
-            <p:cNvSpPr/>
-            <p:nvPr/>
-          </p:nvSpPr>
-          <p:spPr>
-            <a:xfrm>
-              <a:off x="10413206" y="28793281"/>
-              <a:ext cx="9360000" cy="6271081"/>
-            </a:xfrm>
-            <a:prstGeom prst="roundRect">
-              <a:avLst>
-                <a:gd name="adj" fmla="val 2058"/>
-              </a:avLst>
-            </a:prstGeom>
-            <a:noFill/>
-            <a:ln w="76200" cap="flat" cmpd="sng" algn="ctr">
+          <a:prstGeom prst="roundRect">
+            <a:avLst>
+              <a:gd name="adj" fmla="val 7335"/>
+            </a:avLst>
+          </a:prstGeom>
+          <a:noFill/>
+          <a:ln w="76200" cap="flat" cmpd="sng" algn="ctr">
+            <a:solidFill>
+              <a:srgbClr val="000060"/>
+            </a:solidFill>
+            <a:prstDash val="solid"/>
+          </a:ln>
+          <a:effectLst/>
+        </p:spPr>
+        <p:txBody>
+          <a:bodyPr rtlCol="1" anchor="ctr"/>
+          <a:lstStyle/>
+          <a:p>
+            <a:pPr algn="ctr" defTabSz="854324" fontAlgn="auto">
+              <a:spcBef>
+                <a:spcPts val="0"/>
+              </a:spcBef>
+              <a:spcAft>
+                <a:spcPts val="0"/>
+              </a:spcAft>
+              <a:defRPr/>
+            </a:pPr>
+            <a:endParaRPr lang="he-IL" sz="7661" b="0" kern="0">
               <a:solidFill>
-                <a:srgbClr val="000060"/>
+                <a:srgbClr val="FFFFFF"/>
               </a:solidFill>
-              <a:prstDash val="solid"/>
-            </a:ln>
-            <a:effectLst/>
-          </p:spPr>
-          <p:txBody>
-            <a:bodyPr rtlCol="1" anchor="ctr"/>
-            <a:lstStyle/>
-            <a:p>
-              <a:pPr algn="ctr" defTabSz="854324" fontAlgn="auto">
-                <a:spcBef>
-                  <a:spcPts val="0"/>
-                </a:spcBef>
-                <a:spcAft>
-                  <a:spcPts val="0"/>
-                </a:spcAft>
-                <a:defRPr/>
-              </a:pPr>
-              <a:endParaRPr lang="he-IL" sz="7661" b="0" kern="0">
-                <a:solidFill>
-                  <a:srgbClr val="FFFFFF"/>
-                </a:solidFill>
-                <a:latin typeface="Arial" panose="020B0604020202020204" pitchFamily="34" charset="0"/>
-                <a:cs typeface="Arial" panose="020B0604020202020204" pitchFamily="34" charset="0"/>
-              </a:endParaRPr>
-            </a:p>
-          </p:txBody>
-        </p:sp>
-        <p:sp>
-          <p:nvSpPr>
-            <p:cNvPr id="18" name="Rectangle 4">
-              <a:extLst>
-                <a:ext uri="{FF2B5EF4-FFF2-40B4-BE49-F238E27FC236}">
-                  <a16:creationId xmlns:a16="http://schemas.microsoft.com/office/drawing/2014/main" id="{4DCF5954-B435-51BF-1C83-1F1B9C5BD256}"/>
-                </a:ext>
-              </a:extLst>
-            </p:cNvPr>
-            <p:cNvSpPr>
-              <a:spLocks noChangeArrowheads="1"/>
-            </p:cNvSpPr>
-            <p:nvPr/>
-          </p:nvSpPr>
-          <p:spPr bwMode="auto">
-            <a:xfrm>
-              <a:off x="10719206" y="28908096"/>
-              <a:ext cx="8781546" cy="494726"/>
-            </a:xfrm>
-            <a:prstGeom prst="rect">
-              <a:avLst/>
-            </a:prstGeom>
-            <a:noFill/>
-            <a:ln>
-              <a:noFill/>
-            </a:ln>
-            <a:extLst>
-              <a:ext uri="{909E8E84-426E-40DD-AFC4-6F175D3DCCD1}">
-                <a14:hiddenFill xmlns:a14="http://schemas.microsoft.com/office/drawing/2010/main">
-                  <a:solidFill>
-                    <a:srgbClr val="FFFFFF"/>
-                  </a:solidFill>
-                </a14:hiddenFill>
-              </a:ext>
-              <a:ext uri="{91240B29-F687-4F45-9708-019B960494DF}">
-                <a14:hiddenLine xmlns:a14="http://schemas.microsoft.com/office/drawing/2010/main" w="9525">
-                  <a:solidFill>
-                    <a:srgbClr val="000000"/>
-                  </a:solidFill>
-                  <a:miter lim="800000"/>
-                  <a:headEnd/>
-                  <a:tailEnd/>
-                </a14:hiddenLine>
-              </a:ext>
-            </a:extLst>
-          </p:spPr>
-          <p:txBody>
-            <a:bodyPr anchor="ctr"/>
-            <a:lstStyle/>
-            <a:p>
-              <a:pPr algn="l" defTabSz="3900819" rtl="0"/>
-              <a:r>
-                <a:rPr lang="en-US" sz="5140">
-                  <a:solidFill>
-                    <a:srgbClr val="D1282E">
-                      <a:lumMod val="75000"/>
-                    </a:srgbClr>
-                  </a:solidFill>
-                  <a:latin typeface="Arial" panose="020B0604020202020204" pitchFamily="34" charset="0"/>
-                  <a:cs typeface="Arial" panose="020B0604020202020204" pitchFamily="34" charset="0"/>
-                </a:rPr>
-                <a:t>Face Recognition</a:t>
-              </a:r>
-            </a:p>
-          </p:txBody>
-        </p:sp>
-      </p:grpSp>
-      <p:pic>
-        <p:nvPicPr>
-          <p:cNvPr id="20" name="תמונה 1718845322" descr="תמונה שמכילה טקסט, צילום מסך, גופן, שחור&#10;&#10;התיאור נוצר באופן אוטומטי">
+              <a:latin typeface="Arial" panose="020B0604020202020204" pitchFamily="34" charset="0"/>
+              <a:cs typeface="Arial" panose="020B0604020202020204" pitchFamily="34" charset="0"/>
+            </a:endParaRPr>
+          </a:p>
+        </p:txBody>
+      </p:sp>
+      <p:sp>
+        <p:nvSpPr>
+          <p:cNvPr id="18" name="Rectangle 4">
             <a:extLst>
               <a:ext uri="{FF2B5EF4-FFF2-40B4-BE49-F238E27FC236}">
-                <a16:creationId xmlns:a16="http://schemas.microsoft.com/office/drawing/2014/main" id="{B2A8A118-5284-9AD9-8D5F-11438A3AF9E4}"/>
+                <a16:creationId xmlns:a16="http://schemas.microsoft.com/office/drawing/2014/main" id="{4DCF5954-B435-51BF-1C83-1F1B9C5BD256}"/>
               </a:ext>
             </a:extLst>
           </p:cNvPr>
-          <p:cNvPicPr>
-            <a:picLocks noChangeAspect="1" noChangeArrowheads="1"/>
-          </p:cNvPicPr>
+          <p:cNvSpPr>
+            <a:spLocks noChangeArrowheads="1"/>
+          </p:cNvSpPr>
           <p:nvPr/>
-        </p:nvPicPr>
-        <p:blipFill>
-          <a:blip r:embed="rId17">
-            <a:extLst>
-              <a:ext uri="{28A0092B-C50C-407E-A947-70E740481C1C}">
-                <a14:useLocalDpi xmlns:a14="http://schemas.microsoft.com/office/drawing/2010/main" val="0"/>
-              </a:ext>
-            </a:extLst>
-          </a:blip>
-          <a:srcRect/>
-          <a:stretch>
-            <a:fillRect/>
-          </a:stretch>
-        </p:blipFill>
+        </p:nvSpPr>
         <p:spPr bwMode="auto">
           <a:xfrm>
-            <a:off x="20678704" y="13196547"/>
-            <a:ext cx="8504949" cy="1690086"/>
+            <a:off x="10764000" y="37041003"/>
+            <a:ext cx="8781546" cy="985074"/>
           </a:xfrm>
           <a:prstGeom prst="rect">
             <a:avLst/>
           </a:prstGeom>
           <a:noFill/>
+          <a:ln>
+            <a:noFill/>
+          </a:ln>
           <a:extLst>
             <a:ext uri="{909E8E84-426E-40DD-AFC4-6F175D3DCCD1}">
               <a14:hiddenFill xmlns:a14="http://schemas.microsoft.com/office/drawing/2010/main">
@@ -7839,9 +7697,38 @@
                 </a:solidFill>
               </a14:hiddenFill>
             </a:ext>
+            <a:ext uri="{91240B29-F687-4F45-9708-019B960494DF}">
+              <a14:hiddenLine xmlns:a14="http://schemas.microsoft.com/office/drawing/2010/main" w="9525">
+                <a:solidFill>
+                  <a:srgbClr val="000000"/>
+                </a:solidFill>
+                <a:miter lim="800000"/>
+                <a:headEnd/>
+                <a:tailEnd/>
+              </a14:hiddenLine>
+            </a:ext>
           </a:extLst>
         </p:spPr>
-      </p:pic>
+        <p:txBody>
+          <a:bodyPr anchor="ctr"/>
+          <a:lstStyle/>
+          <a:p>
+            <a:pPr algn="l" defTabSz="3900819" rtl="0"/>
+            <a:r>
+              <a:rPr lang="en-US" sz="5140">
+                <a:solidFill>
+                  <a:srgbClr val="D1282E">
+                    <a:lumMod val="75000"/>
+                  </a:srgbClr>
+                </a:solidFill>
+                <a:latin typeface="Arial" panose="020B0604020202020204" pitchFamily="34" charset="0"/>
+                <a:cs typeface="Arial" panose="020B0604020202020204" pitchFamily="34" charset="0"/>
+              </a:rPr>
+              <a:t>Face Recognition</a:t>
+            </a:r>
+          </a:p>
+        </p:txBody>
+      </p:sp>
       <p:pic>
         <p:nvPicPr>
           <p:cNvPr id="21" name="תמונה 1766856433" descr="The workflow of MTMN">
@@ -7857,7 +7744,7 @@
           <p:nvPr/>
         </p:nvPicPr>
         <p:blipFill>
-          <a:blip r:embed="rId18">
+          <a:blip r:embed="rId13">
             <a:extLst>
               <a:ext uri="{28A0092B-C50C-407E-A947-70E740481C1C}">
                 <a14:useLocalDpi xmlns:a14="http://schemas.microsoft.com/office/drawing/2010/main" val="0"/>
@@ -7954,6 +7841,1933 @@
                 <a:cs typeface="Arial" panose="020B0604020202020204" pitchFamily="34" charset="0"/>
               </a:rPr>
               <a:t>MTMN model for face and landmarks detection</a:t>
+            </a:r>
+          </a:p>
+        </p:txBody>
+      </p:sp>
+      <p:sp>
+        <p:nvSpPr>
+          <p:cNvPr id="24" name="Rectangle 4">
+            <a:extLst>
+              <a:ext uri="{FF2B5EF4-FFF2-40B4-BE49-F238E27FC236}">
+                <a16:creationId xmlns:a16="http://schemas.microsoft.com/office/drawing/2014/main" id="{70289739-8D10-1A68-2A96-F51185BD7AB9}"/>
+              </a:ext>
+            </a:extLst>
+          </p:cNvPr>
+          <p:cNvSpPr>
+            <a:spLocks noChangeArrowheads="1"/>
+          </p:cNvSpPr>
+          <p:nvPr/>
+        </p:nvSpPr>
+        <p:spPr bwMode="auto">
+          <a:xfrm>
+            <a:off x="10801564" y="38223743"/>
+            <a:ext cx="8820000" cy="2262396"/>
+          </a:xfrm>
+          <a:prstGeom prst="rect">
+            <a:avLst/>
+          </a:prstGeom>
+          <a:noFill/>
+          <a:ln>
+            <a:noFill/>
+          </a:ln>
+          <a:extLst>
+            <a:ext uri="{909E8E84-426E-40DD-AFC4-6F175D3DCCD1}">
+              <a14:hiddenFill xmlns:a14="http://schemas.microsoft.com/office/drawing/2010/main">
+                <a:solidFill>
+                  <a:srgbClr val="FFFFFF"/>
+                </a:solidFill>
+              </a14:hiddenFill>
+            </a:ext>
+            <a:ext uri="{91240B29-F687-4F45-9708-019B960494DF}">
+              <a14:hiddenLine xmlns:a14="http://schemas.microsoft.com/office/drawing/2010/main" w="9525">
+                <a:solidFill>
+                  <a:srgbClr val="000000"/>
+                </a:solidFill>
+                <a:miter lim="800000"/>
+                <a:headEnd/>
+                <a:tailEnd/>
+              </a14:hiddenLine>
+            </a:ext>
+          </a:extLst>
+        </p:spPr>
+        <p:txBody>
+          <a:bodyPr rIns="0"/>
+          <a:lstStyle/>
+          <a:p>
+            <a:pPr algn="l" rtl="0">
+              <a:spcBef>
+                <a:spcPts val="1682"/>
+              </a:spcBef>
+              <a:buSzPct val="125000"/>
+            </a:pPr>
+            <a:r>
+              <a:rPr lang="en-US" sz="2990" b="0">
+                <a:solidFill>
+                  <a:srgbClr val="000060"/>
+                </a:solidFill>
+                <a:latin typeface="Arial" panose="020B0604020202020204" pitchFamily="34" charset="0"/>
+                <a:cs typeface="Arial" panose="020B0604020202020204" pitchFamily="34" charset="0"/>
+              </a:rPr>
+              <a:t>Media Pipe </a:t>
+            </a:r>
+            <a:r>
+              <a:rPr lang="en-US" sz="2990" b="0" err="1">
+                <a:solidFill>
+                  <a:srgbClr val="000060"/>
+                </a:solidFill>
+                <a:latin typeface="Arial" panose="020B0604020202020204" pitchFamily="34" charset="0"/>
+                <a:cs typeface="Arial" panose="020B0604020202020204" pitchFamily="34" charset="0"/>
+              </a:rPr>
+              <a:t>FaceMesh</a:t>
+            </a:r>
+            <a:r>
+              <a:rPr lang="en-US" sz="2990" b="0">
+                <a:solidFill>
+                  <a:srgbClr val="000060"/>
+                </a:solidFill>
+                <a:latin typeface="Arial" panose="020B0604020202020204" pitchFamily="34" charset="0"/>
+                <a:cs typeface="Arial" panose="020B0604020202020204" pitchFamily="34" charset="0"/>
+              </a:rPr>
+              <a:t> provides 468 landmark points.</a:t>
+            </a:r>
+          </a:p>
+          <a:p>
+            <a:pPr algn="l" rtl="0">
+              <a:spcBef>
+                <a:spcPts val="1682"/>
+              </a:spcBef>
+              <a:buSzPct val="125000"/>
+            </a:pPr>
+            <a:r>
+              <a:rPr lang="en-US" sz="2990" b="0">
+                <a:solidFill>
+                  <a:srgbClr val="000060"/>
+                </a:solidFill>
+                <a:latin typeface="Arial" panose="020B0604020202020204" pitchFamily="34" charset="0"/>
+                <a:cs typeface="Arial" panose="020B0604020202020204" pitchFamily="34" charset="0"/>
+              </a:rPr>
+              <a:t>We selected 20 anatomically optimal points to differentiate between individuals</a:t>
+            </a:r>
+          </a:p>
+        </p:txBody>
+      </p:sp>
+      <p:sp>
+        <p:nvSpPr>
+          <p:cNvPr id="25" name="Rectangle 4">
+            <a:extLst>
+              <a:ext uri="{FF2B5EF4-FFF2-40B4-BE49-F238E27FC236}">
+                <a16:creationId xmlns:a16="http://schemas.microsoft.com/office/drawing/2014/main" id="{0205881F-CF11-D7DF-88BE-A3D1A8FB8DF2}"/>
+              </a:ext>
+            </a:extLst>
+          </p:cNvPr>
+          <p:cNvSpPr>
+            <a:spLocks noChangeArrowheads="1"/>
+          </p:cNvSpPr>
+          <p:nvPr/>
+        </p:nvSpPr>
+        <p:spPr bwMode="auto">
+          <a:xfrm>
+            <a:off x="12355241" y="27628758"/>
+            <a:ext cx="4669867" cy="486664"/>
+          </a:xfrm>
+          <a:prstGeom prst="rect">
+            <a:avLst/>
+          </a:prstGeom>
+          <a:noFill/>
+          <a:ln>
+            <a:noFill/>
+          </a:ln>
+          <a:extLst>
+            <a:ext uri="{909E8E84-426E-40DD-AFC4-6F175D3DCCD1}">
+              <a14:hiddenFill xmlns:a14="http://schemas.microsoft.com/office/drawing/2010/main">
+                <a:solidFill>
+                  <a:srgbClr val="FFFFFF"/>
+                </a:solidFill>
+              </a14:hiddenFill>
+            </a:ext>
+            <a:ext uri="{91240B29-F687-4F45-9708-019B960494DF}">
+              <a14:hiddenLine xmlns:a14="http://schemas.microsoft.com/office/drawing/2010/main" w="9525">
+                <a:solidFill>
+                  <a:srgbClr val="000000"/>
+                </a:solidFill>
+                <a:miter lim="800000"/>
+                <a:headEnd/>
+                <a:tailEnd/>
+              </a14:hiddenLine>
+            </a:ext>
+          </a:extLst>
+        </p:spPr>
+        <p:txBody>
+          <a:bodyPr/>
+          <a:lstStyle/>
+          <a:p>
+            <a:pPr algn="ctr" rtl="0">
+              <a:spcBef>
+                <a:spcPts val="1682"/>
+              </a:spcBef>
+            </a:pPr>
+            <a:r>
+              <a:rPr lang="en-US" sz="2200" b="0">
+                <a:solidFill>
+                  <a:schemeClr val="dk1"/>
+                </a:solidFill>
+                <a:latin typeface="Century Gothic" panose="020B0502020202020204" pitchFamily="34" charset="0"/>
+                <a:cs typeface="+mn-cs"/>
+              </a:rPr>
+              <a:t>MTMN architecture</a:t>
+            </a:r>
+          </a:p>
+        </p:txBody>
+      </p:sp>
+      <p:sp>
+        <p:nvSpPr>
+          <p:cNvPr id="28" name="Rectangle 4">
+            <a:extLst>
+              <a:ext uri="{FF2B5EF4-FFF2-40B4-BE49-F238E27FC236}">
+                <a16:creationId xmlns:a16="http://schemas.microsoft.com/office/drawing/2014/main" id="{DCCCBD2C-405D-0994-AC94-C27B58C92258}"/>
+              </a:ext>
+            </a:extLst>
+          </p:cNvPr>
+          <p:cNvSpPr>
+            <a:spLocks noChangeArrowheads="1"/>
+          </p:cNvSpPr>
+          <p:nvPr/>
+        </p:nvSpPr>
+        <p:spPr bwMode="auto">
+          <a:xfrm>
+            <a:off x="2609938" y="34203283"/>
+            <a:ext cx="4669867" cy="486664"/>
+          </a:xfrm>
+          <a:prstGeom prst="rect">
+            <a:avLst/>
+          </a:prstGeom>
+          <a:noFill/>
+          <a:ln>
+            <a:noFill/>
+          </a:ln>
+          <a:extLst>
+            <a:ext uri="{909E8E84-426E-40DD-AFC4-6F175D3DCCD1}">
+              <a14:hiddenFill xmlns:a14="http://schemas.microsoft.com/office/drawing/2010/main">
+                <a:solidFill>
+                  <a:srgbClr val="FFFFFF"/>
+                </a:solidFill>
+              </a14:hiddenFill>
+            </a:ext>
+            <a:ext uri="{91240B29-F687-4F45-9708-019B960494DF}">
+              <a14:hiddenLine xmlns:a14="http://schemas.microsoft.com/office/drawing/2010/main" w="9525">
+                <a:solidFill>
+                  <a:srgbClr val="000000"/>
+                </a:solidFill>
+                <a:miter lim="800000"/>
+                <a:headEnd/>
+                <a:tailEnd/>
+              </a14:hiddenLine>
+            </a:ext>
+          </a:extLst>
+        </p:spPr>
+        <p:txBody>
+          <a:bodyPr/>
+          <a:lstStyle/>
+          <a:p>
+            <a:pPr algn="ctr" rtl="0">
+              <a:spcBef>
+                <a:spcPts val="1682"/>
+              </a:spcBef>
+            </a:pPr>
+            <a:r>
+              <a:rPr lang="en-US" sz="2200" b="0">
+                <a:solidFill>
+                  <a:schemeClr val="dk1"/>
+                </a:solidFill>
+                <a:latin typeface="Century Gothic" panose="020B0502020202020204" pitchFamily="34" charset="0"/>
+                <a:cs typeface="+mn-cs"/>
+              </a:rPr>
+              <a:t>Solution structure</a:t>
+            </a:r>
+          </a:p>
+          <a:p>
+            <a:pPr algn="ctr" rtl="0">
+              <a:spcBef>
+                <a:spcPts val="1682"/>
+              </a:spcBef>
+            </a:pPr>
+            <a:endParaRPr lang="en-US" sz="2200" b="0">
+              <a:solidFill>
+                <a:schemeClr val="dk1"/>
+              </a:solidFill>
+              <a:latin typeface="Century Gothic" panose="020B0502020202020204" pitchFamily="34" charset="0"/>
+              <a:cs typeface="+mn-cs"/>
+            </a:endParaRPr>
+          </a:p>
+        </p:txBody>
+      </p:sp>
+      <p:sp>
+        <p:nvSpPr>
+          <p:cNvPr id="30" name="Rectangle 4">
+            <a:extLst>
+              <a:ext uri="{FF2B5EF4-FFF2-40B4-BE49-F238E27FC236}">
+                <a16:creationId xmlns:a16="http://schemas.microsoft.com/office/drawing/2014/main" id="{43EC26DC-D6CE-1D5D-16E0-C3F2985D6003}"/>
+              </a:ext>
+            </a:extLst>
+          </p:cNvPr>
+          <p:cNvSpPr>
+            <a:spLocks noChangeArrowheads="1"/>
+          </p:cNvSpPr>
+          <p:nvPr/>
+        </p:nvSpPr>
+        <p:spPr bwMode="auto">
+          <a:xfrm>
+            <a:off x="2708321" y="19864641"/>
+            <a:ext cx="4669867" cy="486664"/>
+          </a:xfrm>
+          <a:prstGeom prst="rect">
+            <a:avLst/>
+          </a:prstGeom>
+          <a:noFill/>
+          <a:ln>
+            <a:noFill/>
+          </a:ln>
+          <a:extLst>
+            <a:ext uri="{909E8E84-426E-40DD-AFC4-6F175D3DCCD1}">
+              <a14:hiddenFill xmlns:a14="http://schemas.microsoft.com/office/drawing/2010/main">
+                <a:solidFill>
+                  <a:srgbClr val="FFFFFF"/>
+                </a:solidFill>
+              </a14:hiddenFill>
+            </a:ext>
+            <a:ext uri="{91240B29-F687-4F45-9708-019B960494DF}">
+              <a14:hiddenLine xmlns:a14="http://schemas.microsoft.com/office/drawing/2010/main" w="9525">
+                <a:solidFill>
+                  <a:srgbClr val="000000"/>
+                </a:solidFill>
+                <a:miter lim="800000"/>
+                <a:headEnd/>
+                <a:tailEnd/>
+              </a14:hiddenLine>
+            </a:ext>
+          </a:extLst>
+        </p:spPr>
+        <p:txBody>
+          <a:bodyPr/>
+          <a:lstStyle/>
+          <a:p>
+            <a:pPr algn="ctr" rtl="0">
+              <a:spcBef>
+                <a:spcPts val="1682"/>
+              </a:spcBef>
+            </a:pPr>
+            <a:r>
+              <a:rPr lang="en-US" sz="2200" b="0">
+                <a:solidFill>
+                  <a:schemeClr val="dk1"/>
+                </a:solidFill>
+                <a:latin typeface="Century Gothic" panose="020B0502020202020204" pitchFamily="34" charset="0"/>
+                <a:cs typeface="+mn-cs"/>
+              </a:rPr>
+              <a:t>ESP32-CAMERA component</a:t>
+            </a:r>
+          </a:p>
+        </p:txBody>
+      </p:sp>
+      <p:pic>
+        <p:nvPicPr>
+          <p:cNvPr id="35" name="תמונה 34">
+            <a:extLst>
+              <a:ext uri="{FF2B5EF4-FFF2-40B4-BE49-F238E27FC236}">
+                <a16:creationId xmlns:a16="http://schemas.microsoft.com/office/drawing/2014/main" id="{6093688F-10C4-20A7-EC6C-DD441425EFD4}"/>
+              </a:ext>
+            </a:extLst>
+          </p:cNvPr>
+          <p:cNvPicPr>
+            <a:picLocks noChangeAspect="1"/>
+          </p:cNvPicPr>
+          <p:nvPr/>
+        </p:nvPicPr>
+        <p:blipFill>
+          <a:blip r:embed="rId14"/>
+          <a:stretch>
+            <a:fillRect/>
+          </a:stretch>
+        </p:blipFill>
+        <p:spPr>
+          <a:xfrm>
+            <a:off x="20793679" y="36128257"/>
+            <a:ext cx="8571719" cy="4072481"/>
+          </a:xfrm>
+          <a:prstGeom prst="rect">
+            <a:avLst/>
+          </a:prstGeom>
+        </p:spPr>
+      </p:pic>
+      <p:sp>
+        <p:nvSpPr>
+          <p:cNvPr id="36" name="Rectangle 4">
+            <a:extLst>
+              <a:ext uri="{FF2B5EF4-FFF2-40B4-BE49-F238E27FC236}">
+                <a16:creationId xmlns:a16="http://schemas.microsoft.com/office/drawing/2014/main" id="{114B28C5-D568-C2E2-7735-08ABDB47CC92}"/>
+              </a:ext>
+            </a:extLst>
+          </p:cNvPr>
+          <p:cNvSpPr>
+            <a:spLocks noChangeArrowheads="1"/>
+          </p:cNvSpPr>
+          <p:nvPr/>
+        </p:nvSpPr>
+        <p:spPr bwMode="auto">
+          <a:xfrm>
+            <a:off x="20670973" y="33195680"/>
+            <a:ext cx="8820000" cy="2830171"/>
+          </a:xfrm>
+          <a:prstGeom prst="rect">
+            <a:avLst/>
+          </a:prstGeom>
+          <a:noFill/>
+          <a:ln>
+            <a:noFill/>
+          </a:ln>
+          <a:extLst>
+            <a:ext uri="{909E8E84-426E-40DD-AFC4-6F175D3DCCD1}">
+              <a14:hiddenFill xmlns:a14="http://schemas.microsoft.com/office/drawing/2010/main">
+                <a:solidFill>
+                  <a:srgbClr val="FFFFFF"/>
+                </a:solidFill>
+              </a14:hiddenFill>
+            </a:ext>
+            <a:ext uri="{91240B29-F687-4F45-9708-019B960494DF}">
+              <a14:hiddenLine xmlns:a14="http://schemas.microsoft.com/office/drawing/2010/main" w="9525">
+                <a:solidFill>
+                  <a:srgbClr val="000000"/>
+                </a:solidFill>
+                <a:miter lim="800000"/>
+                <a:headEnd/>
+                <a:tailEnd/>
+              </a14:hiddenLine>
+            </a:ext>
+          </a:extLst>
+        </p:spPr>
+        <p:txBody>
+          <a:bodyPr/>
+          <a:lstStyle/>
+          <a:p>
+            <a:pPr algn="l" rtl="0">
+              <a:spcBef>
+                <a:spcPts val="1682"/>
+              </a:spcBef>
+              <a:buSzPct val="125000"/>
+            </a:pPr>
+            <a:r>
+              <a:rPr lang="en-US" sz="2990" b="0">
+                <a:solidFill>
+                  <a:srgbClr val="000060"/>
+                </a:solidFill>
+                <a:latin typeface="Arial" panose="020B0604020202020204" pitchFamily="34" charset="0"/>
+                <a:cs typeface="Arial" panose="020B0604020202020204" pitchFamily="34" charset="0"/>
+              </a:rPr>
+              <a:t>The example code in the Arduino IDE crashes after recognizing more than 3 out of 5 people. Our system significantly improves this limitation.</a:t>
+            </a:r>
+          </a:p>
+          <a:p>
+            <a:pPr algn="l" rtl="0">
+              <a:spcBef>
+                <a:spcPts val="1682"/>
+              </a:spcBef>
+              <a:buSzPct val="125000"/>
+            </a:pPr>
+            <a:r>
+              <a:rPr lang="en-US" sz="2990" b="0">
+                <a:solidFill>
+                  <a:srgbClr val="000060"/>
+                </a:solidFill>
+                <a:latin typeface="Arial" panose="020B0604020202020204" pitchFamily="34" charset="0"/>
+                <a:cs typeface="Arial" panose="020B0604020202020204" pitchFamily="34" charset="0"/>
+              </a:rPr>
+              <a:t>Our system offers a more reliable solution with significantly fewer false positives.</a:t>
+            </a:r>
+          </a:p>
+        </p:txBody>
+      </p:sp>
+      <p:sp>
+        <p:nvSpPr>
+          <p:cNvPr id="42" name="Rectangle 4">
+            <a:extLst>
+              <a:ext uri="{FF2B5EF4-FFF2-40B4-BE49-F238E27FC236}">
+                <a16:creationId xmlns:a16="http://schemas.microsoft.com/office/drawing/2014/main" id="{977E0658-6EFB-7297-C7E6-D4DB2AD5DEF3}"/>
+              </a:ext>
+            </a:extLst>
+          </p:cNvPr>
+          <p:cNvSpPr>
+            <a:spLocks noChangeArrowheads="1"/>
+          </p:cNvSpPr>
+          <p:nvPr/>
+        </p:nvSpPr>
+        <p:spPr bwMode="auto">
+          <a:xfrm>
+            <a:off x="22056067" y="40235478"/>
+            <a:ext cx="5990744" cy="447552"/>
+          </a:xfrm>
+          <a:prstGeom prst="rect">
+            <a:avLst/>
+          </a:prstGeom>
+          <a:noFill/>
+          <a:ln>
+            <a:noFill/>
+          </a:ln>
+          <a:extLst>
+            <a:ext uri="{909E8E84-426E-40DD-AFC4-6F175D3DCCD1}">
+              <a14:hiddenFill xmlns:a14="http://schemas.microsoft.com/office/drawing/2010/main">
+                <a:solidFill>
+                  <a:srgbClr val="FFFFFF"/>
+                </a:solidFill>
+              </a14:hiddenFill>
+            </a:ext>
+            <a:ext uri="{91240B29-F687-4F45-9708-019B960494DF}">
+              <a14:hiddenLine xmlns:a14="http://schemas.microsoft.com/office/drawing/2010/main" w="9525">
+                <a:solidFill>
+                  <a:srgbClr val="000000"/>
+                </a:solidFill>
+                <a:miter lim="800000"/>
+                <a:headEnd/>
+                <a:tailEnd/>
+              </a14:hiddenLine>
+            </a:ext>
+          </a:extLst>
+        </p:spPr>
+        <p:txBody>
+          <a:bodyPr/>
+          <a:lstStyle/>
+          <a:p>
+            <a:pPr algn="ctr" rtl="0">
+              <a:spcBef>
+                <a:spcPts val="1682"/>
+              </a:spcBef>
+            </a:pPr>
+            <a:r>
+              <a:rPr lang="en-US" sz="2200" b="0">
+                <a:solidFill>
+                  <a:schemeClr val="dk1"/>
+                </a:solidFill>
+                <a:latin typeface="Century Gothic" panose="020B0502020202020204" pitchFamily="34" charset="0"/>
+                <a:cs typeface="+mn-cs"/>
+              </a:rPr>
+              <a:t>Results – comparison with existing solution</a:t>
+            </a:r>
+          </a:p>
+        </p:txBody>
+      </p:sp>
+      <p:sp>
+        <p:nvSpPr>
+          <p:cNvPr id="43" name="Rectangle 4"/>
+          <p:cNvSpPr>
+            <a:spLocks noChangeArrowheads="1"/>
+          </p:cNvSpPr>
+          <p:nvPr/>
+        </p:nvSpPr>
+        <p:spPr bwMode="auto">
+          <a:xfrm>
+            <a:off x="10795407" y="8499539"/>
+            <a:ext cx="9024464" cy="1009048"/>
+          </a:xfrm>
+          <a:prstGeom prst="rect">
+            <a:avLst/>
+          </a:prstGeom>
+          <a:noFill/>
+          <a:ln>
+            <a:noFill/>
+          </a:ln>
+          <a:extLst>
+            <a:ext uri="{909E8E84-426E-40DD-AFC4-6F175D3DCCD1}">
+              <a14:hiddenFill xmlns:a14="http://schemas.microsoft.com/office/drawing/2010/main">
+                <a:solidFill>
+                  <a:srgbClr val="FFFFFF"/>
+                </a:solidFill>
+              </a14:hiddenFill>
+            </a:ext>
+            <a:ext uri="{91240B29-F687-4F45-9708-019B960494DF}">
+              <a14:hiddenLine xmlns:a14="http://schemas.microsoft.com/office/drawing/2010/main" w="9525">
+                <a:solidFill>
+                  <a:srgbClr val="000000"/>
+                </a:solidFill>
+                <a:miter lim="800000"/>
+                <a:headEnd/>
+                <a:tailEnd/>
+              </a14:hiddenLine>
+            </a:ext>
+          </a:extLst>
+        </p:spPr>
+        <p:txBody>
+          <a:bodyPr anchor="ctr"/>
+          <a:lstStyle/>
+          <a:p>
+            <a:pPr algn="l" defTabSz="3900819" rtl="0"/>
+            <a:r>
+              <a:rPr lang="en-US" sz="5140">
+                <a:solidFill>
+                  <a:srgbClr val="D1282E">
+                    <a:lumMod val="75000"/>
+                  </a:srgbClr>
+                </a:solidFill>
+                <a:latin typeface="Arial" panose="020B0604020202020204" pitchFamily="34" charset="0"/>
+                <a:cs typeface="Arial" panose="020B0604020202020204" pitchFamily="34" charset="0"/>
+              </a:rPr>
+              <a:t>Bluetooth connection</a:t>
+            </a:r>
+          </a:p>
+        </p:txBody>
+      </p:sp>
+      <p:sp>
+        <p:nvSpPr>
+          <p:cNvPr id="44" name="Rounded Rectangle 199"/>
+          <p:cNvSpPr/>
+          <p:nvPr/>
+        </p:nvSpPr>
+        <p:spPr>
+          <a:xfrm>
+            <a:off x="10489406" y="8295481"/>
+            <a:ext cx="9360000" cy="13240042"/>
+          </a:xfrm>
+          <a:prstGeom prst="roundRect">
+            <a:avLst>
+              <a:gd name="adj" fmla="val 2631"/>
+            </a:avLst>
+          </a:prstGeom>
+          <a:noFill/>
+          <a:ln w="76200" cap="flat" cmpd="sng" algn="ctr">
+            <a:solidFill>
+              <a:srgbClr val="000060"/>
+            </a:solidFill>
+            <a:prstDash val="solid"/>
+          </a:ln>
+          <a:effectLst/>
+        </p:spPr>
+        <p:txBody>
+          <a:bodyPr rtlCol="1" anchor="ctr"/>
+          <a:lstStyle/>
+          <a:p>
+            <a:pPr algn="ctr" defTabSz="854324" fontAlgn="auto">
+              <a:spcBef>
+                <a:spcPts val="0"/>
+              </a:spcBef>
+              <a:spcAft>
+                <a:spcPts val="0"/>
+              </a:spcAft>
+              <a:defRPr/>
+            </a:pPr>
+            <a:endParaRPr lang="he-IL" sz="7661" b="0" kern="0">
+              <a:solidFill>
+                <a:srgbClr val="FFFFFF"/>
+              </a:solidFill>
+              <a:latin typeface="Arial" panose="020B0604020202020204" pitchFamily="34" charset="0"/>
+              <a:cs typeface="Arial" panose="020B0604020202020204" pitchFamily="34" charset="0"/>
+            </a:endParaRPr>
+          </a:p>
+        </p:txBody>
+      </p:sp>
+      <p:sp>
+        <p:nvSpPr>
+          <p:cNvPr id="45" name="Rectangle 4"/>
+          <p:cNvSpPr>
+            <a:spLocks noChangeArrowheads="1"/>
+          </p:cNvSpPr>
+          <p:nvPr/>
+        </p:nvSpPr>
+        <p:spPr bwMode="auto">
+          <a:xfrm>
+            <a:off x="10759407" y="9607788"/>
+            <a:ext cx="8474400" cy="3562365"/>
+          </a:xfrm>
+          <a:prstGeom prst="rect">
+            <a:avLst/>
+          </a:prstGeom>
+          <a:noFill/>
+          <a:ln>
+            <a:noFill/>
+          </a:ln>
+          <a:extLst>
+            <a:ext uri="{909E8E84-426E-40DD-AFC4-6F175D3DCCD1}">
+              <a14:hiddenFill xmlns:a14="http://schemas.microsoft.com/office/drawing/2010/main">
+                <a:solidFill>
+                  <a:srgbClr val="FFFFFF"/>
+                </a:solidFill>
+              </a14:hiddenFill>
+            </a:ext>
+            <a:ext uri="{91240B29-F687-4F45-9708-019B960494DF}">
+              <a14:hiddenLine xmlns:a14="http://schemas.microsoft.com/office/drawing/2010/main" w="9525">
+                <a:solidFill>
+                  <a:srgbClr val="000000"/>
+                </a:solidFill>
+                <a:miter lim="800000"/>
+                <a:headEnd/>
+                <a:tailEnd/>
+              </a14:hiddenLine>
+            </a:ext>
+          </a:extLst>
+        </p:spPr>
+        <p:txBody>
+          <a:bodyPr/>
+          <a:lstStyle/>
+          <a:p>
+            <a:pPr algn="l" rtl="0">
+              <a:spcBef>
+                <a:spcPts val="1682"/>
+              </a:spcBef>
+              <a:buSzPct val="125000"/>
+            </a:pPr>
+            <a:r>
+              <a:rPr lang="en-US" sz="2990" b="0">
+                <a:solidFill>
+                  <a:srgbClr val="000060"/>
+                </a:solidFill>
+                <a:latin typeface="Arial" panose="020B0604020202020204" pitchFamily="34" charset="0"/>
+                <a:cs typeface="Arial" panose="020B0604020202020204" pitchFamily="34" charset="0"/>
+              </a:rPr>
+              <a:t>When starting the system or restarting it, a Bluetooth connection named “Door Lock” is available. It makes the system user friendly and mobile.</a:t>
+            </a:r>
+          </a:p>
+          <a:p>
+            <a:pPr algn="l" rtl="0">
+              <a:spcBef>
+                <a:spcPts val="1682"/>
+              </a:spcBef>
+              <a:buSzPct val="125000"/>
+            </a:pPr>
+            <a:r>
+              <a:rPr lang="en-US" sz="2990" b="0">
+                <a:solidFill>
+                  <a:srgbClr val="000060"/>
+                </a:solidFill>
+                <a:latin typeface="Arial" panose="020B0604020202020204" pitchFamily="34" charset="0"/>
+                <a:cs typeface="Arial" panose="020B0604020202020204" pitchFamily="34" charset="0"/>
+              </a:rPr>
+              <a:t>The ESP32-CAM can be communicated through Bluetooth terminal by the following the  stages below:</a:t>
+            </a:r>
+          </a:p>
+        </p:txBody>
+      </p:sp>
+      <p:sp>
+        <p:nvSpPr>
+          <p:cNvPr id="46" name="Rectangle 4"/>
+          <p:cNvSpPr>
+            <a:spLocks noChangeArrowheads="1"/>
+          </p:cNvSpPr>
+          <p:nvPr/>
+        </p:nvSpPr>
+        <p:spPr bwMode="auto">
+          <a:xfrm>
+            <a:off x="12351413" y="14913420"/>
+            <a:ext cx="5667766" cy="827508"/>
+          </a:xfrm>
+          <a:prstGeom prst="rect">
+            <a:avLst/>
+          </a:prstGeom>
+          <a:noFill/>
+          <a:ln>
+            <a:noFill/>
+          </a:ln>
+          <a:extLst>
+            <a:ext uri="{909E8E84-426E-40DD-AFC4-6F175D3DCCD1}">
+              <a14:hiddenFill xmlns:a14="http://schemas.microsoft.com/office/drawing/2010/main">
+                <a:solidFill>
+                  <a:srgbClr val="FFFFFF"/>
+                </a:solidFill>
+              </a14:hiddenFill>
+            </a:ext>
+            <a:ext uri="{91240B29-F687-4F45-9708-019B960494DF}">
+              <a14:hiddenLine xmlns:a14="http://schemas.microsoft.com/office/drawing/2010/main" w="9525">
+                <a:solidFill>
+                  <a:srgbClr val="000000"/>
+                </a:solidFill>
+                <a:miter lim="800000"/>
+                <a:headEnd/>
+                <a:tailEnd/>
+              </a14:hiddenLine>
+            </a:ext>
+          </a:extLst>
+        </p:spPr>
+        <p:txBody>
+          <a:bodyPr/>
+          <a:lstStyle/>
+          <a:p>
+            <a:pPr algn="ctr" rtl="0">
+              <a:spcBef>
+                <a:spcPts val="1682"/>
+              </a:spcBef>
+            </a:pPr>
+            <a:r>
+              <a:rPr lang="en-US" sz="2200" b="0">
+                <a:solidFill>
+                  <a:schemeClr val="dk1"/>
+                </a:solidFill>
+                <a:latin typeface="Century Gothic" panose="020B0502020202020204" pitchFamily="34" charset="0"/>
+                <a:cs typeface="+mn-cs"/>
+              </a:rPr>
+              <a:t>Set-Up Using Bluetooth connection</a:t>
+            </a:r>
+          </a:p>
+        </p:txBody>
+      </p:sp>
+      <p:pic>
+        <p:nvPicPr>
+          <p:cNvPr id="47" name="תמונה 1718845322" descr="תמונה שמכילה טקסט, צילום מסך, גופן, שחור&#10;&#10;התיאור נוצר באופן אוטומטי">
+            <a:extLst>
+              <a:ext uri="{FF2B5EF4-FFF2-40B4-BE49-F238E27FC236}">
+                <a16:creationId xmlns:a16="http://schemas.microsoft.com/office/drawing/2014/main" id="{B2A8A118-5284-9AD9-8D5F-11438A3AF9E4}"/>
+              </a:ext>
+            </a:extLst>
+          </p:cNvPr>
+          <p:cNvPicPr>
+            <a:picLocks noChangeAspect="1" noChangeArrowheads="1"/>
+          </p:cNvPicPr>
+          <p:nvPr/>
+        </p:nvPicPr>
+        <p:blipFill>
+          <a:blip r:embed="rId15">
+            <a:extLst>
+              <a:ext uri="{28A0092B-C50C-407E-A947-70E740481C1C}">
+                <a14:useLocalDpi xmlns:a14="http://schemas.microsoft.com/office/drawing/2010/main" val="0"/>
+              </a:ext>
+            </a:extLst>
+          </a:blip>
+          <a:srcRect/>
+          <a:stretch>
+            <a:fillRect/>
+          </a:stretch>
+        </p:blipFill>
+        <p:spPr bwMode="auto">
+          <a:xfrm>
+            <a:off x="10979813" y="13223964"/>
+            <a:ext cx="8478404" cy="1684811"/>
+          </a:xfrm>
+          <a:prstGeom prst="rect">
+            <a:avLst/>
+          </a:prstGeom>
+          <a:noFill/>
+          <a:extLst>
+            <a:ext uri="{909E8E84-426E-40DD-AFC4-6F175D3DCCD1}">
+              <a14:hiddenFill xmlns:a14="http://schemas.microsoft.com/office/drawing/2010/main">
+                <a:solidFill>
+                  <a:srgbClr val="FFFFFF"/>
+                </a:solidFill>
+              </a14:hiddenFill>
+            </a:ext>
+          </a:extLst>
+        </p:spPr>
+      </p:pic>
+      <p:pic>
+        <p:nvPicPr>
+          <p:cNvPr id="48" name="תמונה 47" descr="תמונה שמכילה טקסט, צילום מסך, גופן&#10;&#10;התיאור נוצר באופן אוטומטי">
+            <a:extLst>
+              <a:ext uri="{FF2B5EF4-FFF2-40B4-BE49-F238E27FC236}">
+                <a16:creationId xmlns:a16="http://schemas.microsoft.com/office/drawing/2014/main" id="{0F3B9AFC-3B36-DBDC-2A13-B77B55D57CF6}"/>
+              </a:ext>
+            </a:extLst>
+          </p:cNvPr>
+          <p:cNvPicPr>
+            <a:picLocks noChangeAspect="1"/>
+          </p:cNvPicPr>
+          <p:nvPr/>
+        </p:nvPicPr>
+        <p:blipFill>
+          <a:blip r:embed="rId16" cstate="print">
+            <a:extLst>
+              <a:ext uri="{28A0092B-C50C-407E-A947-70E740481C1C}">
+                <a14:useLocalDpi xmlns:a14="http://schemas.microsoft.com/office/drawing/2010/main" val="0"/>
+              </a:ext>
+            </a:extLst>
+          </a:blip>
+          <a:srcRect/>
+          <a:stretch>
+            <a:fillRect/>
+          </a:stretch>
+        </p:blipFill>
+        <p:spPr bwMode="auto">
+          <a:xfrm>
+            <a:off x="11818013" y="15654512"/>
+            <a:ext cx="6925677" cy="4367028"/>
+          </a:xfrm>
+          <a:prstGeom prst="rect">
+            <a:avLst/>
+          </a:prstGeom>
+          <a:noFill/>
+          <a:ln>
+            <a:noFill/>
+          </a:ln>
+        </p:spPr>
+      </p:pic>
+      <p:sp>
+        <p:nvSpPr>
+          <p:cNvPr id="49" name="Rectangle 4">
+            <a:extLst>
+              <a:ext uri="{FF2B5EF4-FFF2-40B4-BE49-F238E27FC236}">
+                <a16:creationId xmlns:a16="http://schemas.microsoft.com/office/drawing/2014/main" id="{7A96A391-95D3-1CC3-1EBE-21363DCC3010}"/>
+              </a:ext>
+            </a:extLst>
+          </p:cNvPr>
+          <p:cNvSpPr>
+            <a:spLocks noChangeArrowheads="1"/>
+          </p:cNvSpPr>
+          <p:nvPr/>
+        </p:nvSpPr>
+        <p:spPr bwMode="auto">
+          <a:xfrm>
+            <a:off x="12427613" y="20066985"/>
+            <a:ext cx="5667766" cy="827508"/>
+          </a:xfrm>
+          <a:prstGeom prst="rect">
+            <a:avLst/>
+          </a:prstGeom>
+          <a:noFill/>
+          <a:ln>
+            <a:noFill/>
+          </a:ln>
+          <a:extLst>
+            <a:ext uri="{909E8E84-426E-40DD-AFC4-6F175D3DCCD1}">
+              <a14:hiddenFill xmlns:a14="http://schemas.microsoft.com/office/drawing/2010/main">
+                <a:solidFill>
+                  <a:srgbClr val="FFFFFF"/>
+                </a:solidFill>
+              </a14:hiddenFill>
+            </a:ext>
+            <a:ext uri="{91240B29-F687-4F45-9708-019B960494DF}">
+              <a14:hiddenLine xmlns:a14="http://schemas.microsoft.com/office/drawing/2010/main" w="9525">
+                <a:solidFill>
+                  <a:srgbClr val="000000"/>
+                </a:solidFill>
+                <a:miter lim="800000"/>
+                <a:headEnd/>
+                <a:tailEnd/>
+              </a14:hiddenLine>
+            </a:ext>
+          </a:extLst>
+        </p:spPr>
+        <p:txBody>
+          <a:bodyPr/>
+          <a:lstStyle/>
+          <a:p>
+            <a:pPr algn="ctr" rtl="0">
+              <a:spcBef>
+                <a:spcPts val="1682"/>
+              </a:spcBef>
+            </a:pPr>
+            <a:r>
+              <a:rPr lang="en-US" sz="2200" b="0">
+                <a:solidFill>
+                  <a:schemeClr val="dk1"/>
+                </a:solidFill>
+                <a:latin typeface="Century Gothic" panose="020B0502020202020204" pitchFamily="34" charset="0"/>
+                <a:cs typeface="+mn-cs"/>
+              </a:rPr>
+              <a:t>Bluetooth terminal using mobile app</a:t>
+            </a:r>
+          </a:p>
+        </p:txBody>
+      </p:sp>
+      <p:sp>
+        <p:nvSpPr>
+          <p:cNvPr id="50" name="Rounded Rectangle 172">
+            <a:extLst>
+              <a:ext uri="{FF2B5EF4-FFF2-40B4-BE49-F238E27FC236}">
+                <a16:creationId xmlns:a16="http://schemas.microsoft.com/office/drawing/2014/main" id="{19F89D3B-154D-CD3A-85E6-4D7891BCBCB4}"/>
+              </a:ext>
+            </a:extLst>
+          </p:cNvPr>
+          <p:cNvSpPr/>
+          <p:nvPr/>
+        </p:nvSpPr>
+        <p:spPr>
+          <a:xfrm>
+            <a:off x="20382806" y="8362846"/>
+            <a:ext cx="9360000" cy="9252515"/>
+          </a:xfrm>
+          <a:prstGeom prst="roundRect">
+            <a:avLst>
+              <a:gd name="adj" fmla="val 2058"/>
+            </a:avLst>
+          </a:prstGeom>
+          <a:noFill/>
+          <a:ln w="76200" cap="flat" cmpd="sng" algn="ctr">
+            <a:solidFill>
+              <a:srgbClr val="000060"/>
+            </a:solidFill>
+            <a:prstDash val="solid"/>
+          </a:ln>
+          <a:effectLst/>
+        </p:spPr>
+        <p:txBody>
+          <a:bodyPr rtlCol="1" anchor="ctr"/>
+          <a:lstStyle/>
+          <a:p>
+            <a:pPr algn="ctr" defTabSz="854324" fontAlgn="auto">
+              <a:spcBef>
+                <a:spcPts val="0"/>
+              </a:spcBef>
+              <a:spcAft>
+                <a:spcPts val="0"/>
+              </a:spcAft>
+              <a:defRPr/>
+            </a:pPr>
+            <a:endParaRPr lang="he-IL" sz="7661" b="0" kern="0">
+              <a:solidFill>
+                <a:srgbClr val="FFFFFF"/>
+              </a:solidFill>
+              <a:latin typeface="Arial" panose="020B0604020202020204" pitchFamily="34" charset="0"/>
+              <a:cs typeface="Arial" panose="020B0604020202020204" pitchFamily="34" charset="0"/>
+            </a:endParaRPr>
+          </a:p>
+        </p:txBody>
+      </p:sp>
+      <p:sp>
+        <p:nvSpPr>
+          <p:cNvPr id="52" name="Rectangle 4">
+            <a:extLst>
+              <a:ext uri="{FF2B5EF4-FFF2-40B4-BE49-F238E27FC236}">
+                <a16:creationId xmlns:a16="http://schemas.microsoft.com/office/drawing/2014/main" id="{D0F735F6-56A2-636F-F5FA-7F9DA687EFC2}"/>
+              </a:ext>
+            </a:extLst>
+          </p:cNvPr>
+          <p:cNvSpPr>
+            <a:spLocks noChangeArrowheads="1"/>
+          </p:cNvSpPr>
+          <p:nvPr/>
+        </p:nvSpPr>
+        <p:spPr bwMode="auto">
+          <a:xfrm>
+            <a:off x="20698621" y="13875612"/>
+            <a:ext cx="8474400" cy="2657974"/>
+          </a:xfrm>
+          <a:prstGeom prst="rect">
+            <a:avLst/>
+          </a:prstGeom>
+          <a:noFill/>
+          <a:ln>
+            <a:noFill/>
+          </a:ln>
+          <a:extLst>
+            <a:ext uri="{909E8E84-426E-40DD-AFC4-6F175D3DCCD1}">
+              <a14:hiddenFill xmlns:a14="http://schemas.microsoft.com/office/drawing/2010/main">
+                <a:solidFill>
+                  <a:srgbClr val="FFFFFF"/>
+                </a:solidFill>
+              </a14:hiddenFill>
+            </a:ext>
+            <a:ext uri="{91240B29-F687-4F45-9708-019B960494DF}">
+              <a14:hiddenLine xmlns:a14="http://schemas.microsoft.com/office/drawing/2010/main" w="9525">
+                <a:solidFill>
+                  <a:srgbClr val="000000"/>
+                </a:solidFill>
+                <a:miter lim="800000"/>
+                <a:headEnd/>
+                <a:tailEnd/>
+              </a14:hiddenLine>
+            </a:ext>
+          </a:extLst>
+        </p:spPr>
+        <p:txBody>
+          <a:bodyPr/>
+          <a:lstStyle/>
+          <a:p>
+            <a:pPr algn="l" rtl="0">
+              <a:spcBef>
+                <a:spcPts val="1682"/>
+              </a:spcBef>
+              <a:buSzPct val="125000"/>
+            </a:pPr>
+            <a:r>
+              <a:rPr lang="en-US" sz="2990" b="0">
+                <a:solidFill>
+                  <a:srgbClr val="000060"/>
+                </a:solidFill>
+                <a:latin typeface="Arial" panose="020B0604020202020204" pitchFamily="34" charset="0"/>
+                <a:cs typeface="Arial" panose="020B0604020202020204" pitchFamily="34" charset="0"/>
+              </a:rPr>
+              <a:t>The facial recognition algorithm, based on facial landmarks, measures the distances between each landmark and a reference point. </a:t>
+            </a:r>
+          </a:p>
+          <a:p>
+            <a:pPr algn="l" rtl="0">
+              <a:spcBef>
+                <a:spcPts val="1682"/>
+              </a:spcBef>
+              <a:buSzPct val="125000"/>
+            </a:pPr>
+            <a:r>
+              <a:rPr lang="en-US" sz="2990" b="0">
+                <a:solidFill>
+                  <a:srgbClr val="000060"/>
+                </a:solidFill>
+                <a:latin typeface="Arial" panose="020B0604020202020204" pitchFamily="34" charset="0"/>
+                <a:cs typeface="Arial" panose="020B0604020202020204" pitchFamily="34" charset="0"/>
+              </a:rPr>
+              <a:t>These measurements are then compared to a database of distances from other images.</a:t>
+            </a:r>
+          </a:p>
+        </p:txBody>
+      </p:sp>
+      <mc:AlternateContent xmlns:mc="http://schemas.openxmlformats.org/markup-compatibility/2006">
+        <mc:Choice xmlns:a14="http://schemas.microsoft.com/office/drawing/2010/main" Requires="a14">
+          <p:sp>
+            <p:nvSpPr>
+              <p:cNvPr id="26" name="תיבת טקסט 25">
+                <a:extLst>
+                  <a:ext uri="{FF2B5EF4-FFF2-40B4-BE49-F238E27FC236}">
+                    <a16:creationId xmlns:a16="http://schemas.microsoft.com/office/drawing/2014/main" id="{6D7F334D-B3EE-C6CB-08C9-F3E87E3F7596}"/>
+                  </a:ext>
+                </a:extLst>
+              </p:cNvPr>
+              <p:cNvSpPr txBox="1"/>
+              <p:nvPr/>
+            </p:nvSpPr>
+            <p:spPr>
+              <a:xfrm>
+                <a:off x="20814239" y="16610967"/>
+                <a:ext cx="8474400" cy="558311"/>
+              </a:xfrm>
+              <a:prstGeom prst="rect">
+                <a:avLst/>
+              </a:prstGeom>
+              <a:noFill/>
+            </p:spPr>
+            <p:txBody>
+              <a:bodyPr wrap="square">
+                <a:spAutoFit/>
+              </a:bodyPr>
+              <a:lstStyle/>
+              <a:p>
+                <a:pPr/>
+                <a14:m>
+                  <m:oMathPara xmlns:m="http://schemas.openxmlformats.org/officeDocument/2006/math">
+                    <m:oMathParaPr>
+                      <m:jc m:val="centerGroup"/>
+                    </m:oMathParaPr>
+                    <m:oMath xmlns:m="http://schemas.openxmlformats.org/officeDocument/2006/math">
+                      <m:r>
+                        <a:rPr lang="he-IL" sz="2800" i="1" smtClean="0">
+                          <a:latin typeface="Cambria Math" panose="02040503050406030204" pitchFamily="18" charset="0"/>
+                        </a:rPr>
+                        <m:t>𝑑𝑖𝑠𝑡𝑎𝑛𝑐𝑒</m:t>
+                      </m:r>
+                      <m:r>
+                        <a:rPr lang="he-IL" sz="2800" i="0" smtClean="0">
+                          <a:latin typeface="Cambria Math" panose="02040503050406030204" pitchFamily="18" charset="0"/>
+                        </a:rPr>
+                        <m:t> </m:t>
+                      </m:r>
+                      <m:r>
+                        <a:rPr lang="he-IL" sz="2800" i="1" smtClean="0">
+                          <a:latin typeface="Cambria Math" panose="02040503050406030204" pitchFamily="18" charset="0"/>
+                        </a:rPr>
+                        <m:t>𝑜𝑓</m:t>
+                      </m:r>
+                      <m:r>
+                        <a:rPr lang="he-IL" sz="2800" i="0">
+                          <a:latin typeface="Cambria Math" panose="02040503050406030204" pitchFamily="18" charset="0"/>
+                        </a:rPr>
+                        <m:t> </m:t>
+                      </m:r>
+                      <m:r>
+                        <a:rPr lang="he-IL" sz="2800" i="1">
+                          <a:latin typeface="Cambria Math" panose="02040503050406030204" pitchFamily="18" charset="0"/>
+                        </a:rPr>
+                        <m:t>𝑝𝑜𝑖𝑛𝑡</m:t>
+                      </m:r>
+                      <m:r>
+                        <a:rPr lang="he-IL" sz="2800" i="0">
+                          <a:latin typeface="Cambria Math" panose="02040503050406030204" pitchFamily="18" charset="0"/>
+                        </a:rPr>
+                        <m:t> </m:t>
+                      </m:r>
+                      <m:r>
+                        <a:rPr lang="he-IL" sz="2800" i="0" smtClean="0">
+                          <a:latin typeface="Cambria Math" panose="02040503050406030204" pitchFamily="18" charset="0"/>
+                        </a:rPr>
+                        <m:t>#</m:t>
+                      </m:r>
+                      <m:r>
+                        <a:rPr lang="he-IL" sz="2800" i="1">
+                          <a:latin typeface="Cambria Math" panose="02040503050406030204" pitchFamily="18" charset="0"/>
+                        </a:rPr>
+                        <m:t>𝑖</m:t>
+                      </m:r>
+                      <m:r>
+                        <a:rPr lang="he-IL" sz="2800" i="0">
+                          <a:latin typeface="Cambria Math" panose="02040503050406030204" pitchFamily="18" charset="0"/>
+                        </a:rPr>
+                        <m:t>= </m:t>
+                      </m:r>
+                      <m:rad>
+                        <m:radPr>
+                          <m:degHide m:val="on"/>
+                          <m:ctrlPr>
+                            <a:rPr lang="he-IL" sz="2800" i="1">
+                              <a:solidFill>
+                                <a:srgbClr val="836967"/>
+                              </a:solidFill>
+                              <a:latin typeface="Cambria Math" panose="02040503050406030204" pitchFamily="18" charset="0"/>
+                            </a:rPr>
+                          </m:ctrlPr>
+                        </m:radPr>
+                        <m:deg/>
+                        <m:e>
+                          <m:sSup>
+                            <m:sSupPr>
+                              <m:ctrlPr>
+                                <a:rPr lang="he-IL" sz="2800" i="1">
+                                  <a:solidFill>
+                                    <a:srgbClr val="836967"/>
+                                  </a:solidFill>
+                                  <a:latin typeface="Cambria Math" panose="02040503050406030204" pitchFamily="18" charset="0"/>
+                                </a:rPr>
+                              </m:ctrlPr>
+                            </m:sSupPr>
+                            <m:e>
+                              <m:d>
+                                <m:dPr>
+                                  <m:ctrlPr>
+                                    <a:rPr lang="he-IL" sz="2800" i="1">
+                                      <a:latin typeface="Cambria Math" panose="02040503050406030204" pitchFamily="18" charset="0"/>
+                                    </a:rPr>
+                                  </m:ctrlPr>
+                                </m:dPr>
+                                <m:e>
+                                  <m:sSub>
+                                    <m:sSubPr>
+                                      <m:ctrlPr>
+                                        <a:rPr lang="he-IL" sz="2800" i="1">
+                                          <a:solidFill>
+                                            <a:srgbClr val="836967"/>
+                                          </a:solidFill>
+                                          <a:latin typeface="Cambria Math" panose="02040503050406030204" pitchFamily="18" charset="0"/>
+                                        </a:rPr>
+                                      </m:ctrlPr>
+                                    </m:sSubPr>
+                                    <m:e>
+                                      <m:r>
+                                        <a:rPr lang="he-IL" sz="2800" i="1">
+                                          <a:latin typeface="Cambria Math" panose="02040503050406030204" pitchFamily="18" charset="0"/>
+                                        </a:rPr>
+                                        <m:t>𝑥</m:t>
+                                      </m:r>
+                                    </m:e>
+                                    <m:sub>
+                                      <m:r>
+                                        <a:rPr lang="he-IL" sz="2800" i="0">
+                                          <a:latin typeface="Cambria Math" panose="02040503050406030204" pitchFamily="18" charset="0"/>
+                                        </a:rPr>
+                                        <m:t>0</m:t>
+                                      </m:r>
+                                    </m:sub>
+                                  </m:sSub>
+                                  <m:r>
+                                    <a:rPr lang="he-IL" sz="2800" i="0">
+                                      <a:latin typeface="Cambria Math" panose="02040503050406030204" pitchFamily="18" charset="0"/>
+                                    </a:rPr>
+                                    <m:t>−</m:t>
+                                  </m:r>
+                                  <m:sSub>
+                                    <m:sSubPr>
+                                      <m:ctrlPr>
+                                        <a:rPr lang="he-IL" sz="2800" i="1">
+                                          <a:solidFill>
+                                            <a:srgbClr val="836967"/>
+                                          </a:solidFill>
+                                          <a:latin typeface="Cambria Math" panose="02040503050406030204" pitchFamily="18" charset="0"/>
+                                        </a:rPr>
+                                      </m:ctrlPr>
+                                    </m:sSubPr>
+                                    <m:e>
+                                      <m:r>
+                                        <a:rPr lang="he-IL" sz="2800" i="1">
+                                          <a:latin typeface="Cambria Math" panose="02040503050406030204" pitchFamily="18" charset="0"/>
+                                        </a:rPr>
+                                        <m:t>𝑥</m:t>
+                                      </m:r>
+                                    </m:e>
+                                    <m:sub>
+                                      <m:r>
+                                        <a:rPr lang="he-IL" sz="2800" i="1">
+                                          <a:latin typeface="Cambria Math" panose="02040503050406030204" pitchFamily="18" charset="0"/>
+                                        </a:rPr>
+                                        <m:t>𝑖</m:t>
+                                      </m:r>
+                                    </m:sub>
+                                  </m:sSub>
+                                </m:e>
+                              </m:d>
+                            </m:e>
+                            <m:sup>
+                              <m:r>
+                                <a:rPr lang="he-IL" sz="2800" i="0">
+                                  <a:latin typeface="Cambria Math" panose="02040503050406030204" pitchFamily="18" charset="0"/>
+                                </a:rPr>
+                                <m:t>2</m:t>
+                              </m:r>
+                            </m:sup>
+                          </m:sSup>
+                          <m:r>
+                            <a:rPr lang="he-IL" sz="2800" i="0">
+                              <a:latin typeface="Cambria Math" panose="02040503050406030204" pitchFamily="18" charset="0"/>
+                            </a:rPr>
+                            <m:t>+</m:t>
+                          </m:r>
+                          <m:sSup>
+                            <m:sSupPr>
+                              <m:ctrlPr>
+                                <a:rPr lang="he-IL" sz="2800" i="1">
+                                  <a:solidFill>
+                                    <a:srgbClr val="836967"/>
+                                  </a:solidFill>
+                                  <a:latin typeface="Cambria Math" panose="02040503050406030204" pitchFamily="18" charset="0"/>
+                                </a:rPr>
+                              </m:ctrlPr>
+                            </m:sSupPr>
+                            <m:e>
+                              <m:d>
+                                <m:dPr>
+                                  <m:ctrlPr>
+                                    <a:rPr lang="he-IL" sz="2800" i="1">
+                                      <a:latin typeface="Cambria Math" panose="02040503050406030204" pitchFamily="18" charset="0"/>
+                                    </a:rPr>
+                                  </m:ctrlPr>
+                                </m:dPr>
+                                <m:e>
+                                  <m:sSub>
+                                    <m:sSubPr>
+                                      <m:ctrlPr>
+                                        <a:rPr lang="he-IL" sz="2800" i="1">
+                                          <a:solidFill>
+                                            <a:srgbClr val="836967"/>
+                                          </a:solidFill>
+                                          <a:latin typeface="Cambria Math" panose="02040503050406030204" pitchFamily="18" charset="0"/>
+                                        </a:rPr>
+                                      </m:ctrlPr>
+                                    </m:sSubPr>
+                                    <m:e>
+                                      <m:r>
+                                        <a:rPr lang="he-IL" sz="2800" i="1">
+                                          <a:latin typeface="Cambria Math" panose="02040503050406030204" pitchFamily="18" charset="0"/>
+                                        </a:rPr>
+                                        <m:t>𝑦</m:t>
+                                      </m:r>
+                                    </m:e>
+                                    <m:sub>
+                                      <m:r>
+                                        <a:rPr lang="he-IL" sz="2800" i="0">
+                                          <a:latin typeface="Cambria Math" panose="02040503050406030204" pitchFamily="18" charset="0"/>
+                                        </a:rPr>
+                                        <m:t>0</m:t>
+                                      </m:r>
+                                    </m:sub>
+                                  </m:sSub>
+                                  <m:r>
+                                    <a:rPr lang="he-IL" sz="2800" i="0">
+                                      <a:latin typeface="Cambria Math" panose="02040503050406030204" pitchFamily="18" charset="0"/>
+                                    </a:rPr>
+                                    <m:t>−</m:t>
+                                  </m:r>
+                                  <m:sSub>
+                                    <m:sSubPr>
+                                      <m:ctrlPr>
+                                        <a:rPr lang="he-IL" sz="2800" i="1">
+                                          <a:solidFill>
+                                            <a:srgbClr val="836967"/>
+                                          </a:solidFill>
+                                          <a:latin typeface="Cambria Math" panose="02040503050406030204" pitchFamily="18" charset="0"/>
+                                        </a:rPr>
+                                      </m:ctrlPr>
+                                    </m:sSubPr>
+                                    <m:e>
+                                      <m:r>
+                                        <a:rPr lang="he-IL" sz="2800" i="1">
+                                          <a:latin typeface="Cambria Math" panose="02040503050406030204" pitchFamily="18" charset="0"/>
+                                        </a:rPr>
+                                        <m:t>𝑦</m:t>
+                                      </m:r>
+                                    </m:e>
+                                    <m:sub>
+                                      <m:r>
+                                        <a:rPr lang="he-IL" sz="2800" i="1">
+                                          <a:latin typeface="Cambria Math" panose="02040503050406030204" pitchFamily="18" charset="0"/>
+                                        </a:rPr>
+                                        <m:t>𝑖</m:t>
+                                      </m:r>
+                                    </m:sub>
+                                  </m:sSub>
+                                </m:e>
+                              </m:d>
+                            </m:e>
+                            <m:sup>
+                              <m:r>
+                                <a:rPr lang="he-IL" sz="2800" i="0">
+                                  <a:latin typeface="Cambria Math" panose="02040503050406030204" pitchFamily="18" charset="0"/>
+                                </a:rPr>
+                                <m:t>2</m:t>
+                              </m:r>
+                            </m:sup>
+                          </m:sSup>
+                        </m:e>
+                      </m:rad>
+                    </m:oMath>
+                  </m:oMathPara>
+                </a14:m>
+                <a:endParaRPr lang="he-IL" sz="2800"/>
+              </a:p>
+            </p:txBody>
+          </p:sp>
+        </mc:Choice>
+        <mc:Fallback>
+          <p:sp>
+            <p:nvSpPr>
+              <p:cNvPr id="26" name="תיבת טקסט 25">
+                <a:extLst>
+                  <a:ext uri="{FF2B5EF4-FFF2-40B4-BE49-F238E27FC236}">
+                    <a16:creationId xmlns:a16="http://schemas.microsoft.com/office/drawing/2014/main" id="{6D7F334D-B3EE-C6CB-08C9-F3E87E3F7596}"/>
+                  </a:ext>
+                </a:extLst>
+              </p:cNvPr>
+              <p:cNvSpPr txBox="1">
+                <a:spLocks noRot="1" noChangeAspect="1" noMove="1" noResize="1" noEditPoints="1" noAdjustHandles="1" noChangeArrowheads="1" noChangeShapeType="1" noTextEdit="1"/>
+              </p:cNvSpPr>
+              <p:nvPr/>
+            </p:nvSpPr>
+            <p:spPr>
+              <a:xfrm>
+                <a:off x="20814239" y="16610967"/>
+                <a:ext cx="8474400" cy="558311"/>
+              </a:xfrm>
+              <a:prstGeom prst="rect">
+                <a:avLst/>
+              </a:prstGeom>
+              <a:blipFill>
+                <a:blip r:embed="rId17"/>
+                <a:stretch>
+                  <a:fillRect b="-1099"/>
+                </a:stretch>
+              </a:blipFill>
+            </p:spPr>
+            <p:txBody>
+              <a:bodyPr/>
+              <a:lstStyle/>
+              <a:p>
+                <a:r>
+                  <a:rPr lang="en-US">
+                    <a:noFill/>
+                  </a:rPr>
+                  <a:t> </a:t>
+                </a:r>
+              </a:p>
+            </p:txBody>
+          </p:sp>
+        </mc:Fallback>
+      </mc:AlternateContent>
+      <p:pic>
+        <p:nvPicPr>
+          <p:cNvPr id="53" name="תמונה 1454689396" descr="תמונה שמכילה שחור ולבן&#10;&#10;התיאור נוצר באופן אוטומטי">
+            <a:extLst>
+              <a:ext uri="{FF2B5EF4-FFF2-40B4-BE49-F238E27FC236}">
+                <a16:creationId xmlns:a16="http://schemas.microsoft.com/office/drawing/2014/main" id="{A26BEDBB-F674-9100-5134-E75CC4570711}"/>
+              </a:ext>
+            </a:extLst>
+          </p:cNvPr>
+          <p:cNvPicPr>
+            <a:picLocks noChangeAspect="1" noChangeArrowheads="1"/>
+          </p:cNvPicPr>
+          <p:nvPr/>
+        </p:nvPicPr>
+        <p:blipFill>
+          <a:blip r:embed="rId18">
+            <a:extLst>
+              <a:ext uri="{BEBA8EAE-BF5A-486C-A8C5-ECC9F3942E4B}">
+                <a14:imgProps xmlns:a14="http://schemas.microsoft.com/office/drawing/2010/main">
+                  <a14:imgLayer r:embed="rId19">
+                    <a14:imgEffect>
+                      <a14:brightnessContrast contrast="-40000"/>
+                    </a14:imgEffect>
+                  </a14:imgLayer>
+                </a14:imgProps>
+              </a:ext>
+              <a:ext uri="{28A0092B-C50C-407E-A947-70E740481C1C}">
+                <a14:useLocalDpi xmlns:a14="http://schemas.microsoft.com/office/drawing/2010/main" val="0"/>
+              </a:ext>
+            </a:extLst>
+          </a:blip>
+          <a:srcRect l="24940" t="5663" r="21927" b="25061"/>
+          <a:stretch>
+            <a:fillRect/>
+          </a:stretch>
+        </p:blipFill>
+        <p:spPr bwMode="auto">
+          <a:xfrm>
+            <a:off x="21027817" y="8767549"/>
+            <a:ext cx="3319212" cy="4335091"/>
+          </a:xfrm>
+          <a:prstGeom prst="rect">
+            <a:avLst/>
+          </a:prstGeom>
+          <a:noFill/>
+          <a:extLst>
+            <a:ext uri="{909E8E84-426E-40DD-AFC4-6F175D3DCCD1}">
+              <a14:hiddenFill xmlns:a14="http://schemas.microsoft.com/office/drawing/2010/main">
+                <a:solidFill>
+                  <a:srgbClr val="FFFFFF"/>
+                </a:solidFill>
+              </a14:hiddenFill>
+            </a:ext>
+          </a:extLst>
+        </p:spPr>
+      </p:pic>
+      <p:sp>
+        <p:nvSpPr>
+          <p:cNvPr id="54" name="Rectangle 4">
+            <a:extLst>
+              <a:ext uri="{FF2B5EF4-FFF2-40B4-BE49-F238E27FC236}">
+                <a16:creationId xmlns:a16="http://schemas.microsoft.com/office/drawing/2014/main" id="{AB2EE117-8569-1562-875B-980282995E06}"/>
+              </a:ext>
+            </a:extLst>
+          </p:cNvPr>
+          <p:cNvSpPr>
+            <a:spLocks noChangeArrowheads="1"/>
+          </p:cNvSpPr>
+          <p:nvPr/>
+        </p:nvSpPr>
+        <p:spPr bwMode="auto">
+          <a:xfrm>
+            <a:off x="20370522" y="12986513"/>
+            <a:ext cx="4669867" cy="486664"/>
+          </a:xfrm>
+          <a:prstGeom prst="rect">
+            <a:avLst/>
+          </a:prstGeom>
+          <a:noFill/>
+          <a:ln>
+            <a:noFill/>
+          </a:ln>
+          <a:extLst>
+            <a:ext uri="{909E8E84-426E-40DD-AFC4-6F175D3DCCD1}">
+              <a14:hiddenFill xmlns:a14="http://schemas.microsoft.com/office/drawing/2010/main">
+                <a:solidFill>
+                  <a:srgbClr val="FFFFFF"/>
+                </a:solidFill>
+              </a14:hiddenFill>
+            </a:ext>
+            <a:ext uri="{91240B29-F687-4F45-9708-019B960494DF}">
+              <a14:hiddenLine xmlns:a14="http://schemas.microsoft.com/office/drawing/2010/main" w="9525">
+                <a:solidFill>
+                  <a:srgbClr val="000000"/>
+                </a:solidFill>
+                <a:miter lim="800000"/>
+                <a:headEnd/>
+                <a:tailEnd/>
+              </a14:hiddenLine>
+            </a:ext>
+          </a:extLst>
+        </p:spPr>
+        <p:txBody>
+          <a:bodyPr/>
+          <a:lstStyle/>
+          <a:p>
+            <a:pPr algn="ctr" rtl="0">
+              <a:spcBef>
+                <a:spcPts val="1682"/>
+              </a:spcBef>
+            </a:pPr>
+            <a:r>
+              <a:rPr lang="en-US" sz="2200" b="0">
+                <a:solidFill>
+                  <a:schemeClr val="dk1"/>
+                </a:solidFill>
+                <a:latin typeface="Century Gothic" panose="020B0502020202020204" pitchFamily="34" charset="0"/>
+                <a:cs typeface="+mn-cs"/>
+              </a:rPr>
+              <a:t>Full </a:t>
+            </a:r>
+            <a:r>
+              <a:rPr lang="en-US" sz="2200" b="0" err="1">
+                <a:solidFill>
+                  <a:schemeClr val="dk1"/>
+                </a:solidFill>
+                <a:latin typeface="Century Gothic" panose="020B0502020202020204" pitchFamily="34" charset="0"/>
+                <a:cs typeface="+mn-cs"/>
+              </a:rPr>
+              <a:t>FaceMesh</a:t>
+            </a:r>
+            <a:endParaRPr lang="en-US" sz="2200" b="0">
+              <a:solidFill>
+                <a:schemeClr val="dk1"/>
+              </a:solidFill>
+              <a:latin typeface="Century Gothic" panose="020B0502020202020204" pitchFamily="34" charset="0"/>
+              <a:cs typeface="+mn-cs"/>
+            </a:endParaRPr>
+          </a:p>
+        </p:txBody>
+      </p:sp>
+      <p:pic>
+        <p:nvPicPr>
+          <p:cNvPr id="59" name="תמונה 1454689396">
+            <a:extLst>
+              <a:ext uri="{FF2B5EF4-FFF2-40B4-BE49-F238E27FC236}">
+                <a16:creationId xmlns:a16="http://schemas.microsoft.com/office/drawing/2014/main" id="{8403F3A1-E652-4E20-B0E9-10C8830FA972}"/>
+              </a:ext>
+            </a:extLst>
+          </p:cNvPr>
+          <p:cNvPicPr>
+            <a:picLocks noChangeAspect="1" noChangeArrowheads="1"/>
+          </p:cNvPicPr>
+          <p:nvPr/>
+        </p:nvPicPr>
+        <p:blipFill>
+          <a:blip r:embed="rId20">
+            <a:extLst>
+              <a:ext uri="{28A0092B-C50C-407E-A947-70E740481C1C}">
+                <a14:useLocalDpi xmlns:a14="http://schemas.microsoft.com/office/drawing/2010/main" val="0"/>
+              </a:ext>
+            </a:extLst>
+          </a:blip>
+          <a:srcRect l="63" r="63"/>
+          <a:stretch/>
+        </p:blipFill>
+        <p:spPr bwMode="auto">
+          <a:xfrm>
+            <a:off x="25204631" y="8767549"/>
+            <a:ext cx="3319212" cy="4335091"/>
+          </a:xfrm>
+          <a:prstGeom prst="rect">
+            <a:avLst/>
+          </a:prstGeom>
+          <a:noFill/>
+          <a:extLst>
+            <a:ext uri="{909E8E84-426E-40DD-AFC4-6F175D3DCCD1}">
+              <a14:hiddenFill xmlns:a14="http://schemas.microsoft.com/office/drawing/2010/main">
+                <a:solidFill>
+                  <a:srgbClr val="FFFFFF"/>
+                </a:solidFill>
+              </a14:hiddenFill>
+            </a:ext>
+          </a:extLst>
+        </p:spPr>
+      </p:pic>
+      <p:sp>
+        <p:nvSpPr>
+          <p:cNvPr id="60" name="Rectangle 4">
+            <a:extLst>
+              <a:ext uri="{FF2B5EF4-FFF2-40B4-BE49-F238E27FC236}">
+                <a16:creationId xmlns:a16="http://schemas.microsoft.com/office/drawing/2014/main" id="{8A66B984-3B57-BE48-E4CF-8285A852F1E2}"/>
+              </a:ext>
+            </a:extLst>
+          </p:cNvPr>
+          <p:cNvSpPr>
+            <a:spLocks noChangeArrowheads="1"/>
+          </p:cNvSpPr>
+          <p:nvPr/>
+        </p:nvSpPr>
+        <p:spPr bwMode="auto">
+          <a:xfrm>
+            <a:off x="24578123" y="12986513"/>
+            <a:ext cx="4669867" cy="486664"/>
+          </a:xfrm>
+          <a:prstGeom prst="rect">
+            <a:avLst/>
+          </a:prstGeom>
+          <a:noFill/>
+          <a:ln>
+            <a:noFill/>
+          </a:ln>
+          <a:extLst>
+            <a:ext uri="{909E8E84-426E-40DD-AFC4-6F175D3DCCD1}">
+              <a14:hiddenFill xmlns:a14="http://schemas.microsoft.com/office/drawing/2010/main">
+                <a:solidFill>
+                  <a:srgbClr val="FFFFFF"/>
+                </a:solidFill>
+              </a14:hiddenFill>
+            </a:ext>
+            <a:ext uri="{91240B29-F687-4F45-9708-019B960494DF}">
+              <a14:hiddenLine xmlns:a14="http://schemas.microsoft.com/office/drawing/2010/main" w="9525">
+                <a:solidFill>
+                  <a:srgbClr val="000000"/>
+                </a:solidFill>
+                <a:miter lim="800000"/>
+                <a:headEnd/>
+                <a:tailEnd/>
+              </a14:hiddenLine>
+            </a:ext>
+          </a:extLst>
+        </p:spPr>
+        <p:txBody>
+          <a:bodyPr/>
+          <a:lstStyle/>
+          <a:p>
+            <a:pPr algn="ctr" rtl="0">
+              <a:spcBef>
+                <a:spcPts val="1682"/>
+              </a:spcBef>
+            </a:pPr>
+            <a:r>
+              <a:rPr lang="en-US" sz="2200" b="0">
+                <a:solidFill>
+                  <a:schemeClr val="dk1"/>
+                </a:solidFill>
+                <a:latin typeface="Century Gothic" panose="020B0502020202020204" pitchFamily="34" charset="0"/>
+                <a:cs typeface="+mn-cs"/>
+              </a:rPr>
+              <a:t>20 landmarks</a:t>
+            </a:r>
+          </a:p>
+        </p:txBody>
+      </p:sp>
+      <p:sp>
+        <p:nvSpPr>
+          <p:cNvPr id="61" name="Rectangle 4">
+            <a:extLst>
+              <a:ext uri="{FF2B5EF4-FFF2-40B4-BE49-F238E27FC236}">
+                <a16:creationId xmlns:a16="http://schemas.microsoft.com/office/drawing/2014/main" id="{A4ED3B4E-711B-AD53-144D-CE46C1380C69}"/>
+              </a:ext>
+            </a:extLst>
+          </p:cNvPr>
+          <p:cNvSpPr>
+            <a:spLocks noChangeArrowheads="1"/>
+          </p:cNvSpPr>
+          <p:nvPr/>
+        </p:nvSpPr>
+        <p:spPr bwMode="auto">
+          <a:xfrm>
+            <a:off x="10725546" y="28405585"/>
+            <a:ext cx="8820000" cy="2822758"/>
+          </a:xfrm>
+          <a:prstGeom prst="rect">
+            <a:avLst/>
+          </a:prstGeom>
+          <a:noFill/>
+          <a:ln>
+            <a:noFill/>
+          </a:ln>
+          <a:extLst>
+            <a:ext uri="{909E8E84-426E-40DD-AFC4-6F175D3DCCD1}">
+              <a14:hiddenFill xmlns:a14="http://schemas.microsoft.com/office/drawing/2010/main">
+                <a:solidFill>
+                  <a:srgbClr val="FFFFFF"/>
+                </a:solidFill>
+              </a14:hiddenFill>
+            </a:ext>
+            <a:ext uri="{91240B29-F687-4F45-9708-019B960494DF}">
+              <a14:hiddenLine xmlns:a14="http://schemas.microsoft.com/office/drawing/2010/main" w="9525">
+                <a:solidFill>
+                  <a:srgbClr val="000000"/>
+                </a:solidFill>
+                <a:miter lim="800000"/>
+                <a:headEnd/>
+                <a:tailEnd/>
+              </a14:hiddenLine>
+            </a:ext>
+          </a:extLst>
+        </p:spPr>
+        <p:txBody>
+          <a:bodyPr/>
+          <a:lstStyle/>
+          <a:p>
+            <a:pPr algn="l" rtl="0">
+              <a:spcBef>
+                <a:spcPts val="1682"/>
+              </a:spcBef>
+              <a:buSzPct val="125000"/>
+            </a:pPr>
+            <a:r>
+              <a:rPr lang="en-US" sz="2990" b="0">
+                <a:solidFill>
+                  <a:srgbClr val="000060"/>
+                </a:solidFill>
+                <a:latin typeface="Arial" panose="020B0604020202020204" pitchFamily="34" charset="0"/>
+                <a:cs typeface="Arial" panose="020B0604020202020204" pitchFamily="34" charset="0"/>
+              </a:rPr>
+              <a:t>The image is sent to the server via HTTP protocol I JPEG format.</a:t>
+            </a:r>
+          </a:p>
+          <a:p>
+            <a:pPr algn="l" rtl="0">
+              <a:spcBef>
+                <a:spcPts val="1682"/>
+              </a:spcBef>
+              <a:buSzPct val="125000"/>
+            </a:pPr>
+            <a:r>
+              <a:rPr lang="en-US" sz="2990" b="0">
+                <a:solidFill>
+                  <a:srgbClr val="000060"/>
+                </a:solidFill>
+                <a:latin typeface="Arial" panose="020B0604020202020204" pitchFamily="34" charset="0"/>
+                <a:cs typeface="Arial" panose="020B0604020202020204" pitchFamily="34" charset="0"/>
+              </a:rPr>
+              <a:t>To expedite the image transmission process, all areas except the face are painted gray (0x808080)  before sending.</a:t>
+            </a:r>
+          </a:p>
+        </p:txBody>
+      </p:sp>
+      <p:pic>
+        <p:nvPicPr>
+          <p:cNvPr id="62" name="תמונה 61">
+            <a:extLst>
+              <a:ext uri="{FF2B5EF4-FFF2-40B4-BE49-F238E27FC236}">
+                <a16:creationId xmlns:a16="http://schemas.microsoft.com/office/drawing/2014/main" id="{EA848385-DDAB-9613-C071-F722FDA0C1DD}"/>
+              </a:ext>
+            </a:extLst>
+          </p:cNvPr>
+          <p:cNvPicPr>
+            <a:picLocks noChangeAspect="1"/>
+          </p:cNvPicPr>
+          <p:nvPr/>
+        </p:nvPicPr>
+        <p:blipFill>
+          <a:blip r:embed="rId21">
+            <a:extLst>
+              <a:ext uri="{28A0092B-C50C-407E-A947-70E740481C1C}">
+                <a14:useLocalDpi xmlns:a14="http://schemas.microsoft.com/office/drawing/2010/main" val="0"/>
+              </a:ext>
+            </a:extLst>
+          </a:blip>
+          <a:srcRect/>
+          <a:stretch/>
+        </p:blipFill>
+        <p:spPr>
+          <a:xfrm>
+            <a:off x="11656229" y="31539173"/>
+            <a:ext cx="5935667" cy="3335091"/>
+          </a:xfrm>
+          <a:prstGeom prst="rect">
+            <a:avLst/>
+          </a:prstGeom>
+        </p:spPr>
+      </p:pic>
+      <p:sp>
+        <p:nvSpPr>
+          <p:cNvPr id="63" name="Rectangle 4">
+            <a:extLst>
+              <a:ext uri="{FF2B5EF4-FFF2-40B4-BE49-F238E27FC236}">
+                <a16:creationId xmlns:a16="http://schemas.microsoft.com/office/drawing/2014/main" id="{521396BD-D9AA-786B-7886-B91A7698A0A4}"/>
+              </a:ext>
+            </a:extLst>
+          </p:cNvPr>
+          <p:cNvSpPr>
+            <a:spLocks noChangeArrowheads="1"/>
+          </p:cNvSpPr>
+          <p:nvPr/>
+        </p:nvSpPr>
+        <p:spPr bwMode="auto">
+          <a:xfrm>
+            <a:off x="11657560" y="34953689"/>
+            <a:ext cx="6065227" cy="706765"/>
+          </a:xfrm>
+          <a:prstGeom prst="rect">
+            <a:avLst/>
+          </a:prstGeom>
+          <a:noFill/>
+          <a:ln>
+            <a:noFill/>
+          </a:ln>
+          <a:extLst>
+            <a:ext uri="{909E8E84-426E-40DD-AFC4-6F175D3DCCD1}">
+              <a14:hiddenFill xmlns:a14="http://schemas.microsoft.com/office/drawing/2010/main">
+                <a:solidFill>
+                  <a:srgbClr val="FFFFFF"/>
+                </a:solidFill>
+              </a14:hiddenFill>
+            </a:ext>
+            <a:ext uri="{91240B29-F687-4F45-9708-019B960494DF}">
+              <a14:hiddenLine xmlns:a14="http://schemas.microsoft.com/office/drawing/2010/main" w="9525">
+                <a:solidFill>
+                  <a:srgbClr val="000000"/>
+                </a:solidFill>
+                <a:miter lim="800000"/>
+                <a:headEnd/>
+                <a:tailEnd/>
+              </a14:hiddenLine>
+            </a:ext>
+          </a:extLst>
+        </p:spPr>
+        <p:txBody>
+          <a:bodyPr/>
+          <a:lstStyle/>
+          <a:p>
+            <a:pPr algn="ctr" rtl="0">
+              <a:spcBef>
+                <a:spcPts val="1682"/>
+              </a:spcBef>
+            </a:pPr>
+            <a:r>
+              <a:rPr lang="en-US" sz="2200" b="0">
+                <a:solidFill>
+                  <a:schemeClr val="dk1"/>
+                </a:solidFill>
+                <a:latin typeface="Century Gothic" panose="020B0502020202020204" pitchFamily="34" charset="0"/>
+                <a:cs typeface="+mn-cs"/>
+              </a:rPr>
+              <a:t>Face detected</a:t>
+            </a:r>
+          </a:p>
+        </p:txBody>
+      </p:sp>
+      <p:sp>
+        <p:nvSpPr>
+          <p:cNvPr id="66" name="Rectangle 4">
+            <a:extLst>
+              <a:ext uri="{FF2B5EF4-FFF2-40B4-BE49-F238E27FC236}">
+                <a16:creationId xmlns:a16="http://schemas.microsoft.com/office/drawing/2014/main" id="{BCB47B7D-8C28-BF68-7679-02679A682309}"/>
+              </a:ext>
+            </a:extLst>
+          </p:cNvPr>
+          <p:cNvSpPr>
+            <a:spLocks noChangeArrowheads="1"/>
+          </p:cNvSpPr>
+          <p:nvPr/>
+        </p:nvSpPr>
+        <p:spPr bwMode="auto">
+          <a:xfrm>
+            <a:off x="10794206" y="35484878"/>
+            <a:ext cx="8820000" cy="638080"/>
+          </a:xfrm>
+          <a:prstGeom prst="rect">
+            <a:avLst/>
+          </a:prstGeom>
+          <a:noFill/>
+          <a:ln>
+            <a:noFill/>
+          </a:ln>
+          <a:extLst>
+            <a:ext uri="{909E8E84-426E-40DD-AFC4-6F175D3DCCD1}">
+              <a14:hiddenFill xmlns:a14="http://schemas.microsoft.com/office/drawing/2010/main">
+                <a:solidFill>
+                  <a:srgbClr val="FFFFFF"/>
+                </a:solidFill>
+              </a14:hiddenFill>
+            </a:ext>
+            <a:ext uri="{91240B29-F687-4F45-9708-019B960494DF}">
+              <a14:hiddenLine xmlns:a14="http://schemas.microsoft.com/office/drawing/2010/main" w="9525">
+                <a:solidFill>
+                  <a:srgbClr val="000000"/>
+                </a:solidFill>
+                <a:miter lim="800000"/>
+                <a:headEnd/>
+                <a:tailEnd/>
+              </a14:hiddenLine>
+            </a:ext>
+          </a:extLst>
+        </p:spPr>
+        <p:txBody>
+          <a:bodyPr rIns="0"/>
+          <a:lstStyle/>
+          <a:p>
+            <a:pPr algn="l" rtl="0">
+              <a:spcBef>
+                <a:spcPts val="1682"/>
+              </a:spcBef>
+              <a:buSzPct val="125000"/>
+            </a:pPr>
+            <a:r>
+              <a:rPr lang="en-US" sz="2990" b="0">
+                <a:solidFill>
+                  <a:srgbClr val="000060"/>
+                </a:solidFill>
+                <a:latin typeface="Arial" panose="020B0604020202020204" pitchFamily="34" charset="0"/>
+                <a:cs typeface="Arial" panose="020B0604020202020204" pitchFamily="34" charset="0"/>
+              </a:rPr>
+              <a:t>Communication time is reduced by 65%.</a:t>
             </a:r>
           </a:p>
         </p:txBody>
